--- a/eostalk/EOS Talk BlockAliance.pptx
+++ b/eostalk/EOS Talk BlockAliance.pptx
@@ -5,7 +5,7 @@
     <p:sldMasterId id="2147483660" r:id="rId1"/>
   </p:sldMasterIdLst>
   <p:notesMasterIdLst>
-    <p:notesMasterId r:id="rId41"/>
+    <p:notesMasterId r:id="rId43"/>
   </p:notesMasterIdLst>
   <p:sldIdLst>
     <p:sldId id="256" r:id="rId2"/>
@@ -25,28 +25,30 @@
     <p:sldId id="411" r:id="rId16"/>
     <p:sldId id="421" r:id="rId17"/>
     <p:sldId id="409" r:id="rId18"/>
-    <p:sldId id="422" r:id="rId19"/>
-    <p:sldId id="412" r:id="rId20"/>
-    <p:sldId id="417" r:id="rId21"/>
-    <p:sldId id="279" r:id="rId22"/>
-    <p:sldId id="398" r:id="rId23"/>
-    <p:sldId id="413" r:id="rId24"/>
+    <p:sldId id="413" r:id="rId19"/>
+    <p:sldId id="423" r:id="rId20"/>
+    <p:sldId id="422" r:id="rId21"/>
+    <p:sldId id="412" r:id="rId22"/>
+    <p:sldId id="417" r:id="rId23"/>
+    <p:sldId id="279" r:id="rId24"/>
     <p:sldId id="323" r:id="rId25"/>
     <p:sldId id="414" r:id="rId26"/>
-    <p:sldId id="416" r:id="rId27"/>
-    <p:sldId id="415" r:id="rId28"/>
-    <p:sldId id="361" r:id="rId29"/>
-    <p:sldId id="282" r:id="rId30"/>
-    <p:sldId id="391" r:id="rId31"/>
-    <p:sldId id="392" r:id="rId32"/>
-    <p:sldId id="375" r:id="rId33"/>
-    <p:sldId id="363" r:id="rId34"/>
-    <p:sldId id="390" r:id="rId35"/>
-    <p:sldId id="338" r:id="rId36"/>
-    <p:sldId id="399" r:id="rId37"/>
-    <p:sldId id="313" r:id="rId38"/>
-    <p:sldId id="397" r:id="rId39"/>
-    <p:sldId id="317" r:id="rId40"/>
+    <p:sldId id="424" r:id="rId27"/>
+    <p:sldId id="416" r:id="rId28"/>
+    <p:sldId id="415" r:id="rId29"/>
+    <p:sldId id="398" r:id="rId30"/>
+    <p:sldId id="361" r:id="rId31"/>
+    <p:sldId id="282" r:id="rId32"/>
+    <p:sldId id="391" r:id="rId33"/>
+    <p:sldId id="392" r:id="rId34"/>
+    <p:sldId id="375" r:id="rId35"/>
+    <p:sldId id="363" r:id="rId36"/>
+    <p:sldId id="390" r:id="rId37"/>
+    <p:sldId id="338" r:id="rId38"/>
+    <p:sldId id="399" r:id="rId39"/>
+    <p:sldId id="313" r:id="rId40"/>
+    <p:sldId id="397" r:id="rId41"/>
+    <p:sldId id="317" r:id="rId42"/>
   </p:sldIdLst>
   <p:sldSz cx="12192000" cy="6858000"/>
   <p:notesSz cx="6858000" cy="9144000"/>
@@ -16191,7 +16193,7 @@
           <a:p>
             <a:fld id="{6D9EE66E-0075-4EC7-AFEF-A844E5107398}" type="datetimeFigureOut">
               <a:rPr lang="en-US" smtClean="0"/>
-              <a:t>4/26/2018</a:t>
+              <a:t>4/27/2018</a:t>
             </a:fld>
             <a:endParaRPr lang="en-US" dirty="0"/>
           </a:p>
@@ -16607,7 +16609,7 @@
           <a:p>
             <a:fld id="{0028CEC6-6647-4E08-96EC-6F66E0D22DB5}" type="slidenum">
               <a:rPr lang="en-US" smtClean="0"/>
-              <a:t>24</a:t>
+              <a:t>28</a:t>
             </a:fld>
             <a:endParaRPr lang="en-US" dirty="0"/>
           </a:p>
@@ -16616,7 +16618,7 @@
     </p:spTree>
     <p:extLst>
       <p:ext uri="{BB962C8B-B14F-4D97-AF65-F5344CB8AC3E}">
-        <p14:creationId xmlns:p14="http://schemas.microsoft.com/office/powerpoint/2010/main" val="3514021565"/>
+        <p14:creationId xmlns:p14="http://schemas.microsoft.com/office/powerpoint/2010/main" val="299773020"/>
       </p:ext>
     </p:extLst>
   </p:cSld>
@@ -16691,7 +16693,7 @@
           <a:p>
             <a:fld id="{0028CEC6-6647-4E08-96EC-6F66E0D22DB5}" type="slidenum">
               <a:rPr lang="en-US" smtClean="0"/>
-              <a:t>27</a:t>
+              <a:t>29</a:t>
             </a:fld>
             <a:endParaRPr lang="en-US" dirty="0"/>
           </a:p>
@@ -16700,7 +16702,7 @@
     </p:spTree>
     <p:extLst>
       <p:ext uri="{BB962C8B-B14F-4D97-AF65-F5344CB8AC3E}">
-        <p14:creationId xmlns:p14="http://schemas.microsoft.com/office/powerpoint/2010/main" val="299773020"/>
+        <p14:creationId xmlns:p14="http://schemas.microsoft.com/office/powerpoint/2010/main" val="3487501485"/>
       </p:ext>
     </p:extLst>
   </p:cSld>
@@ -16775,7 +16777,7 @@
           <a:p>
             <a:fld id="{0028CEC6-6647-4E08-96EC-6F66E0D22DB5}" type="slidenum">
               <a:rPr lang="en-US" smtClean="0"/>
-              <a:t>28</a:t>
+              <a:t>30</a:t>
             </a:fld>
             <a:endParaRPr lang="en-US" dirty="0"/>
           </a:p>
@@ -16859,7 +16861,7 @@
           <a:p>
             <a:fld id="{0028CEC6-6647-4E08-96EC-6F66E0D22DB5}" type="slidenum">
               <a:rPr lang="en-US" smtClean="0"/>
-              <a:t>32</a:t>
+              <a:t>34</a:t>
             </a:fld>
             <a:endParaRPr lang="en-US" dirty="0"/>
           </a:p>
@@ -16943,7 +16945,7 @@
           <a:p>
             <a:fld id="{0028CEC6-6647-4E08-96EC-6F66E0D22DB5}" type="slidenum">
               <a:rPr lang="en-US" smtClean="0"/>
-              <a:t>36</a:t>
+              <a:t>38</a:t>
             </a:fld>
             <a:endParaRPr lang="en-US" dirty="0"/>
           </a:p>
@@ -17027,7 +17029,7 @@
           <a:p>
             <a:fld id="{0028CEC6-6647-4E08-96EC-6F66E0D22DB5}" type="slidenum">
               <a:rPr lang="en-US" smtClean="0"/>
-              <a:t>37</a:t>
+              <a:t>39</a:t>
             </a:fld>
             <a:endParaRPr lang="en-US" dirty="0"/>
           </a:p>
@@ -17547,7 +17549,7 @@
           <a:p>
             <a:fld id="{0028CEC6-6647-4E08-96EC-6F66E0D22DB5}" type="slidenum">
               <a:rPr lang="en-US" smtClean="0"/>
-              <a:t>19</a:t>
+              <a:t>21</a:t>
             </a:fld>
             <a:endParaRPr lang="en-US" dirty="0"/>
           </a:p>
@@ -17631,7 +17633,7 @@
           <a:p>
             <a:fld id="{0028CEC6-6647-4E08-96EC-6F66E0D22DB5}" type="slidenum">
               <a:rPr lang="en-US" smtClean="0"/>
-              <a:t>21</a:t>
+              <a:t>23</a:t>
             </a:fld>
             <a:endParaRPr lang="en-US" dirty="0"/>
           </a:p>
@@ -17715,7 +17717,7 @@
           <a:p>
             <a:fld id="{0028CEC6-6647-4E08-96EC-6F66E0D22DB5}" type="slidenum">
               <a:rPr lang="en-US" smtClean="0"/>
-              <a:t>22</a:t>
+              <a:t>24</a:t>
             </a:fld>
             <a:endParaRPr lang="en-US" dirty="0"/>
           </a:p>
@@ -17724,7 +17726,7 @@
     </p:spTree>
     <p:extLst>
       <p:ext uri="{BB962C8B-B14F-4D97-AF65-F5344CB8AC3E}">
-        <p14:creationId xmlns:p14="http://schemas.microsoft.com/office/powerpoint/2010/main" val="3487501485"/>
+        <p14:creationId xmlns:p14="http://schemas.microsoft.com/office/powerpoint/2010/main" val="3514021565"/>
       </p:ext>
     </p:extLst>
   </p:cSld>
@@ -17802,7 +17804,7 @@
             </a:ln>
             <a:extLst>
               <a:ext uri="{91240B29-F687-4f45-9708-019B960494DF}">
-                <a14:hiddenLine xmlns="" xmlns:a14="http://schemas.microsoft.com/office/drawing/2010/main" w="9525">
+                <a14:hiddenLine xmlns:a14="http://schemas.microsoft.com/office/drawing/2010/main" xmlns="" w="9525">
                   <a:solidFill>
                     <a:srgbClr val="000000"/>
                   </a:solidFill>
@@ -17892,7 +17894,7 @@
             </a:ln>
             <a:extLst>
               <a:ext uri="{91240B29-F687-4f45-9708-019B960494DF}">
-                <a14:hiddenLine xmlns="" xmlns:a14="http://schemas.microsoft.com/office/drawing/2010/main" w="9525">
+                <a14:hiddenLine xmlns:a14="http://schemas.microsoft.com/office/drawing/2010/main" xmlns="" w="9525">
                   <a:solidFill>
                     <a:srgbClr val="000000"/>
                   </a:solidFill>
@@ -17982,7 +17984,7 @@
             </a:ln>
             <a:extLst>
               <a:ext uri="{91240B29-F687-4f45-9708-019B960494DF}">
-                <a14:hiddenLine xmlns="" xmlns:a14="http://schemas.microsoft.com/office/drawing/2010/main" w="9525">
+                <a14:hiddenLine xmlns:a14="http://schemas.microsoft.com/office/drawing/2010/main" xmlns="" w="9525">
                   <a:solidFill>
                     <a:srgbClr val="000000"/>
                   </a:solidFill>
@@ -18016,7 +18018,7 @@
             </a:ln>
             <a:extLst>
               <a:ext uri="{91240B29-F687-4f45-9708-019B960494DF}">
-                <a14:hiddenLine xmlns="" xmlns:a14="http://schemas.microsoft.com/office/drawing/2010/main" w="9525">
+                <a14:hiddenLine xmlns:a14="http://schemas.microsoft.com/office/drawing/2010/main" xmlns="" w="9525">
                   <a:solidFill>
                     <a:srgbClr val="000000"/>
                   </a:solidFill>
@@ -18106,7 +18108,7 @@
             </a:ln>
             <a:extLst>
               <a:ext uri="{91240B29-F687-4f45-9708-019B960494DF}">
-                <a14:hiddenLine xmlns="" xmlns:a14="http://schemas.microsoft.com/office/drawing/2010/main" w="9525">
+                <a14:hiddenLine xmlns:a14="http://schemas.microsoft.com/office/drawing/2010/main" xmlns="" w="9525">
                   <a:solidFill>
                     <a:srgbClr val="000000"/>
                   </a:solidFill>
@@ -18168,7 +18170,7 @@
             </a:ln>
             <a:extLst>
               <a:ext uri="{91240B29-F687-4f45-9708-019B960494DF}">
-                <a14:hiddenLine xmlns="" xmlns:a14="http://schemas.microsoft.com/office/drawing/2010/main" w="9525">
+                <a14:hiddenLine xmlns:a14="http://schemas.microsoft.com/office/drawing/2010/main" xmlns="" w="9525">
                   <a:solidFill>
                     <a:srgbClr val="000000"/>
                   </a:solidFill>
@@ -18230,7 +18232,7 @@
             </a:ln>
             <a:extLst>
               <a:ext uri="{91240B29-F687-4f45-9708-019B960494DF}">
-                <a14:hiddenLine xmlns="" xmlns:a14="http://schemas.microsoft.com/office/drawing/2010/main" w="9525">
+                <a14:hiddenLine xmlns:a14="http://schemas.microsoft.com/office/drawing/2010/main" xmlns="" w="9525">
                   <a:solidFill>
                     <a:srgbClr val="000000"/>
                   </a:solidFill>
@@ -18320,7 +18322,7 @@
             </a:ln>
             <a:extLst>
               <a:ext uri="{91240B29-F687-4f45-9708-019B960494DF}">
-                <a14:hiddenLine xmlns="" xmlns:a14="http://schemas.microsoft.com/office/drawing/2010/main" w="9525">
+                <a14:hiddenLine xmlns:a14="http://schemas.microsoft.com/office/drawing/2010/main" xmlns="" w="9525">
                   <a:solidFill>
                     <a:srgbClr val="000000"/>
                   </a:solidFill>
@@ -18382,7 +18384,7 @@
             </a:ln>
             <a:extLst>
               <a:ext uri="{91240B29-F687-4f45-9708-019B960494DF}">
-                <a14:hiddenLine xmlns="" xmlns:a14="http://schemas.microsoft.com/office/drawing/2010/main" w="9525">
+                <a14:hiddenLine xmlns:a14="http://schemas.microsoft.com/office/drawing/2010/main" xmlns="" w="9525">
                   <a:solidFill>
                     <a:srgbClr val="000000"/>
                   </a:solidFill>
@@ -18444,7 +18446,7 @@
             </a:ln>
             <a:extLst>
               <a:ext uri="{91240B29-F687-4f45-9708-019B960494DF}">
-                <a14:hiddenLine xmlns="" xmlns:a14="http://schemas.microsoft.com/office/drawing/2010/main" w="9525">
+                <a14:hiddenLine xmlns:a14="http://schemas.microsoft.com/office/drawing/2010/main" xmlns="" w="9525">
                   <a:solidFill>
                     <a:srgbClr val="000000"/>
                   </a:solidFill>
@@ -18534,7 +18536,7 @@
             </a:ln>
             <a:extLst>
               <a:ext uri="{91240B29-F687-4f45-9708-019B960494DF}">
-                <a14:hiddenLine xmlns="" xmlns:a14="http://schemas.microsoft.com/office/drawing/2010/main" w="9525">
+                <a14:hiddenLine xmlns:a14="http://schemas.microsoft.com/office/drawing/2010/main" xmlns="" w="9525">
                   <a:solidFill>
                     <a:srgbClr val="000000"/>
                   </a:solidFill>
@@ -18624,7 +18626,7 @@
             </a:ln>
             <a:extLst>
               <a:ext uri="{91240B29-F687-4f45-9708-019B960494DF}">
-                <a14:hiddenLine xmlns="" xmlns:a14="http://schemas.microsoft.com/office/drawing/2010/main" w="9525">
+                <a14:hiddenLine xmlns:a14="http://schemas.microsoft.com/office/drawing/2010/main" xmlns="" w="9525">
                   <a:solidFill>
                     <a:srgbClr val="000000"/>
                   </a:solidFill>
@@ -18686,7 +18688,7 @@
             </a:ln>
             <a:extLst>
               <a:ext uri="{91240B29-F687-4f45-9708-019B960494DF}">
-                <a14:hiddenLine xmlns="" xmlns:a14="http://schemas.microsoft.com/office/drawing/2010/main" w="9525">
+                <a14:hiddenLine xmlns:a14="http://schemas.microsoft.com/office/drawing/2010/main" xmlns="" w="9525">
                   <a:solidFill>
                     <a:srgbClr val="000000"/>
                   </a:solidFill>
@@ -18796,7 +18798,7 @@
             </a:ln>
             <a:extLst>
               <a:ext uri="{91240B29-F687-4f45-9708-019B960494DF}">
-                <a14:hiddenLine xmlns="" xmlns:a14="http://schemas.microsoft.com/office/drawing/2010/main" w="9525">
+                <a14:hiddenLine xmlns:a14="http://schemas.microsoft.com/office/drawing/2010/main" xmlns="" w="9525">
                   <a:solidFill>
                     <a:srgbClr val="000000"/>
                   </a:solidFill>
@@ -18858,7 +18860,7 @@
             </a:ln>
             <a:extLst>
               <a:ext uri="{91240B29-F687-4f45-9708-019B960494DF}">
-                <a14:hiddenLine xmlns="" xmlns:a14="http://schemas.microsoft.com/office/drawing/2010/main" w="9525">
+                <a14:hiddenLine xmlns:a14="http://schemas.microsoft.com/office/drawing/2010/main" xmlns="" w="9525">
                   <a:solidFill>
                     <a:srgbClr val="000000"/>
                   </a:solidFill>
@@ -18948,7 +18950,7 @@
             </a:ln>
             <a:extLst>
               <a:ext uri="{91240B29-F687-4f45-9708-019B960494DF}">
-                <a14:hiddenLine xmlns="" xmlns:a14="http://schemas.microsoft.com/office/drawing/2010/main" w="9525">
+                <a14:hiddenLine xmlns:a14="http://schemas.microsoft.com/office/drawing/2010/main" xmlns="" w="9525">
                   <a:solidFill>
                     <a:srgbClr val="000000"/>
                   </a:solidFill>
@@ -19038,7 +19040,7 @@
             </a:ln>
             <a:extLst>
               <a:ext uri="{91240B29-F687-4f45-9708-019B960494DF}">
-                <a14:hiddenLine xmlns="" xmlns:a14="http://schemas.microsoft.com/office/drawing/2010/main" w="9525">
+                <a14:hiddenLine xmlns:a14="http://schemas.microsoft.com/office/drawing/2010/main" xmlns="" w="9525">
                   <a:solidFill>
                     <a:srgbClr val="000000"/>
                   </a:solidFill>
@@ -19100,7 +19102,7 @@
             </a:ln>
             <a:extLst>
               <a:ext uri="{91240B29-F687-4f45-9708-019B960494DF}">
-                <a14:hiddenLine xmlns="" xmlns:a14="http://schemas.microsoft.com/office/drawing/2010/main" w="9525">
+                <a14:hiddenLine xmlns:a14="http://schemas.microsoft.com/office/drawing/2010/main" xmlns="" w="9525">
                   <a:solidFill>
                     <a:srgbClr val="000000"/>
                   </a:solidFill>
@@ -19190,7 +19192,7 @@
             </a:ln>
             <a:extLst>
               <a:ext uri="{91240B29-F687-4f45-9708-019B960494DF}">
-                <a14:hiddenLine xmlns="" xmlns:a14="http://schemas.microsoft.com/office/drawing/2010/main" w="9525">
+                <a14:hiddenLine xmlns:a14="http://schemas.microsoft.com/office/drawing/2010/main" xmlns="" w="9525">
                   <a:solidFill>
                     <a:srgbClr val="000000"/>
                   </a:solidFill>
@@ -19280,7 +19282,7 @@
             </a:ln>
             <a:extLst>
               <a:ext uri="{91240B29-F687-4f45-9708-019B960494DF}">
-                <a14:hiddenLine xmlns="" xmlns:a14="http://schemas.microsoft.com/office/drawing/2010/main" w="9525">
+                <a14:hiddenLine xmlns:a14="http://schemas.microsoft.com/office/drawing/2010/main" xmlns="" w="9525">
                   <a:solidFill>
                     <a:srgbClr val="000000"/>
                   </a:solidFill>
@@ -19336,7 +19338,7 @@
             </a:ln>
             <a:extLst>
               <a:ext uri="{91240B29-F687-4f45-9708-019B960494DF}">
-                <a14:hiddenLine xmlns="" xmlns:a14="http://schemas.microsoft.com/office/drawing/2010/main" w="9525">
+                <a14:hiddenLine xmlns:a14="http://schemas.microsoft.com/office/drawing/2010/main" xmlns="" w="9525">
                   <a:solidFill>
                     <a:srgbClr val="000000"/>
                   </a:solidFill>
@@ -19426,7 +19428,7 @@
             </a:ln>
             <a:extLst>
               <a:ext uri="{91240B29-F687-4f45-9708-019B960494DF}">
-                <a14:hiddenLine xmlns="" xmlns:a14="http://schemas.microsoft.com/office/drawing/2010/main" w="9525">
+                <a14:hiddenLine xmlns:a14="http://schemas.microsoft.com/office/drawing/2010/main" xmlns="" w="9525">
                   <a:solidFill>
                     <a:srgbClr val="000000"/>
                   </a:solidFill>
@@ -19482,7 +19484,7 @@
             </a:ln>
             <a:extLst>
               <a:ext uri="{91240B29-F687-4f45-9708-019B960494DF}">
-                <a14:hiddenLine xmlns="" xmlns:a14="http://schemas.microsoft.com/office/drawing/2010/main" w="9525">
+                <a14:hiddenLine xmlns:a14="http://schemas.microsoft.com/office/drawing/2010/main" xmlns="" w="9525">
                   <a:solidFill>
                     <a:srgbClr val="000000"/>
                   </a:solidFill>
@@ -19572,7 +19574,7 @@
             </a:ln>
             <a:extLst>
               <a:ext uri="{91240B29-F687-4f45-9708-019B960494DF}">
-                <a14:hiddenLine xmlns="" xmlns:a14="http://schemas.microsoft.com/office/drawing/2010/main" w="9525">
+                <a14:hiddenLine xmlns:a14="http://schemas.microsoft.com/office/drawing/2010/main" xmlns="" w="9525">
                   <a:solidFill>
                     <a:srgbClr val="000000"/>
                   </a:solidFill>
@@ -19640,7 +19642,7 @@
             </a:ln>
             <a:extLst>
               <a:ext uri="{91240B29-F687-4f45-9708-019B960494DF}">
-                <a14:hiddenLine xmlns="" xmlns:a14="http://schemas.microsoft.com/office/drawing/2010/main" w="9525">
+                <a14:hiddenLine xmlns:a14="http://schemas.microsoft.com/office/drawing/2010/main" xmlns="" w="9525">
                   <a:solidFill>
                     <a:srgbClr val="000000"/>
                   </a:solidFill>
@@ -19730,7 +19732,7 @@
             </a:ln>
             <a:extLst>
               <a:ext uri="{91240B29-F687-4f45-9708-019B960494DF}">
-                <a14:hiddenLine xmlns="" xmlns:a14="http://schemas.microsoft.com/office/drawing/2010/main" w="9525">
+                <a14:hiddenLine xmlns:a14="http://schemas.microsoft.com/office/drawing/2010/main" xmlns="" w="9525">
                   <a:solidFill>
                     <a:srgbClr val="000000"/>
                   </a:solidFill>
@@ -19798,7 +19800,7 @@
             </a:ln>
             <a:extLst>
               <a:ext uri="{91240B29-F687-4f45-9708-019B960494DF}">
-                <a14:hiddenLine xmlns="" xmlns:a14="http://schemas.microsoft.com/office/drawing/2010/main" w="9525">
+                <a14:hiddenLine xmlns:a14="http://schemas.microsoft.com/office/drawing/2010/main" xmlns="" w="9525">
                   <a:solidFill>
                     <a:srgbClr val="000000"/>
                   </a:solidFill>
@@ -19888,7 +19890,7 @@
             </a:ln>
             <a:extLst>
               <a:ext uri="{91240B29-F687-4f45-9708-019B960494DF}">
-                <a14:hiddenLine xmlns="" xmlns:a14="http://schemas.microsoft.com/office/drawing/2010/main" w="9525">
+                <a14:hiddenLine xmlns:a14="http://schemas.microsoft.com/office/drawing/2010/main" xmlns="" w="9525">
                   <a:solidFill>
                     <a:srgbClr val="000000"/>
                   </a:solidFill>
@@ -19922,7 +19924,7 @@
             </a:ln>
             <a:extLst>
               <a:ext uri="{91240B29-F687-4f45-9708-019B960494DF}">
-                <a14:hiddenLine xmlns="" xmlns:a14="http://schemas.microsoft.com/office/drawing/2010/main" w="9525">
+                <a14:hiddenLine xmlns:a14="http://schemas.microsoft.com/office/drawing/2010/main" xmlns="" w="9525">
                   <a:solidFill>
                     <a:srgbClr val="000000"/>
                   </a:solidFill>
@@ -20012,7 +20014,7 @@
             </a:ln>
             <a:extLst>
               <a:ext uri="{91240B29-F687-4f45-9708-019B960494DF}">
-                <a14:hiddenLine xmlns="" xmlns:a14="http://schemas.microsoft.com/office/drawing/2010/main" w="9525">
+                <a14:hiddenLine xmlns:a14="http://schemas.microsoft.com/office/drawing/2010/main" xmlns="" w="9525">
                   <a:solidFill>
                     <a:srgbClr val="000000"/>
                   </a:solidFill>
@@ -20074,7 +20076,7 @@
             </a:ln>
             <a:extLst>
               <a:ext uri="{91240B29-F687-4f45-9708-019B960494DF}">
-                <a14:hiddenLine xmlns="" xmlns:a14="http://schemas.microsoft.com/office/drawing/2010/main" w="9525">
+                <a14:hiddenLine xmlns:a14="http://schemas.microsoft.com/office/drawing/2010/main" xmlns="" w="9525">
                   <a:solidFill>
                     <a:srgbClr val="000000"/>
                   </a:solidFill>
@@ -20136,7 +20138,7 @@
             </a:ln>
             <a:extLst>
               <a:ext uri="{91240B29-F687-4f45-9708-019B960494DF}">
-                <a14:hiddenLine xmlns="" xmlns:a14="http://schemas.microsoft.com/office/drawing/2010/main" w="9525">
+                <a14:hiddenLine xmlns:a14="http://schemas.microsoft.com/office/drawing/2010/main" xmlns="" w="9525">
                   <a:solidFill>
                     <a:srgbClr val="000000"/>
                   </a:solidFill>
@@ -20226,7 +20228,7 @@
             </a:ln>
             <a:extLst>
               <a:ext uri="{91240B29-F687-4f45-9708-019B960494DF}">
-                <a14:hiddenLine xmlns="" xmlns:a14="http://schemas.microsoft.com/office/drawing/2010/main" w="9525">
+                <a14:hiddenLine xmlns:a14="http://schemas.microsoft.com/office/drawing/2010/main" xmlns="" w="9525">
                   <a:solidFill>
                     <a:srgbClr val="000000"/>
                   </a:solidFill>
@@ -20294,7 +20296,7 @@
             </a:ln>
             <a:extLst>
               <a:ext uri="{91240B29-F687-4f45-9708-019B960494DF}">
-                <a14:hiddenLine xmlns="" xmlns:a14="http://schemas.microsoft.com/office/drawing/2010/main" w="9525">
+                <a14:hiddenLine xmlns:a14="http://schemas.microsoft.com/office/drawing/2010/main" xmlns="" w="9525">
                   <a:solidFill>
                     <a:srgbClr val="000000"/>
                   </a:solidFill>
@@ -20356,7 +20358,7 @@
             </a:ln>
             <a:extLst>
               <a:ext uri="{91240B29-F687-4f45-9708-019B960494DF}">
-                <a14:hiddenLine xmlns="" xmlns:a14="http://schemas.microsoft.com/office/drawing/2010/main" w="9525">
+                <a14:hiddenLine xmlns:a14="http://schemas.microsoft.com/office/drawing/2010/main" xmlns="" w="9525">
                   <a:solidFill>
                     <a:srgbClr val="000000"/>
                   </a:solidFill>
@@ -20446,7 +20448,7 @@
             </a:ln>
             <a:extLst>
               <a:ext uri="{91240B29-F687-4f45-9708-019B960494DF}">
-                <a14:hiddenLine xmlns="" xmlns:a14="http://schemas.microsoft.com/office/drawing/2010/main" w="9525">
+                <a14:hiddenLine xmlns:a14="http://schemas.microsoft.com/office/drawing/2010/main" xmlns="" w="9525">
                   <a:solidFill>
                     <a:srgbClr val="000000"/>
                   </a:solidFill>
@@ -20508,7 +20510,7 @@
             </a:ln>
             <a:extLst>
               <a:ext uri="{91240B29-F687-4f45-9708-019B960494DF}">
-                <a14:hiddenLine xmlns="" xmlns:a14="http://schemas.microsoft.com/office/drawing/2010/main" w="9525">
+                <a14:hiddenLine xmlns:a14="http://schemas.microsoft.com/office/drawing/2010/main" xmlns="" w="9525">
                   <a:solidFill>
                     <a:srgbClr val="000000"/>
                   </a:solidFill>
@@ -20598,7 +20600,7 @@
             </a:ln>
             <a:extLst>
               <a:ext uri="{91240B29-F687-4f45-9708-019B960494DF}">
-                <a14:hiddenLine xmlns="" xmlns:a14="http://schemas.microsoft.com/office/drawing/2010/main" w="9525">
+                <a14:hiddenLine xmlns:a14="http://schemas.microsoft.com/office/drawing/2010/main" xmlns="" w="9525">
                   <a:solidFill>
                     <a:srgbClr val="000000"/>
                   </a:solidFill>
@@ -20660,7 +20662,7 @@
             </a:ln>
             <a:extLst>
               <a:ext uri="{91240B29-F687-4f45-9708-019B960494DF}">
-                <a14:hiddenLine xmlns="" xmlns:a14="http://schemas.microsoft.com/office/drawing/2010/main" w="9525">
+                <a14:hiddenLine xmlns:a14="http://schemas.microsoft.com/office/drawing/2010/main" xmlns="" w="9525">
                   <a:solidFill>
                     <a:srgbClr val="000000"/>
                   </a:solidFill>
@@ -20750,7 +20752,7 @@
             </a:ln>
             <a:extLst>
               <a:ext uri="{91240B29-F687-4f45-9708-019B960494DF}">
-                <a14:hiddenLine xmlns="" xmlns:a14="http://schemas.microsoft.com/office/drawing/2010/main" w="9525">
+                <a14:hiddenLine xmlns:a14="http://schemas.microsoft.com/office/drawing/2010/main" xmlns="" w="9525">
                   <a:solidFill>
                     <a:srgbClr val="000000"/>
                   </a:solidFill>
@@ -20784,7 +20786,7 @@
             </a:ln>
             <a:extLst>
               <a:ext uri="{91240B29-F687-4f45-9708-019B960494DF}">
-                <a14:hiddenLine xmlns="" xmlns:a14="http://schemas.microsoft.com/office/drawing/2010/main" w="9525">
+                <a14:hiddenLine xmlns:a14="http://schemas.microsoft.com/office/drawing/2010/main" xmlns="" w="9525">
                   <a:solidFill>
                     <a:srgbClr val="000000"/>
                   </a:solidFill>
@@ -20849,7 +20851,7 @@
             </a:ln>
             <a:extLst>
               <a:ext uri="{91240B29-F687-4f45-9708-019B960494DF}">
-                <a14:hiddenLine xmlns="" xmlns:a14="http://schemas.microsoft.com/office/drawing/2010/main" w="9525">
+                <a14:hiddenLine xmlns:a14="http://schemas.microsoft.com/office/drawing/2010/main" xmlns="" w="9525">
                   <a:solidFill>
                     <a:srgbClr val="000000"/>
                   </a:solidFill>
@@ -20939,7 +20941,7 @@
             </a:ln>
             <a:extLst>
               <a:ext uri="{91240B29-F687-4f45-9708-019B960494DF}">
-                <a14:hiddenLine xmlns="" xmlns:a14="http://schemas.microsoft.com/office/drawing/2010/main" w="9525">
+                <a14:hiddenLine xmlns:a14="http://schemas.microsoft.com/office/drawing/2010/main" xmlns="" w="9525">
                   <a:solidFill>
                     <a:srgbClr val="000000"/>
                   </a:solidFill>
@@ -21001,7 +21003,7 @@
             </a:ln>
             <a:extLst>
               <a:ext uri="{91240B29-F687-4f45-9708-019B960494DF}">
-                <a14:hiddenLine xmlns="" xmlns:a14="http://schemas.microsoft.com/office/drawing/2010/main" w="9525">
+                <a14:hiddenLine xmlns:a14="http://schemas.microsoft.com/office/drawing/2010/main" xmlns="" w="9525">
                   <a:solidFill>
                     <a:srgbClr val="000000"/>
                   </a:solidFill>
@@ -21091,7 +21093,7 @@
             </a:ln>
             <a:extLst>
               <a:ext uri="{91240B29-F687-4f45-9708-019B960494DF}">
-                <a14:hiddenLine xmlns="" xmlns:a14="http://schemas.microsoft.com/office/drawing/2010/main" w="9525">
+                <a14:hiddenLine xmlns:a14="http://schemas.microsoft.com/office/drawing/2010/main" xmlns="" w="9525">
                   <a:solidFill>
                     <a:srgbClr val="000000"/>
                   </a:solidFill>
@@ -21181,7 +21183,7 @@
             </a:ln>
             <a:extLst>
               <a:ext uri="{91240B29-F687-4f45-9708-019B960494DF}">
-                <a14:hiddenLine xmlns="" xmlns:a14="http://schemas.microsoft.com/office/drawing/2010/main" w="9525">
+                <a14:hiddenLine xmlns:a14="http://schemas.microsoft.com/office/drawing/2010/main" xmlns="" w="9525">
                   <a:solidFill>
                     <a:srgbClr val="000000"/>
                   </a:solidFill>
@@ -21246,7 +21248,7 @@
             </a:ln>
             <a:extLst>
               <a:ext uri="{91240B29-F687-4f45-9708-019B960494DF}">
-                <a14:hiddenLine xmlns="" xmlns:a14="http://schemas.microsoft.com/office/drawing/2010/main" w="9525">
+                <a14:hiddenLine xmlns:a14="http://schemas.microsoft.com/office/drawing/2010/main" xmlns="" w="9525">
                   <a:solidFill>
                     <a:srgbClr val="000000"/>
                   </a:solidFill>
@@ -21308,7 +21310,7 @@
             </a:ln>
             <a:extLst>
               <a:ext uri="{91240B29-F687-4f45-9708-019B960494DF}">
-                <a14:hiddenLine xmlns="" xmlns:a14="http://schemas.microsoft.com/office/drawing/2010/main" w="9525">
+                <a14:hiddenLine xmlns:a14="http://schemas.microsoft.com/office/drawing/2010/main" xmlns="" w="9525">
                   <a:solidFill>
                     <a:srgbClr val="000000"/>
                   </a:solidFill>
@@ -21398,7 +21400,7 @@
             </a:ln>
             <a:extLst>
               <a:ext uri="{91240B29-F687-4f45-9708-019B960494DF}">
-                <a14:hiddenLine xmlns="" xmlns:a14="http://schemas.microsoft.com/office/drawing/2010/main" w="9525">
+                <a14:hiddenLine xmlns:a14="http://schemas.microsoft.com/office/drawing/2010/main" xmlns="" w="9525">
                   <a:solidFill>
                     <a:srgbClr val="000000"/>
                   </a:solidFill>
@@ -21488,7 +21490,7 @@
             </a:ln>
             <a:extLst>
               <a:ext uri="{91240B29-F687-4f45-9708-019B960494DF}">
-                <a14:hiddenLine xmlns="" xmlns:a14="http://schemas.microsoft.com/office/drawing/2010/main" w="9525">
+                <a14:hiddenLine xmlns:a14="http://schemas.microsoft.com/office/drawing/2010/main" xmlns="" w="9525">
                   <a:solidFill>
                     <a:srgbClr val="000000"/>
                   </a:solidFill>
@@ -21550,7 +21552,7 @@
             </a:ln>
             <a:extLst>
               <a:ext uri="{91240B29-F687-4f45-9708-019B960494DF}">
-                <a14:hiddenLine xmlns="" xmlns:a14="http://schemas.microsoft.com/office/drawing/2010/main" w="9525">
+                <a14:hiddenLine xmlns:a14="http://schemas.microsoft.com/office/drawing/2010/main" xmlns="" w="9525">
                   <a:solidFill>
                     <a:srgbClr val="000000"/>
                   </a:solidFill>
@@ -21670,7 +21672,7 @@
             </a:ln>
             <a:extLst>
               <a:ext uri="{91240B29-F687-4f45-9708-019B960494DF}">
-                <a14:hiddenLine xmlns="" xmlns:a14="http://schemas.microsoft.com/office/drawing/2010/main" w="9525">
+                <a14:hiddenLine xmlns:a14="http://schemas.microsoft.com/office/drawing/2010/main" xmlns="" w="9525">
                   <a:solidFill>
                     <a:srgbClr val="000000"/>
                   </a:solidFill>
@@ -21738,7 +21740,7 @@
             </a:ln>
             <a:extLst>
               <a:ext uri="{91240B29-F687-4f45-9708-019B960494DF}">
-                <a14:hiddenLine xmlns="" xmlns:a14="http://schemas.microsoft.com/office/drawing/2010/main" w="9525">
+                <a14:hiddenLine xmlns:a14="http://schemas.microsoft.com/office/drawing/2010/main" xmlns="" w="9525">
                   <a:solidFill>
                     <a:srgbClr val="000000"/>
                   </a:solidFill>
@@ -21828,7 +21830,7 @@
             </a:ln>
             <a:extLst>
               <a:ext uri="{91240B29-F687-4f45-9708-019B960494DF}">
-                <a14:hiddenLine xmlns="" xmlns:a14="http://schemas.microsoft.com/office/drawing/2010/main" w="9525">
+                <a14:hiddenLine xmlns:a14="http://schemas.microsoft.com/office/drawing/2010/main" xmlns="" w="9525">
                   <a:solidFill>
                     <a:srgbClr val="000000"/>
                   </a:solidFill>
@@ -21968,7 +21970,7 @@
           <a:p>
             <a:fld id="{B76943AF-B946-47F7-8510-2C710F5C29B5}" type="datetimeFigureOut">
               <a:rPr lang="en-US" smtClean="0"/>
-              <a:t>4/26/2018</a:t>
+              <a:t>4/27/2018</a:t>
             </a:fld>
             <a:endParaRPr lang="en-US" dirty="0"/>
           </a:p>
@@ -22234,7 +22236,7 @@
           <a:p>
             <a:fld id="{B76943AF-B946-47F7-8510-2C710F5C29B5}" type="datetimeFigureOut">
               <a:rPr lang="en-US" smtClean="0"/>
-              <a:t>4/26/2018</a:t>
+              <a:t>4/27/2018</a:t>
             </a:fld>
             <a:endParaRPr lang="en-US" dirty="0"/>
           </a:p>
@@ -22430,7 +22432,7 @@
           <a:p>
             <a:fld id="{B76943AF-B946-47F7-8510-2C710F5C29B5}" type="datetimeFigureOut">
               <a:rPr lang="en-US" smtClean="0"/>
-              <a:t>4/26/2018</a:t>
+              <a:t>4/27/2018</a:t>
             </a:fld>
             <a:endParaRPr lang="en-US" dirty="0"/>
           </a:p>
@@ -22693,7 +22695,7 @@
           <a:p>
             <a:fld id="{B76943AF-B946-47F7-8510-2C710F5C29B5}" type="datetimeFigureOut">
               <a:rPr lang="en-US" smtClean="0"/>
-              <a:t>4/26/2018</a:t>
+              <a:t>4/27/2018</a:t>
             </a:fld>
             <a:endParaRPr lang="en-US" dirty="0"/>
           </a:p>
@@ -23172,7 +23174,7 @@
           <a:p>
             <a:fld id="{B76943AF-B946-47F7-8510-2C710F5C29B5}" type="datetimeFigureOut">
               <a:rPr lang="en-US" smtClean="0"/>
-              <a:t>4/26/2018</a:t>
+              <a:t>4/27/2018</a:t>
             </a:fld>
             <a:endParaRPr lang="en-US" dirty="0"/>
           </a:p>
@@ -23718,7 +23720,7 @@
           <a:p>
             <a:fld id="{B76943AF-B946-47F7-8510-2C710F5C29B5}" type="datetimeFigureOut">
               <a:rPr lang="en-US" smtClean="0"/>
-              <a:t>4/26/2018</a:t>
+              <a:t>4/27/2018</a:t>
             </a:fld>
             <a:endParaRPr lang="en-US" dirty="0"/>
           </a:p>
@@ -24435,7 +24437,7 @@
           <a:p>
             <a:fld id="{B76943AF-B946-47F7-8510-2C710F5C29B5}" type="datetimeFigureOut">
               <a:rPr lang="en-US" smtClean="0"/>
-              <a:t>4/26/2018</a:t>
+              <a:t>4/27/2018</a:t>
             </a:fld>
             <a:endParaRPr lang="en-US" dirty="0"/>
           </a:p>
@@ -24605,7 +24607,7 @@
           <a:p>
             <a:fld id="{B76943AF-B946-47F7-8510-2C710F5C29B5}" type="datetimeFigureOut">
               <a:rPr lang="en-US" smtClean="0"/>
-              <a:t>4/26/2018</a:t>
+              <a:t>4/27/2018</a:t>
             </a:fld>
             <a:endParaRPr lang="en-US" dirty="0"/>
           </a:p>
@@ -24785,7 +24787,7 @@
           <a:p>
             <a:fld id="{B76943AF-B946-47F7-8510-2C710F5C29B5}" type="datetimeFigureOut">
               <a:rPr lang="en-US" smtClean="0"/>
-              <a:t>4/26/2018</a:t>
+              <a:t>4/27/2018</a:t>
             </a:fld>
             <a:endParaRPr lang="en-US" dirty="0"/>
           </a:p>
@@ -24955,7 +24957,7 @@
           <a:p>
             <a:fld id="{B76943AF-B946-47F7-8510-2C710F5C29B5}" type="datetimeFigureOut">
               <a:rPr lang="en-US" smtClean="0"/>
-              <a:t>4/26/2018</a:t>
+              <a:t>4/27/2018</a:t>
             </a:fld>
             <a:endParaRPr lang="en-US" dirty="0"/>
           </a:p>
@@ -25295,7 +25297,7 @@
           <a:p>
             <a:fld id="{B76943AF-B946-47F7-8510-2C710F5C29B5}" type="datetimeFigureOut">
               <a:rPr lang="en-US" smtClean="0"/>
-              <a:t>4/26/2018</a:t>
+              <a:t>4/27/2018</a:t>
             </a:fld>
             <a:endParaRPr lang="en-US" dirty="0"/>
           </a:p>
@@ -25527,7 +25529,7 @@
           <a:p>
             <a:fld id="{B76943AF-B946-47F7-8510-2C710F5C29B5}" type="datetimeFigureOut">
               <a:rPr lang="en-US" smtClean="0"/>
-              <a:t>4/26/2018</a:t>
+              <a:t>4/27/2018</a:t>
             </a:fld>
             <a:endParaRPr lang="en-US" dirty="0"/>
           </a:p>
@@ -25908,7 +25910,7 @@
           <a:p>
             <a:fld id="{B76943AF-B946-47F7-8510-2C710F5C29B5}" type="datetimeFigureOut">
               <a:rPr lang="en-US" smtClean="0"/>
-              <a:t>4/26/2018</a:t>
+              <a:t>4/27/2018</a:t>
             </a:fld>
             <a:endParaRPr lang="en-US" dirty="0"/>
           </a:p>
@@ -26026,7 +26028,7 @@
           <a:p>
             <a:fld id="{B76943AF-B946-47F7-8510-2C710F5C29B5}" type="datetimeFigureOut">
               <a:rPr lang="en-US" smtClean="0"/>
-              <a:t>4/26/2018</a:t>
+              <a:t>4/27/2018</a:t>
             </a:fld>
             <a:endParaRPr lang="en-US" dirty="0"/>
           </a:p>
@@ -26121,7 +26123,7 @@
           <a:p>
             <a:fld id="{B76943AF-B946-47F7-8510-2C710F5C29B5}" type="datetimeFigureOut">
               <a:rPr lang="en-US" smtClean="0"/>
-              <a:t>4/26/2018</a:t>
+              <a:t>4/27/2018</a:t>
             </a:fld>
             <a:endParaRPr lang="en-US" dirty="0"/>
           </a:p>
@@ -26370,7 +26372,7 @@
           <a:p>
             <a:fld id="{B76943AF-B946-47F7-8510-2C710F5C29B5}" type="datetimeFigureOut">
               <a:rPr lang="en-US" smtClean="0"/>
-              <a:t>4/26/2018</a:t>
+              <a:t>4/27/2018</a:t>
             </a:fld>
             <a:endParaRPr lang="en-US" dirty="0"/>
           </a:p>
@@ -26649,7 +26651,7 @@
           <a:p>
             <a:fld id="{B76943AF-B946-47F7-8510-2C710F5C29B5}" type="datetimeFigureOut">
               <a:rPr lang="en-US" smtClean="0"/>
-              <a:t>4/26/2018</a:t>
+              <a:t>4/27/2018</a:t>
             </a:fld>
             <a:endParaRPr lang="en-US" dirty="0"/>
           </a:p>
@@ -26808,7 +26810,7 @@
               </a:ln>
               <a:extLst>
                 <a:ext uri="{91240B29-F687-4f45-9708-019B960494DF}">
-                  <a14:hiddenLine xmlns="" xmlns:a14="http://schemas.microsoft.com/office/drawing/2010/main" w="9525">
+                  <a14:hiddenLine xmlns:a14="http://schemas.microsoft.com/office/drawing/2010/main" xmlns="" w="9525">
                     <a:solidFill>
                       <a:srgbClr val="000000"/>
                     </a:solidFill>
@@ -26898,7 +26900,7 @@
               </a:ln>
               <a:extLst>
                 <a:ext uri="{91240B29-F687-4f45-9708-019B960494DF}">
-                  <a14:hiddenLine xmlns="" xmlns:a14="http://schemas.microsoft.com/office/drawing/2010/main" w="9525">
+                  <a14:hiddenLine xmlns:a14="http://schemas.microsoft.com/office/drawing/2010/main" xmlns="" w="9525">
                     <a:solidFill>
                       <a:srgbClr val="000000"/>
                     </a:solidFill>
@@ -26988,7 +26990,7 @@
               </a:ln>
               <a:extLst>
                 <a:ext uri="{91240B29-F687-4f45-9708-019B960494DF}">
-                  <a14:hiddenLine xmlns="" xmlns:a14="http://schemas.microsoft.com/office/drawing/2010/main" w="9525">
+                  <a14:hiddenLine xmlns:a14="http://schemas.microsoft.com/office/drawing/2010/main" xmlns="" w="9525">
                     <a:solidFill>
                       <a:srgbClr val="000000"/>
                     </a:solidFill>
@@ -27050,7 +27052,7 @@
               </a:ln>
               <a:extLst>
                 <a:ext uri="{91240B29-F687-4f45-9708-019B960494DF}">
-                  <a14:hiddenLine xmlns="" xmlns:a14="http://schemas.microsoft.com/office/drawing/2010/main" w="9525">
+                  <a14:hiddenLine xmlns:a14="http://schemas.microsoft.com/office/drawing/2010/main" xmlns="" w="9525">
                     <a:solidFill>
                       <a:srgbClr val="000000"/>
                     </a:solidFill>
@@ -27140,7 +27142,7 @@
               </a:ln>
               <a:extLst>
                 <a:ext uri="{91240B29-F687-4f45-9708-019B960494DF}">
-                  <a14:hiddenLine xmlns="" xmlns:a14="http://schemas.microsoft.com/office/drawing/2010/main" w="9525">
+                  <a14:hiddenLine xmlns:a14="http://schemas.microsoft.com/office/drawing/2010/main" xmlns="" w="9525">
                     <a:solidFill>
                       <a:srgbClr val="000000"/>
                     </a:solidFill>
@@ -27202,7 +27204,7 @@
               </a:ln>
               <a:extLst>
                 <a:ext uri="{91240B29-F687-4f45-9708-019B960494DF}">
-                  <a14:hiddenLine xmlns="" xmlns:a14="http://schemas.microsoft.com/office/drawing/2010/main" w="9525">
+                  <a14:hiddenLine xmlns:a14="http://schemas.microsoft.com/office/drawing/2010/main" xmlns="" w="9525">
                     <a:solidFill>
                       <a:srgbClr val="000000"/>
                     </a:solidFill>
@@ -27264,7 +27266,7 @@
               </a:ln>
               <a:extLst>
                 <a:ext uri="{91240B29-F687-4f45-9708-019B960494DF}">
-                  <a14:hiddenLine xmlns="" xmlns:a14="http://schemas.microsoft.com/office/drawing/2010/main" w="9525">
+                  <a14:hiddenLine xmlns:a14="http://schemas.microsoft.com/office/drawing/2010/main" xmlns="" w="9525">
                     <a:solidFill>
                       <a:srgbClr val="000000"/>
                     </a:solidFill>
@@ -27354,7 +27356,7 @@
               </a:ln>
               <a:extLst>
                 <a:ext uri="{91240B29-F687-4f45-9708-019B960494DF}">
-                  <a14:hiddenLine xmlns="" xmlns:a14="http://schemas.microsoft.com/office/drawing/2010/main" w="9525">
+                  <a14:hiddenLine xmlns:a14="http://schemas.microsoft.com/office/drawing/2010/main" xmlns="" w="9525">
                     <a:solidFill>
                       <a:srgbClr val="000000"/>
                     </a:solidFill>
@@ -27444,7 +27446,7 @@
               </a:ln>
               <a:extLst>
                 <a:ext uri="{91240B29-F687-4f45-9708-019B960494DF}">
-                  <a14:hiddenLine xmlns="" xmlns:a14="http://schemas.microsoft.com/office/drawing/2010/main" w="9525">
+                  <a14:hiddenLine xmlns:a14="http://schemas.microsoft.com/office/drawing/2010/main" xmlns="" w="9525">
                     <a:solidFill>
                       <a:srgbClr val="000000"/>
                     </a:solidFill>
@@ -27506,7 +27508,7 @@
               </a:ln>
               <a:extLst>
                 <a:ext uri="{91240B29-F687-4f45-9708-019B960494DF}">
-                  <a14:hiddenLine xmlns="" xmlns:a14="http://schemas.microsoft.com/office/drawing/2010/main" w="9525">
+                  <a14:hiddenLine xmlns:a14="http://schemas.microsoft.com/office/drawing/2010/main" xmlns="" w="9525">
                     <a:solidFill>
                       <a:srgbClr val="000000"/>
                     </a:solidFill>
@@ -27616,7 +27618,7 @@
               </a:ln>
               <a:extLst>
                 <a:ext uri="{91240B29-F687-4f45-9708-019B960494DF}">
-                  <a14:hiddenLine xmlns="" xmlns:a14="http://schemas.microsoft.com/office/drawing/2010/main" w="9525">
+                  <a14:hiddenLine xmlns:a14="http://schemas.microsoft.com/office/drawing/2010/main" xmlns="" w="9525">
                     <a:solidFill>
                       <a:srgbClr val="000000"/>
                     </a:solidFill>
@@ -27700,7 +27702,7 @@
               </a:ln>
               <a:extLst>
                 <a:ext uri="{91240B29-F687-4f45-9708-019B960494DF}">
-                  <a14:hiddenLine xmlns="" xmlns:a14="http://schemas.microsoft.com/office/drawing/2010/main" w="9525">
+                  <a14:hiddenLine xmlns:a14="http://schemas.microsoft.com/office/drawing/2010/main" xmlns="" w="9525">
                     <a:solidFill>
                       <a:srgbClr val="000000"/>
                     </a:solidFill>
@@ -27762,7 +27764,7 @@
               </a:ln>
               <a:extLst>
                 <a:ext uri="{91240B29-F687-4f45-9708-019B960494DF}">
-                  <a14:hiddenLine xmlns="" xmlns:a14="http://schemas.microsoft.com/office/drawing/2010/main" w="9525">
+                  <a14:hiddenLine xmlns:a14="http://schemas.microsoft.com/office/drawing/2010/main" xmlns="" w="9525">
                     <a:solidFill>
                       <a:srgbClr val="000000"/>
                     </a:solidFill>
@@ -27824,7 +27826,7 @@
               </a:ln>
               <a:extLst>
                 <a:ext uri="{91240B29-F687-4f45-9708-019B960494DF}">
-                  <a14:hiddenLine xmlns="" xmlns:a14="http://schemas.microsoft.com/office/drawing/2010/main" w="9525">
+                  <a14:hiddenLine xmlns:a14="http://schemas.microsoft.com/office/drawing/2010/main" xmlns="" w="9525">
                     <a:solidFill>
                       <a:srgbClr val="000000"/>
                     </a:solidFill>
@@ -27914,7 +27916,7 @@
               </a:ln>
               <a:extLst>
                 <a:ext uri="{91240B29-F687-4f45-9708-019B960494DF}">
-                  <a14:hiddenLine xmlns="" xmlns:a14="http://schemas.microsoft.com/office/drawing/2010/main" w="9525">
+                  <a14:hiddenLine xmlns:a14="http://schemas.microsoft.com/office/drawing/2010/main" xmlns="" w="9525">
                     <a:solidFill>
                       <a:srgbClr val="000000"/>
                     </a:solidFill>
@@ -27948,7 +27950,7 @@
               </a:ln>
               <a:extLst>
                 <a:ext uri="{91240B29-F687-4f45-9708-019B960494DF}">
-                  <a14:hiddenLine xmlns="" xmlns:a14="http://schemas.microsoft.com/office/drawing/2010/main" w="9525">
+                  <a14:hiddenLine xmlns:a14="http://schemas.microsoft.com/office/drawing/2010/main" xmlns="" w="9525">
                     <a:solidFill>
                       <a:srgbClr val="000000"/>
                     </a:solidFill>
@@ -28013,7 +28015,7 @@
               </a:ln>
               <a:extLst>
                 <a:ext uri="{91240B29-F687-4f45-9708-019B960494DF}">
-                  <a14:hiddenLine xmlns="" xmlns:a14="http://schemas.microsoft.com/office/drawing/2010/main" w="9525">
+                  <a14:hiddenLine xmlns:a14="http://schemas.microsoft.com/office/drawing/2010/main" xmlns="" w="9525">
                     <a:solidFill>
                       <a:srgbClr val="000000"/>
                     </a:solidFill>
@@ -28103,7 +28105,7 @@
               </a:ln>
               <a:extLst>
                 <a:ext uri="{91240B29-F687-4f45-9708-019B960494DF}">
-                  <a14:hiddenLine xmlns="" xmlns:a14="http://schemas.microsoft.com/office/drawing/2010/main" w="9525">
+                  <a14:hiddenLine xmlns:a14="http://schemas.microsoft.com/office/drawing/2010/main" xmlns="" w="9525">
                     <a:solidFill>
                       <a:srgbClr val="000000"/>
                     </a:solidFill>
@@ -28165,7 +28167,7 @@
               </a:ln>
               <a:extLst>
                 <a:ext uri="{91240B29-F687-4f45-9708-019B960494DF}">
-                  <a14:hiddenLine xmlns="" xmlns:a14="http://schemas.microsoft.com/office/drawing/2010/main" w="9525">
+                  <a14:hiddenLine xmlns:a14="http://schemas.microsoft.com/office/drawing/2010/main" xmlns="" w="9525">
                     <a:solidFill>
                       <a:srgbClr val="000000"/>
                     </a:solidFill>
@@ -28255,7 +28257,7 @@
               </a:ln>
               <a:extLst>
                 <a:ext uri="{91240B29-F687-4f45-9708-019B960494DF}">
-                  <a14:hiddenLine xmlns="" xmlns:a14="http://schemas.microsoft.com/office/drawing/2010/main" w="9525">
+                  <a14:hiddenLine xmlns:a14="http://schemas.microsoft.com/office/drawing/2010/main" xmlns="" w="9525">
                     <a:solidFill>
                       <a:srgbClr val="000000"/>
                     </a:solidFill>
@@ -28320,7 +28322,7 @@
               </a:ln>
               <a:extLst>
                 <a:ext uri="{91240B29-F687-4f45-9708-019B960494DF}">
-                  <a14:hiddenLine xmlns="" xmlns:a14="http://schemas.microsoft.com/office/drawing/2010/main" w="9525">
+                  <a14:hiddenLine xmlns:a14="http://schemas.microsoft.com/office/drawing/2010/main" xmlns="" w="9525">
                     <a:solidFill>
                       <a:srgbClr val="000000"/>
                     </a:solidFill>
@@ -28382,7 +28384,7 @@
               </a:ln>
               <a:extLst>
                 <a:ext uri="{91240B29-F687-4f45-9708-019B960494DF}">
-                  <a14:hiddenLine xmlns="" xmlns:a14="http://schemas.microsoft.com/office/drawing/2010/main" w="9525">
+                  <a14:hiddenLine xmlns:a14="http://schemas.microsoft.com/office/drawing/2010/main" xmlns="" w="9525">
                     <a:solidFill>
                       <a:srgbClr val="000000"/>
                     </a:solidFill>
@@ -28472,7 +28474,7 @@
               </a:ln>
               <a:extLst>
                 <a:ext uri="{91240B29-F687-4f45-9708-019B960494DF}">
-                  <a14:hiddenLine xmlns="" xmlns:a14="http://schemas.microsoft.com/office/drawing/2010/main" w="9525">
+                  <a14:hiddenLine xmlns:a14="http://schemas.microsoft.com/office/drawing/2010/main" xmlns="" w="9525">
                     <a:solidFill>
                       <a:srgbClr val="000000"/>
                     </a:solidFill>
@@ -28562,7 +28564,7 @@
               </a:ln>
               <a:extLst>
                 <a:ext uri="{91240B29-F687-4f45-9708-019B960494DF}">
-                  <a14:hiddenLine xmlns="" xmlns:a14="http://schemas.microsoft.com/office/drawing/2010/main" w="9525">
+                  <a14:hiddenLine xmlns:a14="http://schemas.microsoft.com/office/drawing/2010/main" xmlns="" w="9525">
                     <a:solidFill>
                       <a:srgbClr val="000000"/>
                     </a:solidFill>
@@ -28627,7 +28629,7 @@
               </a:ln>
               <a:extLst>
                 <a:ext uri="{91240B29-F687-4f45-9708-019B960494DF}">
-                  <a14:hiddenLine xmlns="" xmlns:a14="http://schemas.microsoft.com/office/drawing/2010/main" w="9525">
+                  <a14:hiddenLine xmlns:a14="http://schemas.microsoft.com/office/drawing/2010/main" xmlns="" w="9525">
                     <a:solidFill>
                       <a:srgbClr val="000000"/>
                     </a:solidFill>
@@ -28747,7 +28749,7 @@
               </a:ln>
               <a:extLst>
                 <a:ext uri="{91240B29-F687-4f45-9708-019B960494DF}">
-                  <a14:hiddenLine xmlns="" xmlns:a14="http://schemas.microsoft.com/office/drawing/2010/main" w="9525">
+                  <a14:hiddenLine xmlns:a14="http://schemas.microsoft.com/office/drawing/2010/main" xmlns="" w="9525">
                     <a:solidFill>
                       <a:srgbClr val="000000"/>
                     </a:solidFill>
@@ -28845,7 +28847,7 @@
               </a:ln>
               <a:extLst>
                 <a:ext uri="{91240B29-F687-4f45-9708-019B960494DF}">
-                  <a14:hiddenLine xmlns="" xmlns:a14="http://schemas.microsoft.com/office/drawing/2010/main" w="9525">
+                  <a14:hiddenLine xmlns:a14="http://schemas.microsoft.com/office/drawing/2010/main" xmlns="" w="9525">
                     <a:solidFill>
                       <a:srgbClr val="000000"/>
                     </a:solidFill>
@@ -28960,7 +28962,7 @@
               </a:ln>
               <a:extLst>
                 <a:ext uri="{91240B29-F687-4f45-9708-019B960494DF}">
-                  <a14:hiddenLine xmlns="" xmlns:a14="http://schemas.microsoft.com/office/drawing/2010/main" w="9525">
+                  <a14:hiddenLine xmlns:a14="http://schemas.microsoft.com/office/drawing/2010/main" xmlns="" w="9525">
                     <a:solidFill>
                       <a:srgbClr val="000000"/>
                     </a:solidFill>
@@ -29050,7 +29052,7 @@
               </a:ln>
               <a:extLst>
                 <a:ext uri="{91240B29-F687-4f45-9708-019B960494DF}">
-                  <a14:hiddenLine xmlns="" xmlns:a14="http://schemas.microsoft.com/office/drawing/2010/main" w="9525">
+                  <a14:hiddenLine xmlns:a14="http://schemas.microsoft.com/office/drawing/2010/main" xmlns="" w="9525">
                     <a:solidFill>
                       <a:srgbClr val="000000"/>
                     </a:solidFill>
@@ -29115,7 +29117,7 @@
               </a:ln>
               <a:extLst>
                 <a:ext uri="{91240B29-F687-4f45-9708-019B960494DF}">
-                  <a14:hiddenLine xmlns="" xmlns:a14="http://schemas.microsoft.com/office/drawing/2010/main" w="9525">
+                  <a14:hiddenLine xmlns:a14="http://schemas.microsoft.com/office/drawing/2010/main" xmlns="" w="9525">
                     <a:solidFill>
                       <a:srgbClr val="000000"/>
                     </a:solidFill>
@@ -29205,7 +29207,7 @@
               </a:ln>
               <a:extLst>
                 <a:ext uri="{91240B29-F687-4f45-9708-019B960494DF}">
-                  <a14:hiddenLine xmlns="" xmlns:a14="http://schemas.microsoft.com/office/drawing/2010/main" w="9525">
+                  <a14:hiddenLine xmlns:a14="http://schemas.microsoft.com/office/drawing/2010/main" xmlns="" w="9525">
                     <a:solidFill>
                       <a:srgbClr val="000000"/>
                     </a:solidFill>
@@ -29273,7 +29275,7 @@
               </a:ln>
               <a:extLst>
                 <a:ext uri="{91240B29-F687-4f45-9708-019B960494DF}">
-                  <a14:hiddenLine xmlns="" xmlns:a14="http://schemas.microsoft.com/office/drawing/2010/main" w="9525">
+                  <a14:hiddenLine xmlns:a14="http://schemas.microsoft.com/office/drawing/2010/main" xmlns="" w="9525">
                     <a:solidFill>
                       <a:srgbClr val="000000"/>
                     </a:solidFill>
@@ -29363,7 +29365,7 @@
               </a:ln>
               <a:extLst>
                 <a:ext uri="{91240B29-F687-4f45-9708-019B960494DF}">
-                  <a14:hiddenLine xmlns="" xmlns:a14="http://schemas.microsoft.com/office/drawing/2010/main" w="9525">
+                  <a14:hiddenLine xmlns:a14="http://schemas.microsoft.com/office/drawing/2010/main" xmlns="" w="9525">
                     <a:solidFill>
                       <a:srgbClr val="000000"/>
                     </a:solidFill>
@@ -29431,7 +29433,7 @@
               </a:ln>
               <a:extLst>
                 <a:ext uri="{91240B29-F687-4f45-9708-019B960494DF}">
-                  <a14:hiddenLine xmlns="" xmlns:a14="http://schemas.microsoft.com/office/drawing/2010/main" w="9525">
+                  <a14:hiddenLine xmlns:a14="http://schemas.microsoft.com/office/drawing/2010/main" xmlns="" w="9525">
                     <a:solidFill>
                       <a:srgbClr val="000000"/>
                     </a:solidFill>
@@ -29521,7 +29523,7 @@
               </a:ln>
               <a:extLst>
                 <a:ext uri="{91240B29-F687-4f45-9708-019B960494DF}">
-                  <a14:hiddenLine xmlns="" xmlns:a14="http://schemas.microsoft.com/office/drawing/2010/main" w="9525">
+                  <a14:hiddenLine xmlns:a14="http://schemas.microsoft.com/office/drawing/2010/main" xmlns="" w="9525">
                     <a:solidFill>
                       <a:srgbClr val="000000"/>
                     </a:solidFill>
@@ -29555,7 +29557,7 @@
               </a:ln>
               <a:extLst>
                 <a:ext uri="{91240B29-F687-4f45-9708-019B960494DF}">
-                  <a14:hiddenLine xmlns="" xmlns:a14="http://schemas.microsoft.com/office/drawing/2010/main" w="9525">
+                  <a14:hiddenLine xmlns:a14="http://schemas.microsoft.com/office/drawing/2010/main" xmlns="" w="9525">
                     <a:solidFill>
                       <a:srgbClr val="000000"/>
                     </a:solidFill>
@@ -29695,7 +29697,7 @@
           <a:p>
             <a:fld id="{B76943AF-B946-47F7-8510-2C710F5C29B5}" type="datetimeFigureOut">
               <a:rPr lang="en-US" smtClean="0"/>
-              <a:t>4/26/2018</a:t>
+              <a:t>4/27/2018</a:t>
             </a:fld>
             <a:endParaRPr lang="en-US" dirty="0"/>
           </a:p>
@@ -31313,7 +31315,7 @@
 </file>
 
 <file path=ppt/slides/slide15.xml><?xml version="1.0" encoding="utf-8"?>
-<p:sld xmlns:a="http://schemas.openxmlformats.org/drawingml/2006/main" xmlns:r="http://schemas.openxmlformats.org/officeDocument/2006/relationships" xmlns:p="http://schemas.openxmlformats.org/presentationml/2006/main">
+<p:sld xmlns:a="http://schemas.openxmlformats.org/drawingml/2006/main" xmlns:r="http://schemas.openxmlformats.org/officeDocument/2006/relationships" xmlns:p="http://schemas.openxmlformats.org/presentationml/2006/main" show="0">
   <p:cSld>
     <p:spTree>
       <p:nvGrpSpPr>
@@ -31974,52 +31976,6 @@
           <a:p>
             <a:r>
               <a:rPr lang="pl-PL" dirty="0"/>
-              <a:t>„</a:t>
-            </a:r>
-            <a:r>
-              <a:rPr lang="pl-PL" dirty="0" err="1"/>
-              <a:t>Constitution</a:t>
-            </a:r>
-            <a:r>
-              <a:rPr lang="pl-PL" dirty="0"/>
-              <a:t> </a:t>
-            </a:r>
-            <a:r>
-              <a:rPr lang="pl-PL" dirty="0" err="1"/>
-              <a:t>is</a:t>
-            </a:r>
-            <a:r>
-              <a:rPr lang="pl-PL" dirty="0"/>
-              <a:t> the law” </a:t>
-            </a:r>
-            <a:r>
-              <a:rPr lang="pl-PL" dirty="0" err="1"/>
-              <a:t>instead</a:t>
-            </a:r>
-            <a:r>
-              <a:rPr lang="pl-PL" dirty="0"/>
-              <a:t> of „</a:t>
-            </a:r>
-            <a:r>
-              <a:rPr lang="pl-PL" dirty="0" err="1"/>
-              <a:t>code</a:t>
-            </a:r>
-            <a:r>
-              <a:rPr lang="pl-PL" dirty="0"/>
-              <a:t> </a:t>
-            </a:r>
-            <a:r>
-              <a:rPr lang="pl-PL" dirty="0" err="1"/>
-              <a:t>is</a:t>
-            </a:r>
-            <a:r>
-              <a:rPr lang="pl-PL" dirty="0"/>
-              <a:t> the law”</a:t>
-            </a:r>
-          </a:p>
-          <a:p>
-            <a:r>
-              <a:rPr lang="pl-PL" dirty="0"/>
               <a:t>T</a:t>
             </a:r>
             <a:r>
@@ -32170,6 +32126,678 @@
           <p:cNvPr id="2" name="Title 1">
             <a:extLst>
               <a:ext uri="{FF2B5EF4-FFF2-40B4-BE49-F238E27FC236}">
+                <a16:creationId xmlns:a16="http://schemas.microsoft.com/office/drawing/2014/main" id="{EF64A133-A75A-4EA3-AFC9-6C6E1297A1F6}"/>
+              </a:ext>
+            </a:extLst>
+          </p:cNvPr>
+          <p:cNvSpPr>
+            <a:spLocks noGrp="1"/>
+          </p:cNvSpPr>
+          <p:nvPr>
+            <p:ph type="title"/>
+          </p:nvPr>
+        </p:nvSpPr>
+        <p:spPr/>
+        <p:txBody>
+          <a:bodyPr/>
+          <a:lstStyle/>
+          <a:p>
+            <a:r>
+              <a:rPr lang="pl-PL" dirty="0">
+                <a:solidFill>
+                  <a:schemeClr val="tx2">
+                    <a:lumMod val="75000"/>
+                  </a:schemeClr>
+                </a:solidFill>
+              </a:rPr>
+              <a:t>DPOS</a:t>
+            </a:r>
+            <a:r>
+              <a:rPr lang="pl-PL" dirty="0"/>
+              <a:t> - DELEGATED PROOF OF STAKE</a:t>
+            </a:r>
+          </a:p>
+        </p:txBody>
+      </p:sp>
+      <p:sp>
+        <p:nvSpPr>
+          <p:cNvPr id="3" name="Content Placeholder 2">
+            <a:extLst>
+              <a:ext uri="{FF2B5EF4-FFF2-40B4-BE49-F238E27FC236}">
+                <a16:creationId xmlns:a16="http://schemas.microsoft.com/office/drawing/2014/main" id="{21BC3B13-91C2-4964-A2E1-5141059D33C9}"/>
+              </a:ext>
+            </a:extLst>
+          </p:cNvPr>
+          <p:cNvSpPr>
+            <a:spLocks noGrp="1"/>
+          </p:cNvSpPr>
+          <p:nvPr>
+            <p:ph idx="1"/>
+          </p:nvPr>
+        </p:nvSpPr>
+        <p:spPr/>
+        <p:txBody>
+          <a:bodyPr/>
+          <a:lstStyle/>
+          <a:p>
+            <a:r>
+              <a:rPr lang="pl-PL" dirty="0"/>
+              <a:t>21 </a:t>
+            </a:r>
+            <a:r>
+              <a:rPr lang="pl-PL" dirty="0" err="1"/>
+              <a:t>block</a:t>
+            </a:r>
+            <a:r>
+              <a:rPr lang="pl-PL" dirty="0"/>
+              <a:t> </a:t>
+            </a:r>
+            <a:r>
+              <a:rPr lang="pl-PL" dirty="0" err="1"/>
+              <a:t>producers</a:t>
+            </a:r>
+            <a:r>
+              <a:rPr lang="pl-PL" dirty="0"/>
+              <a:t> </a:t>
+            </a:r>
+            <a:r>
+              <a:rPr lang="pl-PL" dirty="0" err="1"/>
+              <a:t>elected</a:t>
+            </a:r>
+            <a:r>
+              <a:rPr lang="pl-PL" dirty="0"/>
+              <a:t> by token </a:t>
+            </a:r>
+            <a:r>
+              <a:rPr lang="pl-PL" dirty="0" err="1"/>
+              <a:t>holders</a:t>
+            </a:r>
+            <a:endParaRPr lang="pl-PL" dirty="0"/>
+          </a:p>
+          <a:p>
+            <a:r>
+              <a:rPr lang="pl-PL" dirty="0"/>
+              <a:t>Hard to </a:t>
+            </a:r>
+            <a:r>
+              <a:rPr lang="pl-PL" dirty="0" err="1"/>
+              <a:t>get</a:t>
+            </a:r>
+            <a:r>
+              <a:rPr lang="pl-PL" dirty="0"/>
+              <a:t> </a:t>
+            </a:r>
+            <a:r>
+              <a:rPr lang="pl-PL" dirty="0" err="1"/>
+              <a:t>elected</a:t>
+            </a:r>
+            <a:r>
+              <a:rPr lang="pl-PL" dirty="0"/>
+              <a:t>, </a:t>
+            </a:r>
+            <a:r>
+              <a:rPr lang="pl-PL" dirty="0" err="1"/>
+              <a:t>easy</a:t>
+            </a:r>
+            <a:r>
+              <a:rPr lang="pl-PL" dirty="0"/>
+              <a:t> to </a:t>
+            </a:r>
+            <a:r>
+              <a:rPr lang="pl-PL" dirty="0" err="1"/>
+              <a:t>lose</a:t>
+            </a:r>
+            <a:r>
+              <a:rPr lang="pl-PL" dirty="0"/>
+              <a:t> the </a:t>
+            </a:r>
+            <a:r>
+              <a:rPr lang="pl-PL" dirty="0" err="1"/>
+              <a:t>job</a:t>
+            </a:r>
+            <a:endParaRPr lang="pl-PL" dirty="0"/>
+          </a:p>
+          <a:p>
+            <a:r>
+              <a:rPr lang="pl-PL" dirty="0" err="1"/>
+              <a:t>Executors</a:t>
+            </a:r>
+            <a:r>
+              <a:rPr lang="pl-PL" dirty="0"/>
+              <a:t> of the </a:t>
+            </a:r>
+            <a:r>
+              <a:rPr lang="pl-PL" dirty="0" err="1"/>
+              <a:t>constitution</a:t>
+            </a:r>
+            <a:r>
+              <a:rPr lang="pl-PL" dirty="0"/>
+              <a:t>, </a:t>
+            </a:r>
+            <a:r>
+              <a:rPr lang="pl-PL" dirty="0" err="1"/>
+              <a:t>e.g</a:t>
+            </a:r>
+            <a:r>
+              <a:rPr lang="pl-PL" dirty="0"/>
+              <a:t>.</a:t>
+            </a:r>
+          </a:p>
+          <a:p>
+            <a:pPr lvl="1"/>
+            <a:r>
+              <a:rPr lang="pl-PL" dirty="0" err="1"/>
+              <a:t>apply</a:t>
+            </a:r>
+            <a:r>
+              <a:rPr lang="pl-PL" dirty="0"/>
+              <a:t> </a:t>
+            </a:r>
+            <a:r>
+              <a:rPr lang="pl-PL" dirty="0" err="1"/>
+              <a:t>protocol</a:t>
+            </a:r>
+            <a:r>
+              <a:rPr lang="pl-PL" dirty="0"/>
+              <a:t> </a:t>
+            </a:r>
+            <a:r>
+              <a:rPr lang="pl-PL" dirty="0" err="1"/>
+              <a:t>changes</a:t>
+            </a:r>
+            <a:endParaRPr lang="pl-PL" dirty="0"/>
+          </a:p>
+          <a:p>
+            <a:pPr lvl="1"/>
+            <a:r>
+              <a:rPr lang="pl-PL" dirty="0" err="1"/>
+              <a:t>ability</a:t>
+            </a:r>
+            <a:r>
+              <a:rPr lang="pl-PL" dirty="0"/>
+              <a:t> to </a:t>
+            </a:r>
+            <a:r>
+              <a:rPr lang="pl-PL" dirty="0" err="1"/>
+              <a:t>freeze</a:t>
+            </a:r>
+            <a:r>
+              <a:rPr lang="pl-PL" dirty="0"/>
+              <a:t> &amp; </a:t>
+            </a:r>
+            <a:r>
+              <a:rPr lang="pl-PL" dirty="0" err="1"/>
+              <a:t>fix</a:t>
+            </a:r>
+            <a:r>
+              <a:rPr lang="pl-PL" dirty="0"/>
+              <a:t> </a:t>
+            </a:r>
+            <a:r>
+              <a:rPr lang="pl-PL" dirty="0" err="1"/>
+              <a:t>broken</a:t>
+            </a:r>
+            <a:r>
+              <a:rPr lang="pl-PL" dirty="0"/>
+              <a:t> dApps</a:t>
+            </a:r>
+          </a:p>
+          <a:p>
+            <a:r>
+              <a:rPr lang="pl-PL" dirty="0" err="1"/>
+              <a:t>Subjects</a:t>
+            </a:r>
+            <a:r>
+              <a:rPr lang="pl-PL" dirty="0"/>
+              <a:t> to the </a:t>
+            </a:r>
+            <a:r>
+              <a:rPr lang="pl-PL" dirty="0" err="1"/>
+              <a:t>constitution</a:t>
+            </a:r>
+            <a:r>
+              <a:rPr lang="pl-PL" dirty="0"/>
+              <a:t>: </a:t>
+            </a:r>
+            <a:r>
+              <a:rPr lang="pl-PL" dirty="0" err="1"/>
+              <a:t>risk</a:t>
+            </a:r>
+            <a:r>
+              <a:rPr lang="pl-PL" dirty="0"/>
+              <a:t> </a:t>
+            </a:r>
+            <a:r>
+              <a:rPr lang="pl-PL" dirty="0" err="1"/>
+              <a:t>being</a:t>
+            </a:r>
+            <a:r>
+              <a:rPr lang="pl-PL" dirty="0"/>
+              <a:t> </a:t>
+            </a:r>
+            <a:r>
+              <a:rPr lang="pl-PL" dirty="0" err="1"/>
+              <a:t>voted</a:t>
+            </a:r>
+            <a:r>
+              <a:rPr lang="pl-PL" dirty="0"/>
+              <a:t> out </a:t>
+            </a:r>
+            <a:r>
+              <a:rPr lang="pl-PL" dirty="0" err="1"/>
+              <a:t>if</a:t>
+            </a:r>
+            <a:r>
+              <a:rPr lang="pl-PL" dirty="0"/>
+              <a:t> </a:t>
+            </a:r>
+            <a:r>
+              <a:rPr lang="pl-PL" dirty="0" err="1"/>
+              <a:t>violate</a:t>
+            </a:r>
+            <a:r>
+              <a:rPr lang="pl-PL" dirty="0"/>
+              <a:t> the </a:t>
+            </a:r>
+            <a:r>
+              <a:rPr lang="pl-PL" dirty="0" err="1"/>
+              <a:t>constitution</a:t>
+            </a:r>
+            <a:endParaRPr lang="pl-PL" dirty="0"/>
+          </a:p>
+        </p:txBody>
+      </p:sp>
+    </p:spTree>
+    <p:extLst>
+      <p:ext uri="{BB962C8B-B14F-4D97-AF65-F5344CB8AC3E}">
+        <p14:creationId xmlns:p14="http://schemas.microsoft.com/office/powerpoint/2010/main" val="1093571717"/>
+      </p:ext>
+    </p:extLst>
+  </p:cSld>
+  <p:clrMapOvr>
+    <a:masterClrMapping/>
+  </p:clrMapOvr>
+  <p:transition spd="slow">
+    <p:randomBar dir="vert"/>
+  </p:transition>
+</p:sld>
+</file>
+
+<file path=ppt/slides/slide19.xml><?xml version="1.0" encoding="utf-8"?>
+<p:sld xmlns:a="http://schemas.openxmlformats.org/drawingml/2006/main" xmlns:r="http://schemas.openxmlformats.org/officeDocument/2006/relationships" xmlns:p="http://schemas.openxmlformats.org/presentationml/2006/main">
+  <p:cSld>
+    <p:spTree>
+      <p:nvGrpSpPr>
+        <p:cNvPr id="1" name=""/>
+        <p:cNvGrpSpPr/>
+        <p:nvPr/>
+      </p:nvGrpSpPr>
+      <p:grpSpPr>
+        <a:xfrm>
+          <a:off x="0" y="0"/>
+          <a:ext cx="0" cy="0"/>
+          <a:chOff x="0" y="0"/>
+          <a:chExt cx="0" cy="0"/>
+        </a:xfrm>
+      </p:grpSpPr>
+      <p:sp>
+        <p:nvSpPr>
+          <p:cNvPr id="2" name="Title 1">
+            <a:extLst>
+              <a:ext uri="{FF2B5EF4-FFF2-40B4-BE49-F238E27FC236}">
+                <a16:creationId xmlns:a16="http://schemas.microsoft.com/office/drawing/2014/main" id="{EF64A133-A75A-4EA3-AFC9-6C6E1297A1F6}"/>
+              </a:ext>
+            </a:extLst>
+          </p:cNvPr>
+          <p:cNvSpPr>
+            <a:spLocks noGrp="1"/>
+          </p:cNvSpPr>
+          <p:nvPr>
+            <p:ph type="title"/>
+          </p:nvPr>
+        </p:nvSpPr>
+        <p:spPr/>
+        <p:txBody>
+          <a:bodyPr/>
+          <a:lstStyle/>
+          <a:p>
+            <a:r>
+              <a:rPr lang="pl-PL" dirty="0"/>
+              <a:t>WHY DO WE </a:t>
+            </a:r>
+            <a:r>
+              <a:rPr lang="pl-PL" dirty="0">
+                <a:solidFill>
+                  <a:schemeClr val="tx2">
+                    <a:lumMod val="75000"/>
+                  </a:schemeClr>
+                </a:solidFill>
+              </a:rPr>
+              <a:t>NEED A CONSTITUTION</a:t>
+            </a:r>
+            <a:r>
+              <a:rPr lang="pl-PL" dirty="0"/>
+              <a:t>?</a:t>
+            </a:r>
+          </a:p>
+        </p:txBody>
+      </p:sp>
+      <p:sp>
+        <p:nvSpPr>
+          <p:cNvPr id="3" name="Content Placeholder 2">
+            <a:extLst>
+              <a:ext uri="{FF2B5EF4-FFF2-40B4-BE49-F238E27FC236}">
+                <a16:creationId xmlns:a16="http://schemas.microsoft.com/office/drawing/2014/main" id="{21BC3B13-91C2-4964-A2E1-5141059D33C9}"/>
+              </a:ext>
+            </a:extLst>
+          </p:cNvPr>
+          <p:cNvSpPr>
+            <a:spLocks noGrp="1"/>
+          </p:cNvSpPr>
+          <p:nvPr>
+            <p:ph idx="1"/>
+          </p:nvPr>
+        </p:nvSpPr>
+        <p:spPr>
+          <a:xfrm>
+            <a:off x="1361752" y="2249487"/>
+            <a:ext cx="9905999" cy="3445920"/>
+          </a:xfrm>
+        </p:spPr>
+        <p:txBody>
+          <a:bodyPr>
+            <a:normAutofit/>
+          </a:bodyPr>
+          <a:lstStyle/>
+          <a:p>
+            <a:r>
+              <a:rPr lang="en-US" dirty="0"/>
+              <a:t>The constitution is the expression of common values within a community</a:t>
+            </a:r>
+          </a:p>
+          <a:p>
+            <a:r>
+              <a:rPr lang="en-US" dirty="0"/>
+              <a:t>No constitution = no common values explicitly defined</a:t>
+            </a:r>
+          </a:p>
+          <a:p>
+            <a:r>
+              <a:rPr lang="en-US" dirty="0"/>
+              <a:t>Eventually something controversial will happen</a:t>
+            </a:r>
+          </a:p>
+          <a:p>
+            <a:r>
+              <a:rPr lang="en-US" dirty="0"/>
+              <a:t>A constitution exists to minimize the likelihood of a fork, which is a bad thing</a:t>
+            </a:r>
+          </a:p>
+        </p:txBody>
+      </p:sp>
+    </p:spTree>
+    <p:extLst>
+      <p:ext uri="{BB962C8B-B14F-4D97-AF65-F5344CB8AC3E}">
+        <p14:creationId xmlns:p14="http://schemas.microsoft.com/office/powerpoint/2010/main" val="4114009719"/>
+      </p:ext>
+    </p:extLst>
+  </p:cSld>
+  <p:clrMapOvr>
+    <a:masterClrMapping/>
+  </p:clrMapOvr>
+  <p:transition spd="slow">
+    <p:randomBar dir="vert"/>
+  </p:transition>
+</p:sld>
+</file>
+
+<file path=ppt/slides/slide2.xml><?xml version="1.0" encoding="utf-8"?>
+<p:sld xmlns:a="http://schemas.openxmlformats.org/drawingml/2006/main" xmlns:r="http://schemas.openxmlformats.org/officeDocument/2006/relationships" xmlns:p="http://schemas.openxmlformats.org/presentationml/2006/main">
+  <p:cSld>
+    <p:spTree>
+      <p:nvGrpSpPr>
+        <p:cNvPr id="1" name=""/>
+        <p:cNvGrpSpPr/>
+        <p:nvPr/>
+      </p:nvGrpSpPr>
+      <p:grpSpPr>
+        <a:xfrm>
+          <a:off x="0" y="0"/>
+          <a:ext cx="0" cy="0"/>
+          <a:chOff x="0" y="0"/>
+          <a:chExt cx="0" cy="0"/>
+        </a:xfrm>
+      </p:grpSpPr>
+      <p:sp>
+        <p:nvSpPr>
+          <p:cNvPr id="2" name="Title 1">
+            <a:extLst>
+              <a:ext uri="{FF2B5EF4-FFF2-40B4-BE49-F238E27FC236}">
+                <a16:creationId xmlns:a16="http://schemas.microsoft.com/office/drawing/2014/main" id="{FAF0BC76-5138-4CC2-A8B3-D4017FE6E1B9}"/>
+              </a:ext>
+            </a:extLst>
+          </p:cNvPr>
+          <p:cNvSpPr>
+            <a:spLocks noGrp="1"/>
+          </p:cNvSpPr>
+          <p:nvPr>
+            <p:ph type="title"/>
+          </p:nvPr>
+        </p:nvSpPr>
+        <p:spPr/>
+        <p:txBody>
+          <a:bodyPr/>
+          <a:lstStyle/>
+          <a:p>
+            <a:r>
+              <a:rPr lang="pl-PL" dirty="0">
+                <a:solidFill>
+                  <a:schemeClr val="tx2">
+                    <a:lumMod val="75000"/>
+                  </a:schemeClr>
+                </a:solidFill>
+              </a:rPr>
+              <a:t>Disclaimer</a:t>
+            </a:r>
+            <a:endParaRPr lang="en-US" dirty="0">
+              <a:solidFill>
+                <a:schemeClr val="tx2">
+                  <a:lumMod val="75000"/>
+                </a:schemeClr>
+              </a:solidFill>
+            </a:endParaRPr>
+          </a:p>
+        </p:txBody>
+      </p:sp>
+      <p:sp>
+        <p:nvSpPr>
+          <p:cNvPr id="3" name="Content Placeholder 2">
+            <a:extLst>
+              <a:ext uri="{FF2B5EF4-FFF2-40B4-BE49-F238E27FC236}">
+                <a16:creationId xmlns:a16="http://schemas.microsoft.com/office/drawing/2014/main" id="{EFA0EB4D-9A76-4CDC-93C8-0BE1162EEB8D}"/>
+              </a:ext>
+            </a:extLst>
+          </p:cNvPr>
+          <p:cNvSpPr>
+            <a:spLocks noGrp="1"/>
+          </p:cNvSpPr>
+          <p:nvPr>
+            <p:ph idx="1"/>
+          </p:nvPr>
+        </p:nvSpPr>
+        <p:spPr/>
+        <p:txBody>
+          <a:bodyPr/>
+          <a:lstStyle/>
+          <a:p>
+            <a:r>
+              <a:rPr lang="pl-PL" dirty="0">
+                <a:solidFill>
+                  <a:schemeClr val="tx1">
+                    <a:lumMod val="75000"/>
+                  </a:schemeClr>
+                </a:solidFill>
+              </a:rPr>
+              <a:t>W</a:t>
+            </a:r>
+            <a:r>
+              <a:rPr lang="en-US" dirty="0">
+                <a:solidFill>
+                  <a:schemeClr val="tx1">
+                    <a:lumMod val="75000"/>
+                  </a:schemeClr>
+                </a:solidFill>
+              </a:rPr>
+              <a:t>e are </a:t>
+            </a:r>
+            <a:r>
+              <a:rPr lang="pl-PL" dirty="0">
+                <a:solidFill>
+                  <a:schemeClr val="tx2">
+                    <a:lumMod val="75000"/>
+                  </a:schemeClr>
+                </a:solidFill>
+              </a:rPr>
+              <a:t>NOT</a:t>
+            </a:r>
+            <a:r>
+              <a:rPr lang="en-US" dirty="0">
+                <a:solidFill>
+                  <a:schemeClr val="tx1">
+                    <a:lumMod val="75000"/>
+                  </a:schemeClr>
+                </a:solidFill>
+              </a:rPr>
+              <a:t> </a:t>
+            </a:r>
+            <a:r>
+              <a:rPr lang="pl-PL" dirty="0">
+                <a:solidFill>
+                  <a:schemeClr val="tx1">
+                    <a:lumMod val="75000"/>
+                  </a:schemeClr>
+                </a:solidFill>
+              </a:rPr>
+              <a:t>in any way</a:t>
+            </a:r>
+            <a:r>
+              <a:rPr lang="en-US" dirty="0">
+                <a:solidFill>
+                  <a:schemeClr val="tx1">
+                    <a:lumMod val="75000"/>
+                  </a:schemeClr>
+                </a:solidFill>
+              </a:rPr>
+              <a:t> associated with </a:t>
+            </a:r>
+            <a:r>
+              <a:rPr lang="en-US" dirty="0">
+                <a:solidFill>
+                  <a:schemeClr val="tx2">
+                    <a:lumMod val="75000"/>
+                  </a:schemeClr>
+                </a:solidFill>
+              </a:rPr>
+              <a:t>block.one</a:t>
+            </a:r>
+            <a:r>
+              <a:rPr lang="en-US" dirty="0">
+                <a:solidFill>
+                  <a:schemeClr val="tx1">
+                    <a:lumMod val="75000"/>
+                  </a:schemeClr>
+                </a:solidFill>
+              </a:rPr>
+              <a:t>, the company developing EOS code. We are just part of the emerging EOS community.</a:t>
+            </a:r>
+            <a:endParaRPr lang="pl-PL" dirty="0">
+              <a:solidFill>
+                <a:schemeClr val="tx1">
+                  <a:lumMod val="75000"/>
+                </a:schemeClr>
+              </a:solidFill>
+            </a:endParaRPr>
+          </a:p>
+          <a:p>
+            <a:r>
+              <a:rPr lang="en-US" dirty="0">
+                <a:solidFill>
+                  <a:schemeClr val="tx1">
+                    <a:lumMod val="75000"/>
+                  </a:schemeClr>
+                </a:solidFill>
+              </a:rPr>
+              <a:t>We have no interest in you buying EOS tokens, and this certainly should not be treated as financial advice. </a:t>
+            </a:r>
+            <a:endParaRPr lang="pl-PL" dirty="0">
+              <a:solidFill>
+                <a:schemeClr val="tx1">
+                  <a:lumMod val="75000"/>
+                </a:schemeClr>
+              </a:solidFill>
+            </a:endParaRPr>
+          </a:p>
+          <a:p>
+            <a:r>
+              <a:rPr lang="en-US" dirty="0">
+                <a:solidFill>
+                  <a:schemeClr val="tx1">
+                    <a:lumMod val="75000"/>
+                  </a:schemeClr>
+                </a:solidFill>
+              </a:rPr>
+              <a:t>Our goal is to encourage you to take interest in the concept and possibly consider building businesses on top of EOS.</a:t>
+            </a:r>
+          </a:p>
+        </p:txBody>
+      </p:sp>
+    </p:spTree>
+    <p:extLst>
+      <p:ext uri="{BB962C8B-B14F-4D97-AF65-F5344CB8AC3E}">
+        <p14:creationId xmlns:p14="http://schemas.microsoft.com/office/powerpoint/2010/main" val="3001520040"/>
+      </p:ext>
+    </p:extLst>
+  </p:cSld>
+  <p:clrMapOvr>
+    <a:masterClrMapping/>
+  </p:clrMapOvr>
+  <mc:AlternateContent xmlns:mc="http://schemas.openxmlformats.org/markup-compatibility/2006" xmlns:p14="http://schemas.microsoft.com/office/powerpoint/2010/main">
+    <mc:Choice Requires="p14">
+      <p:transition spd="slow" p14:dur="2500">
+        <p:checker/>
+      </p:transition>
+    </mc:Choice>
+    <mc:Fallback xmlns="">
+      <p:transition spd="slow">
+        <p:checker/>
+      </p:transition>
+    </mc:Fallback>
+  </mc:AlternateContent>
+</p:sld>
+</file>
+
+<file path=ppt/slides/slide20.xml><?xml version="1.0" encoding="utf-8"?>
+<p:sld xmlns:a="http://schemas.openxmlformats.org/drawingml/2006/main" xmlns:r="http://schemas.openxmlformats.org/officeDocument/2006/relationships" xmlns:p="http://schemas.openxmlformats.org/presentationml/2006/main">
+  <p:cSld>
+    <p:spTree>
+      <p:nvGrpSpPr>
+        <p:cNvPr id="1" name=""/>
+        <p:cNvGrpSpPr/>
+        <p:nvPr/>
+      </p:nvGrpSpPr>
+      <p:grpSpPr>
+        <a:xfrm>
+          <a:off x="0" y="0"/>
+          <a:ext cx="0" cy="0"/>
+          <a:chOff x="0" y="0"/>
+          <a:chExt cx="0" cy="0"/>
+        </a:xfrm>
+      </p:grpSpPr>
+      <p:sp>
+        <p:nvSpPr>
+          <p:cNvPr id="2" name="Title 1">
+            <a:extLst>
+              <a:ext uri="{FF2B5EF4-FFF2-40B4-BE49-F238E27FC236}">
                 <a16:creationId xmlns:a16="http://schemas.microsoft.com/office/drawing/2014/main" id="{C9AD7F4D-0DCF-4E5B-BAC6-4A9CDA1FAE45}"/>
               </a:ext>
             </a:extLst>
@@ -32187,8 +32815,28 @@
           <a:lstStyle/>
           <a:p>
             <a:r>
-              <a:rPr lang="pl-PL" dirty="0" err="1"/>
-              <a:t>Summary</a:t>
+              <a:rPr lang="pl-PL" dirty="0"/>
+              <a:t>EOS - THE </a:t>
+            </a:r>
+            <a:r>
+              <a:rPr lang="pl-PL" dirty="0" err="1">
+                <a:solidFill>
+                  <a:schemeClr val="tx2">
+                    <a:lumMod val="75000"/>
+                  </a:schemeClr>
+                </a:solidFill>
+              </a:rPr>
+              <a:t>Governed</a:t>
+            </a:r>
+            <a:r>
+              <a:rPr lang="pl-PL" dirty="0">
+                <a:solidFill>
+                  <a:schemeClr val="tx2">
+                    <a:lumMod val="75000"/>
+                  </a:schemeClr>
+                </a:solidFill>
+              </a:rPr>
+              <a:t> BLOCKCHAIN</a:t>
             </a:r>
             <a:endParaRPr lang="pl-PL" dirty="0"/>
           </a:p>
@@ -32206,7 +32854,13 @@
           <p:cNvGraphicFramePr>
             <a:graphicFrameLocks noGrp="1"/>
           </p:cNvGraphicFramePr>
-          <p:nvPr/>
+          <p:nvPr>
+            <p:extLst>
+              <p:ext uri="{D42A27DB-BD31-4B8C-83A1-F6EECF244321}">
+                <p14:modId xmlns:p14="http://schemas.microsoft.com/office/powerpoint/2010/main" val="737125155"/>
+              </p:ext>
+            </p:extLst>
+          </p:nvPr>
         </p:nvGraphicFramePr>
         <p:xfrm>
           <a:off x="1485677" y="2370778"/>
@@ -32260,14 +32914,14 @@
                     <a:lstStyle/>
                     <a:p>
                       <a:r>
-                        <a:rPr lang="pl-PL" dirty="0"/>
+                        <a:rPr lang="pl-PL" b="0" dirty="0"/>
                         <a:t>Black Swan </a:t>
                       </a:r>
                       <a:r>
-                        <a:rPr lang="pl-PL" dirty="0" err="1"/>
+                        <a:rPr lang="pl-PL" b="0" dirty="0" err="1"/>
                         <a:t>prevention</a:t>
                       </a:r>
-                      <a:endParaRPr lang="pl-PL" dirty="0"/>
+                      <a:endParaRPr lang="pl-PL" b="0" dirty="0"/>
                     </a:p>
                   </a:txBody>
                   <a:tcPr/>
@@ -32278,18 +32932,18 @@
                     <a:lstStyle/>
                     <a:p>
                       <a:r>
-                        <a:rPr lang="pl-PL" dirty="0" err="1"/>
+                        <a:rPr lang="pl-PL" b="0" dirty="0" err="1"/>
                         <a:t>Stagnation</a:t>
                       </a:r>
                       <a:r>
-                        <a:rPr lang="pl-PL" dirty="0"/>
+                        <a:rPr lang="pl-PL" b="0" dirty="0"/>
                         <a:t> </a:t>
                       </a:r>
                       <a:r>
-                        <a:rPr lang="pl-PL" dirty="0" err="1"/>
+                        <a:rPr lang="pl-PL" b="0" dirty="0" err="1"/>
                         <a:t>prevention</a:t>
                       </a:r>
-                      <a:endParaRPr lang="pl-PL" dirty="0"/>
+                      <a:endParaRPr lang="pl-PL" b="0" dirty="0"/>
                     </a:p>
                   </a:txBody>
                   <a:tcPr/>
@@ -32422,16 +33076,13 @@
                         </a:rPr>
                         <a:t>Governed</a:t>
                       </a:r>
-                      <a:r>
-                        <a:rPr lang="pl-PL" dirty="0">
-                          <a:solidFill>
-                            <a:schemeClr val="tx2">
-                              <a:lumMod val="75000"/>
-                            </a:schemeClr>
-                          </a:solidFill>
-                        </a:rPr>
-                        <a:t> (EOS)</a:t>
-                      </a:r>
+                      <a:endParaRPr lang="pl-PL" dirty="0">
+                        <a:solidFill>
+                          <a:schemeClr val="tx2">
+                            <a:lumMod val="75000"/>
+                          </a:schemeClr>
+                        </a:solidFill>
+                      </a:endParaRPr>
                     </a:p>
                   </a:txBody>
                   <a:tcPr/>
@@ -32534,7 +33185,7 @@
 </p:sld>
 </file>
 
-<file path=ppt/slides/slide19.xml><?xml version="1.0" encoding="utf-8"?>
+<file path=ppt/slides/slide21.xml><?xml version="1.0" encoding="utf-8"?>
 <p:sld xmlns:a="http://schemas.openxmlformats.org/drawingml/2006/main" xmlns:r="http://schemas.openxmlformats.org/officeDocument/2006/relationships" xmlns:p="http://schemas.openxmlformats.org/presentationml/2006/main" show="0">
   <p:cSld>
     <p:spTree>
@@ -32692,232 +33343,7 @@
 </p:sld>
 </file>
 
-<file path=ppt/slides/slide2.xml><?xml version="1.0" encoding="utf-8"?>
-<p:sld xmlns:a="http://schemas.openxmlformats.org/drawingml/2006/main" xmlns:r="http://schemas.openxmlformats.org/officeDocument/2006/relationships" xmlns:p="http://schemas.openxmlformats.org/presentationml/2006/main">
-  <p:cSld>
-    <p:spTree>
-      <p:nvGrpSpPr>
-        <p:cNvPr id="1" name=""/>
-        <p:cNvGrpSpPr/>
-        <p:nvPr/>
-      </p:nvGrpSpPr>
-      <p:grpSpPr>
-        <a:xfrm>
-          <a:off x="0" y="0"/>
-          <a:ext cx="0" cy="0"/>
-          <a:chOff x="0" y="0"/>
-          <a:chExt cx="0" cy="0"/>
-        </a:xfrm>
-      </p:grpSpPr>
-      <p:sp>
-        <p:nvSpPr>
-          <p:cNvPr id="2" name="Title 1">
-            <a:extLst>
-              <a:ext uri="{FF2B5EF4-FFF2-40B4-BE49-F238E27FC236}">
-                <a16:creationId xmlns:a16="http://schemas.microsoft.com/office/drawing/2014/main" id="{FAF0BC76-5138-4CC2-A8B3-D4017FE6E1B9}"/>
-              </a:ext>
-            </a:extLst>
-          </p:cNvPr>
-          <p:cNvSpPr>
-            <a:spLocks noGrp="1"/>
-          </p:cNvSpPr>
-          <p:nvPr>
-            <p:ph type="title"/>
-          </p:nvPr>
-        </p:nvSpPr>
-        <p:spPr/>
-        <p:txBody>
-          <a:bodyPr/>
-          <a:lstStyle/>
-          <a:p>
-            <a:r>
-              <a:rPr lang="pl-PL" dirty="0">
-                <a:solidFill>
-                  <a:schemeClr val="tx2">
-                    <a:lumMod val="75000"/>
-                  </a:schemeClr>
-                </a:solidFill>
-              </a:rPr>
-              <a:t>Disclaimer</a:t>
-            </a:r>
-            <a:endParaRPr lang="en-US" dirty="0">
-              <a:solidFill>
-                <a:schemeClr val="tx2">
-                  <a:lumMod val="75000"/>
-                </a:schemeClr>
-              </a:solidFill>
-            </a:endParaRPr>
-          </a:p>
-        </p:txBody>
-      </p:sp>
-      <p:sp>
-        <p:nvSpPr>
-          <p:cNvPr id="3" name="Content Placeholder 2">
-            <a:extLst>
-              <a:ext uri="{FF2B5EF4-FFF2-40B4-BE49-F238E27FC236}">
-                <a16:creationId xmlns:a16="http://schemas.microsoft.com/office/drawing/2014/main" id="{EFA0EB4D-9A76-4CDC-93C8-0BE1162EEB8D}"/>
-              </a:ext>
-            </a:extLst>
-          </p:cNvPr>
-          <p:cNvSpPr>
-            <a:spLocks noGrp="1"/>
-          </p:cNvSpPr>
-          <p:nvPr>
-            <p:ph idx="1"/>
-          </p:nvPr>
-        </p:nvSpPr>
-        <p:spPr/>
-        <p:txBody>
-          <a:bodyPr/>
-          <a:lstStyle/>
-          <a:p>
-            <a:r>
-              <a:rPr lang="pl-PL" dirty="0">
-                <a:solidFill>
-                  <a:schemeClr val="tx1">
-                    <a:lumMod val="75000"/>
-                  </a:schemeClr>
-                </a:solidFill>
-              </a:rPr>
-              <a:t>W</a:t>
-            </a:r>
-            <a:r>
-              <a:rPr lang="en-US" dirty="0">
-                <a:solidFill>
-                  <a:schemeClr val="tx1">
-                    <a:lumMod val="75000"/>
-                  </a:schemeClr>
-                </a:solidFill>
-              </a:rPr>
-              <a:t>e are </a:t>
-            </a:r>
-            <a:r>
-              <a:rPr lang="pl-PL" dirty="0">
-                <a:solidFill>
-                  <a:schemeClr val="tx2">
-                    <a:lumMod val="75000"/>
-                  </a:schemeClr>
-                </a:solidFill>
-              </a:rPr>
-              <a:t>NOT</a:t>
-            </a:r>
-            <a:r>
-              <a:rPr lang="en-US" dirty="0">
-                <a:solidFill>
-                  <a:schemeClr val="tx1">
-                    <a:lumMod val="75000"/>
-                  </a:schemeClr>
-                </a:solidFill>
-              </a:rPr>
-              <a:t> </a:t>
-            </a:r>
-            <a:r>
-              <a:rPr lang="pl-PL" dirty="0">
-                <a:solidFill>
-                  <a:schemeClr val="tx1">
-                    <a:lumMod val="75000"/>
-                  </a:schemeClr>
-                </a:solidFill>
-              </a:rPr>
-              <a:t>in any way</a:t>
-            </a:r>
-            <a:r>
-              <a:rPr lang="en-US" dirty="0">
-                <a:solidFill>
-                  <a:schemeClr val="tx1">
-                    <a:lumMod val="75000"/>
-                  </a:schemeClr>
-                </a:solidFill>
-              </a:rPr>
-              <a:t> associated with </a:t>
-            </a:r>
-            <a:r>
-              <a:rPr lang="en-US" dirty="0">
-                <a:solidFill>
-                  <a:schemeClr val="tx2">
-                    <a:lumMod val="75000"/>
-                  </a:schemeClr>
-                </a:solidFill>
-              </a:rPr>
-              <a:t>block.one</a:t>
-            </a:r>
-            <a:r>
-              <a:rPr lang="en-US" dirty="0">
-                <a:solidFill>
-                  <a:schemeClr val="tx1">
-                    <a:lumMod val="75000"/>
-                  </a:schemeClr>
-                </a:solidFill>
-              </a:rPr>
-              <a:t>, the company developing EOS code. We are just part of the emerging EOS community.</a:t>
-            </a:r>
-            <a:endParaRPr lang="pl-PL" dirty="0">
-              <a:solidFill>
-                <a:schemeClr val="tx1">
-                  <a:lumMod val="75000"/>
-                </a:schemeClr>
-              </a:solidFill>
-            </a:endParaRPr>
-          </a:p>
-          <a:p>
-            <a:r>
-              <a:rPr lang="en-US" dirty="0">
-                <a:solidFill>
-                  <a:schemeClr val="tx1">
-                    <a:lumMod val="75000"/>
-                  </a:schemeClr>
-                </a:solidFill>
-              </a:rPr>
-              <a:t>We have no interest in you buying EOS tokens, and this certainly should not be treated as financial advice. </a:t>
-            </a:r>
-            <a:endParaRPr lang="pl-PL" dirty="0">
-              <a:solidFill>
-                <a:schemeClr val="tx1">
-                  <a:lumMod val="75000"/>
-                </a:schemeClr>
-              </a:solidFill>
-            </a:endParaRPr>
-          </a:p>
-          <a:p>
-            <a:r>
-              <a:rPr lang="en-US" dirty="0">
-                <a:solidFill>
-                  <a:schemeClr val="tx1">
-                    <a:lumMod val="75000"/>
-                  </a:schemeClr>
-                </a:solidFill>
-              </a:rPr>
-              <a:t>Our goal is to encourage you to take interest in the concept and possibly consider building businesses on top of EOS.</a:t>
-            </a:r>
-          </a:p>
-        </p:txBody>
-      </p:sp>
-    </p:spTree>
-    <p:extLst>
-      <p:ext uri="{BB962C8B-B14F-4D97-AF65-F5344CB8AC3E}">
-        <p14:creationId xmlns:p14="http://schemas.microsoft.com/office/powerpoint/2010/main" val="3001520040"/>
-      </p:ext>
-    </p:extLst>
-  </p:cSld>
-  <p:clrMapOvr>
-    <a:masterClrMapping/>
-  </p:clrMapOvr>
-  <mc:AlternateContent xmlns:mc="http://schemas.openxmlformats.org/markup-compatibility/2006" xmlns:p14="http://schemas.microsoft.com/office/powerpoint/2010/main">
-    <mc:Choice Requires="p14">
-      <p:transition spd="slow" p14:dur="2500">
-        <p:checker/>
-      </p:transition>
-    </mc:Choice>
-    <mc:Fallback xmlns="">
-      <p:transition spd="slow">
-        <p:checker/>
-      </p:transition>
-    </mc:Fallback>
-  </mc:AlternateContent>
-</p:sld>
-</file>
-
-<file path=ppt/slides/slide20.xml><?xml version="1.0" encoding="utf-8"?>
+<file path=ppt/slides/slide22.xml><?xml version="1.0" encoding="utf-8"?>
 <p:sld xmlns:a="http://schemas.openxmlformats.org/drawingml/2006/main" xmlns:r="http://schemas.openxmlformats.org/officeDocument/2006/relationships" xmlns:p="http://schemas.openxmlformats.org/presentationml/2006/main" show="0">
   <p:cSld>
     <p:spTree>
@@ -33047,7 +33473,7 @@
 </p:sld>
 </file>
 
-<file path=ppt/slides/slide21.xml><?xml version="1.0" encoding="utf-8"?>
+<file path=ppt/slides/slide23.xml><?xml version="1.0" encoding="utf-8"?>
 <p:sld xmlns:a="http://schemas.openxmlformats.org/drawingml/2006/main" xmlns:r="http://schemas.openxmlformats.org/officeDocument/2006/relationships" xmlns:p="http://schemas.openxmlformats.org/presentationml/2006/main" show="0">
   <p:cSld>
     <p:spTree>
@@ -33170,442 +33596,6 @@
   <p:transition spd="slow">
     <p:randomBar dir="vert"/>
   </p:transition>
-</p:sld>
-</file>
-
-<file path=ppt/slides/slide22.xml><?xml version="1.0" encoding="utf-8"?>
-<p:sld xmlns:a="http://schemas.openxmlformats.org/drawingml/2006/main" xmlns:r="http://schemas.openxmlformats.org/officeDocument/2006/relationships" xmlns:p="http://schemas.openxmlformats.org/presentationml/2006/main" show="0">
-  <p:cSld>
-    <p:spTree>
-      <p:nvGrpSpPr>
-        <p:cNvPr id="1" name=""/>
-        <p:cNvGrpSpPr/>
-        <p:nvPr/>
-      </p:nvGrpSpPr>
-      <p:grpSpPr>
-        <a:xfrm>
-          <a:off x="0" y="0"/>
-          <a:ext cx="0" cy="0"/>
-          <a:chOff x="0" y="0"/>
-          <a:chExt cx="0" cy="0"/>
-        </a:xfrm>
-      </p:grpSpPr>
-      <p:sp>
-        <p:nvSpPr>
-          <p:cNvPr id="2" name="Title 1">
-            <a:extLst>
-              <a:ext uri="{FF2B5EF4-FFF2-40B4-BE49-F238E27FC236}">
-                <a16:creationId xmlns:a16="http://schemas.microsoft.com/office/drawing/2014/main" id="{641702F2-188F-4087-991C-EC62CE7DE077}"/>
-              </a:ext>
-            </a:extLst>
-          </p:cNvPr>
-          <p:cNvSpPr>
-            <a:spLocks noGrp="1"/>
-          </p:cNvSpPr>
-          <p:nvPr>
-            <p:ph type="title"/>
-          </p:nvPr>
-        </p:nvSpPr>
-        <p:spPr/>
-        <p:txBody>
-          <a:bodyPr/>
-          <a:lstStyle/>
-          <a:p>
-            <a:r>
-              <a:rPr lang="en-US" dirty="0"/>
-              <a:t>What </a:t>
-            </a:r>
-            <a:r>
-              <a:rPr lang="pl-PL" dirty="0"/>
-              <a:t>are eos main </a:t>
-            </a:r>
-            <a:r>
-              <a:rPr lang="en-US" dirty="0"/>
-              <a:t>feature</a:t>
-            </a:r>
-            <a:r>
-              <a:rPr lang="pl-PL" dirty="0"/>
-              <a:t>s</a:t>
-            </a:r>
-            <a:r>
-              <a:rPr lang="en-US" dirty="0"/>
-              <a:t>?</a:t>
-            </a:r>
-          </a:p>
-        </p:txBody>
-      </p:sp>
-      <p:graphicFrame>
-        <p:nvGraphicFramePr>
-          <p:cNvPr id="4" name="Content Placeholder 3">
-            <a:extLst>
-              <a:ext uri="{FF2B5EF4-FFF2-40B4-BE49-F238E27FC236}">
-                <a16:creationId xmlns:a16="http://schemas.microsoft.com/office/drawing/2014/main" id="{5A7B6819-5C48-454A-9393-7C0891982653}"/>
-              </a:ext>
-            </a:extLst>
-          </p:cNvPr>
-          <p:cNvGraphicFramePr>
-            <a:graphicFrameLocks noGrp="1"/>
-          </p:cNvGraphicFramePr>
-          <p:nvPr>
-            <p:ph idx="1"/>
-            <p:extLst>
-              <p:ext uri="{D42A27DB-BD31-4B8C-83A1-F6EECF244321}">
-                <p14:modId xmlns:p14="http://schemas.microsoft.com/office/powerpoint/2010/main" val="424386725"/>
-              </p:ext>
-            </p:extLst>
-          </p:nvPr>
-        </p:nvGraphicFramePr>
-        <p:xfrm>
-          <a:off x="560560" y="2048610"/>
-          <a:ext cx="9803552" cy="4158762"/>
-        </p:xfrm>
-        <a:graphic>
-          <a:graphicData uri="http://schemas.openxmlformats.org/drawingml/2006/diagram">
-            <dgm:relIds xmlns:dgm="http://schemas.openxmlformats.org/drawingml/2006/diagram" xmlns:r="http://schemas.openxmlformats.org/officeDocument/2006/relationships" r:dm="rId3" r:lo="rId4" r:qs="rId5" r:cs="rId6"/>
-          </a:graphicData>
-        </a:graphic>
-      </p:graphicFrame>
-    </p:spTree>
-    <p:extLst>
-      <p:ext uri="{BB962C8B-B14F-4D97-AF65-F5344CB8AC3E}">
-        <p14:creationId xmlns:p14="http://schemas.microsoft.com/office/powerpoint/2010/main" val="2237572189"/>
-      </p:ext>
-    </p:extLst>
-  </p:cSld>
-  <p:clrMapOvr>
-    <a:masterClrMapping/>
-  </p:clrMapOvr>
-  <p:transition spd="slow">
-    <p:randomBar dir="vert"/>
-  </p:transition>
-</p:sld>
-</file>
-
-<file path=ppt/slides/slide23.xml><?xml version="1.0" encoding="utf-8"?>
-<p:sld xmlns:a="http://schemas.openxmlformats.org/drawingml/2006/main" xmlns:r="http://schemas.openxmlformats.org/officeDocument/2006/relationships" xmlns:p="http://schemas.openxmlformats.org/presentationml/2006/main">
-  <p:cSld>
-    <p:spTree>
-      <p:nvGrpSpPr>
-        <p:cNvPr id="1" name=""/>
-        <p:cNvGrpSpPr/>
-        <p:nvPr/>
-      </p:nvGrpSpPr>
-      <p:grpSpPr>
-        <a:xfrm>
-          <a:off x="0" y="0"/>
-          <a:ext cx="0" cy="0"/>
-          <a:chOff x="0" y="0"/>
-          <a:chExt cx="0" cy="0"/>
-        </a:xfrm>
-      </p:grpSpPr>
-      <p:sp>
-        <p:nvSpPr>
-          <p:cNvPr id="2" name="Title 1">
-            <a:extLst>
-              <a:ext uri="{FF2B5EF4-FFF2-40B4-BE49-F238E27FC236}">
-                <a16:creationId xmlns:a16="http://schemas.microsoft.com/office/drawing/2014/main" id="{EF64A133-A75A-4EA3-AFC9-6C6E1297A1F6}"/>
-              </a:ext>
-            </a:extLst>
-          </p:cNvPr>
-          <p:cNvSpPr>
-            <a:spLocks noGrp="1"/>
-          </p:cNvSpPr>
-          <p:nvPr>
-            <p:ph type="title"/>
-          </p:nvPr>
-        </p:nvSpPr>
-        <p:spPr/>
-        <p:txBody>
-          <a:bodyPr/>
-          <a:lstStyle/>
-          <a:p>
-            <a:r>
-              <a:rPr lang="pl-PL" dirty="0">
-                <a:solidFill>
-                  <a:schemeClr val="tx2">
-                    <a:lumMod val="75000"/>
-                  </a:schemeClr>
-                </a:solidFill>
-              </a:rPr>
-              <a:t>DPOS</a:t>
-            </a:r>
-            <a:r>
-              <a:rPr lang="pl-PL" dirty="0"/>
-              <a:t> - DELEGATED PROOF OF STAKE</a:t>
-            </a:r>
-          </a:p>
-        </p:txBody>
-      </p:sp>
-      <p:sp>
-        <p:nvSpPr>
-          <p:cNvPr id="3" name="Content Placeholder 2">
-            <a:extLst>
-              <a:ext uri="{FF2B5EF4-FFF2-40B4-BE49-F238E27FC236}">
-                <a16:creationId xmlns:a16="http://schemas.microsoft.com/office/drawing/2014/main" id="{21BC3B13-91C2-4964-A2E1-5141059D33C9}"/>
-              </a:ext>
-            </a:extLst>
-          </p:cNvPr>
-          <p:cNvSpPr>
-            <a:spLocks noGrp="1"/>
-          </p:cNvSpPr>
-          <p:nvPr>
-            <p:ph idx="1"/>
-          </p:nvPr>
-        </p:nvSpPr>
-        <p:spPr/>
-        <p:txBody>
-          <a:bodyPr/>
-          <a:lstStyle/>
-          <a:p>
-            <a:r>
-              <a:rPr lang="pl-PL" dirty="0"/>
-              <a:t>21 </a:t>
-            </a:r>
-            <a:r>
-              <a:rPr lang="pl-PL" dirty="0" err="1"/>
-              <a:t>block</a:t>
-            </a:r>
-            <a:r>
-              <a:rPr lang="pl-PL" dirty="0"/>
-              <a:t> </a:t>
-            </a:r>
-            <a:r>
-              <a:rPr lang="pl-PL" dirty="0" err="1"/>
-              <a:t>producers</a:t>
-            </a:r>
-            <a:r>
-              <a:rPr lang="pl-PL" dirty="0"/>
-              <a:t> </a:t>
-            </a:r>
-            <a:r>
-              <a:rPr lang="pl-PL" dirty="0" err="1"/>
-              <a:t>elected</a:t>
-            </a:r>
-            <a:r>
-              <a:rPr lang="pl-PL" dirty="0"/>
-              <a:t> by token </a:t>
-            </a:r>
-            <a:r>
-              <a:rPr lang="pl-PL" dirty="0" err="1"/>
-              <a:t>holders</a:t>
-            </a:r>
-            <a:endParaRPr lang="pl-PL" dirty="0"/>
-          </a:p>
-          <a:p>
-            <a:r>
-              <a:rPr lang="pl-PL" dirty="0"/>
-              <a:t>Hard to </a:t>
-            </a:r>
-            <a:r>
-              <a:rPr lang="pl-PL" dirty="0" err="1"/>
-              <a:t>get</a:t>
-            </a:r>
-            <a:r>
-              <a:rPr lang="pl-PL" dirty="0"/>
-              <a:t> </a:t>
-            </a:r>
-            <a:r>
-              <a:rPr lang="pl-PL" dirty="0" err="1"/>
-              <a:t>elected</a:t>
-            </a:r>
-            <a:r>
-              <a:rPr lang="pl-PL" dirty="0"/>
-              <a:t>, </a:t>
-            </a:r>
-            <a:r>
-              <a:rPr lang="pl-PL" dirty="0" err="1"/>
-              <a:t>easy</a:t>
-            </a:r>
-            <a:r>
-              <a:rPr lang="pl-PL" dirty="0"/>
-              <a:t> to </a:t>
-            </a:r>
-            <a:r>
-              <a:rPr lang="pl-PL" dirty="0" err="1"/>
-              <a:t>lose</a:t>
-            </a:r>
-            <a:r>
-              <a:rPr lang="pl-PL" dirty="0"/>
-              <a:t> the </a:t>
-            </a:r>
-            <a:r>
-              <a:rPr lang="pl-PL" dirty="0" err="1"/>
-              <a:t>job</a:t>
-            </a:r>
-            <a:endParaRPr lang="pl-PL" dirty="0"/>
-          </a:p>
-          <a:p>
-            <a:r>
-              <a:rPr lang="pl-PL" dirty="0" err="1"/>
-              <a:t>Executors</a:t>
-            </a:r>
-            <a:r>
-              <a:rPr lang="pl-PL" dirty="0"/>
-              <a:t> of the </a:t>
-            </a:r>
-            <a:r>
-              <a:rPr lang="pl-PL" dirty="0" err="1"/>
-              <a:t>constitution</a:t>
-            </a:r>
-            <a:r>
-              <a:rPr lang="pl-PL" dirty="0"/>
-              <a:t>, </a:t>
-            </a:r>
-            <a:r>
-              <a:rPr lang="pl-PL" dirty="0" err="1"/>
-              <a:t>e.g</a:t>
-            </a:r>
-            <a:r>
-              <a:rPr lang="pl-PL" dirty="0"/>
-              <a:t>.</a:t>
-            </a:r>
-          </a:p>
-          <a:p>
-            <a:pPr lvl="1"/>
-            <a:r>
-              <a:rPr lang="pl-PL" dirty="0" err="1"/>
-              <a:t>apply</a:t>
-            </a:r>
-            <a:r>
-              <a:rPr lang="pl-PL" dirty="0"/>
-              <a:t> </a:t>
-            </a:r>
-            <a:r>
-              <a:rPr lang="pl-PL" dirty="0" err="1"/>
-              <a:t>protocol</a:t>
-            </a:r>
-            <a:r>
-              <a:rPr lang="pl-PL" dirty="0"/>
-              <a:t> </a:t>
-            </a:r>
-            <a:r>
-              <a:rPr lang="pl-PL" dirty="0" err="1"/>
-              <a:t>changes</a:t>
-            </a:r>
-            <a:endParaRPr lang="pl-PL" dirty="0"/>
-          </a:p>
-          <a:p>
-            <a:pPr lvl="1"/>
-            <a:r>
-              <a:rPr lang="pl-PL" dirty="0" err="1"/>
-              <a:t>ability</a:t>
-            </a:r>
-            <a:r>
-              <a:rPr lang="pl-PL" dirty="0"/>
-              <a:t> to </a:t>
-            </a:r>
-            <a:r>
-              <a:rPr lang="pl-PL" dirty="0" err="1"/>
-              <a:t>freeze</a:t>
-            </a:r>
-            <a:r>
-              <a:rPr lang="pl-PL" dirty="0"/>
-              <a:t> &amp; </a:t>
-            </a:r>
-            <a:r>
-              <a:rPr lang="pl-PL" dirty="0" err="1"/>
-              <a:t>fix</a:t>
-            </a:r>
-            <a:r>
-              <a:rPr lang="pl-PL" dirty="0"/>
-              <a:t> </a:t>
-            </a:r>
-            <a:r>
-              <a:rPr lang="pl-PL" dirty="0" err="1"/>
-              <a:t>broken</a:t>
-            </a:r>
-            <a:r>
-              <a:rPr lang="pl-PL" dirty="0"/>
-              <a:t> dApps</a:t>
-            </a:r>
-          </a:p>
-          <a:p>
-            <a:r>
-              <a:rPr lang="pl-PL" dirty="0" err="1"/>
-              <a:t>Subjects</a:t>
-            </a:r>
-            <a:r>
-              <a:rPr lang="pl-PL" dirty="0"/>
-              <a:t> to the </a:t>
-            </a:r>
-            <a:r>
-              <a:rPr lang="pl-PL" dirty="0" err="1"/>
-              <a:t>constitution</a:t>
-            </a:r>
-            <a:r>
-              <a:rPr lang="pl-PL" dirty="0"/>
-              <a:t>: </a:t>
-            </a:r>
-            <a:r>
-              <a:rPr lang="pl-PL" dirty="0" err="1"/>
-              <a:t>risk</a:t>
-            </a:r>
-            <a:r>
-              <a:rPr lang="pl-PL" dirty="0"/>
-              <a:t> </a:t>
-            </a:r>
-            <a:r>
-              <a:rPr lang="pl-PL" dirty="0" err="1"/>
-              <a:t>being</a:t>
-            </a:r>
-            <a:r>
-              <a:rPr lang="pl-PL" dirty="0"/>
-              <a:t> </a:t>
-            </a:r>
-            <a:r>
-              <a:rPr lang="pl-PL" dirty="0" err="1"/>
-              <a:t>voted</a:t>
-            </a:r>
-            <a:r>
-              <a:rPr lang="pl-PL" dirty="0"/>
-              <a:t> out </a:t>
-            </a:r>
-            <a:r>
-              <a:rPr lang="pl-PL" dirty="0" err="1"/>
-              <a:t>if</a:t>
-            </a:r>
-            <a:r>
-              <a:rPr lang="pl-PL" dirty="0"/>
-              <a:t> </a:t>
-            </a:r>
-            <a:r>
-              <a:rPr lang="pl-PL" dirty="0" err="1"/>
-              <a:t>violate</a:t>
-            </a:r>
-            <a:r>
-              <a:rPr lang="pl-PL" dirty="0"/>
-              <a:t> the </a:t>
-            </a:r>
-            <a:r>
-              <a:rPr lang="pl-PL" dirty="0" err="1"/>
-              <a:t>constitution</a:t>
-            </a:r>
-            <a:endParaRPr lang="pl-PL" dirty="0"/>
-          </a:p>
-        </p:txBody>
-      </p:sp>
-    </p:spTree>
-    <p:extLst>
-      <p:ext uri="{BB962C8B-B14F-4D97-AF65-F5344CB8AC3E}">
-        <p14:creationId xmlns:p14="http://schemas.microsoft.com/office/powerpoint/2010/main" val="1093571717"/>
-      </p:ext>
-    </p:extLst>
-  </p:cSld>
-  <p:clrMapOvr>
-    <a:masterClrMapping/>
-  </p:clrMapOvr>
-  <mc:AlternateContent xmlns:mc="http://schemas.openxmlformats.org/markup-compatibility/2006" xmlns:p14="http://schemas.microsoft.com/office/powerpoint/2010/main">
-    <mc:Choice Requires="p14">
-      <p:transition spd="slow" p14:dur="2500">
-        <p:checker/>
-      </p:transition>
-    </mc:Choice>
-    <mc:Fallback xmlns="">
-      <p:transition spd="slow">
-        <p:checker/>
-      </p:transition>
-    </mc:Fallback>
-  </mc:AlternateContent>
 </p:sld>
 </file>
 
@@ -34297,6 +34287,251 @@
           <a:p>
             <a:r>
               <a:rPr lang="pl-PL" dirty="0"/>
+              <a:t>Kurt </a:t>
+            </a:r>
+            <a:r>
+              <a:rPr lang="pl-PL" dirty="0" err="1"/>
+              <a:t>Gödel’S</a:t>
+            </a:r>
+            <a:r>
+              <a:rPr lang="pl-PL" dirty="0"/>
+              <a:t> </a:t>
+            </a:r>
+            <a:r>
+              <a:rPr lang="pl-PL" dirty="0" err="1">
+                <a:solidFill>
+                  <a:schemeClr val="tx2">
+                    <a:lumMod val="75000"/>
+                  </a:schemeClr>
+                </a:solidFill>
+              </a:rPr>
+              <a:t>incompleteness</a:t>
+            </a:r>
+            <a:r>
+              <a:rPr lang="pl-PL" dirty="0"/>
+              <a:t> </a:t>
+            </a:r>
+            <a:r>
+              <a:rPr lang="pl-PL" dirty="0" err="1"/>
+              <a:t>theorem</a:t>
+            </a:r>
+            <a:endParaRPr lang="pl-PL" dirty="0"/>
+          </a:p>
+        </p:txBody>
+      </p:sp>
+      <p:sp>
+        <p:nvSpPr>
+          <p:cNvPr id="3" name="Content Placeholder 2">
+            <a:extLst>
+              <a:ext uri="{FF2B5EF4-FFF2-40B4-BE49-F238E27FC236}">
+                <a16:creationId xmlns:a16="http://schemas.microsoft.com/office/drawing/2014/main" id="{21BC3B13-91C2-4964-A2E1-5141059D33C9}"/>
+              </a:ext>
+            </a:extLst>
+          </p:cNvPr>
+          <p:cNvSpPr>
+            <a:spLocks noGrp="1"/>
+          </p:cNvSpPr>
+          <p:nvPr>
+            <p:ph idx="1"/>
+          </p:nvPr>
+        </p:nvSpPr>
+        <p:spPr>
+          <a:xfrm>
+            <a:off x="1361752" y="2249486"/>
+            <a:ext cx="9905999" cy="3197585"/>
+          </a:xfrm>
+        </p:spPr>
+        <p:txBody>
+          <a:bodyPr>
+            <a:normAutofit/>
+          </a:bodyPr>
+          <a:lstStyle/>
+          <a:p>
+            <a:r>
+              <a:rPr lang="pl-PL" dirty="0" err="1"/>
+              <a:t>Any</a:t>
+            </a:r>
+            <a:r>
+              <a:rPr lang="en-US" dirty="0"/>
+              <a:t> logical system can be </a:t>
+            </a:r>
+            <a:r>
+              <a:rPr lang="pl-PL" dirty="0" err="1"/>
+              <a:t>either</a:t>
+            </a:r>
+            <a:r>
+              <a:rPr lang="en-US" dirty="0"/>
+              <a:t> </a:t>
+            </a:r>
+            <a:r>
+              <a:rPr lang="en-US" dirty="0">
+                <a:solidFill>
+                  <a:schemeClr val="tx2">
+                    <a:lumMod val="75000"/>
+                  </a:schemeClr>
+                </a:solidFill>
+              </a:rPr>
+              <a:t>complete</a:t>
+            </a:r>
+            <a:r>
+              <a:rPr lang="en-US" dirty="0"/>
+              <a:t> </a:t>
+            </a:r>
+            <a:r>
+              <a:rPr lang="pl-PL" dirty="0" err="1"/>
+              <a:t>or</a:t>
+            </a:r>
+            <a:r>
+              <a:rPr lang="en-US" dirty="0"/>
+              <a:t> </a:t>
+            </a:r>
+            <a:r>
+              <a:rPr lang="en-US" dirty="0">
+                <a:solidFill>
+                  <a:schemeClr val="tx2">
+                    <a:lumMod val="75000"/>
+                  </a:schemeClr>
+                </a:solidFill>
+              </a:rPr>
+              <a:t>consistent</a:t>
+            </a:r>
+            <a:r>
+              <a:rPr lang="pl-PL" dirty="0"/>
+              <a:t>, </a:t>
+            </a:r>
+            <a:r>
+              <a:rPr lang="pl-PL" dirty="0" err="1"/>
+              <a:t>never</a:t>
+            </a:r>
+            <a:r>
+              <a:rPr lang="pl-PL" dirty="0"/>
+              <a:t> </a:t>
+            </a:r>
+            <a:r>
+              <a:rPr lang="pl-PL" dirty="0" err="1"/>
+              <a:t>both</a:t>
+            </a:r>
+            <a:r>
+              <a:rPr lang="pl-PL" dirty="0"/>
+              <a:t>.</a:t>
+            </a:r>
+          </a:p>
+          <a:p>
+            <a:r>
+              <a:rPr lang="pl-PL" dirty="0" err="1"/>
+              <a:t>There</a:t>
+            </a:r>
+            <a:r>
+              <a:rPr lang="pl-PL" dirty="0"/>
+              <a:t> </a:t>
+            </a:r>
+            <a:r>
+              <a:rPr lang="pl-PL" dirty="0" err="1"/>
+              <a:t>are</a:t>
+            </a:r>
+            <a:r>
+              <a:rPr lang="pl-PL" dirty="0"/>
+              <a:t> </a:t>
+            </a:r>
+            <a:r>
+              <a:rPr lang="pl-PL" dirty="0" err="1"/>
+              <a:t>always</a:t>
+            </a:r>
+            <a:r>
+              <a:rPr lang="pl-PL" dirty="0"/>
+              <a:t> </a:t>
+            </a:r>
+            <a:r>
+              <a:rPr lang="pl-PL" dirty="0" err="1"/>
+              <a:t>axioms</a:t>
+            </a:r>
+            <a:r>
+              <a:rPr lang="pl-PL" dirty="0"/>
+              <a:t> </a:t>
+            </a:r>
+            <a:r>
+              <a:rPr lang="pl-PL" dirty="0" err="1"/>
+              <a:t>which</a:t>
+            </a:r>
+            <a:r>
+              <a:rPr lang="pl-PL" dirty="0"/>
+              <a:t> </a:t>
+            </a:r>
+            <a:r>
+              <a:rPr lang="pl-PL" dirty="0" err="1"/>
+              <a:t>are</a:t>
+            </a:r>
+            <a:r>
+              <a:rPr lang="pl-PL" dirty="0"/>
+              <a:t> </a:t>
+            </a:r>
+            <a:r>
+              <a:rPr lang="pl-PL" dirty="0" err="1"/>
+              <a:t>outside</a:t>
+            </a:r>
+            <a:r>
+              <a:rPr lang="pl-PL" dirty="0"/>
+              <a:t> of a system.</a:t>
+            </a:r>
+          </a:p>
+        </p:txBody>
+      </p:sp>
+    </p:spTree>
+    <p:extLst>
+      <p:ext uri="{BB962C8B-B14F-4D97-AF65-F5344CB8AC3E}">
+        <p14:creationId xmlns:p14="http://schemas.microsoft.com/office/powerpoint/2010/main" val="89888903"/>
+      </p:ext>
+    </p:extLst>
+  </p:cSld>
+  <p:clrMapOvr>
+    <a:masterClrMapping/>
+  </p:clrMapOvr>
+  <p:transition spd="slow">
+    <p:randomBar dir="vert"/>
+  </p:transition>
+</p:sld>
+</file>
+
+<file path=ppt/slides/slide27.xml><?xml version="1.0" encoding="utf-8"?>
+<p:sld xmlns:a="http://schemas.openxmlformats.org/drawingml/2006/main" xmlns:r="http://schemas.openxmlformats.org/officeDocument/2006/relationships" xmlns:p="http://schemas.openxmlformats.org/presentationml/2006/main">
+  <p:cSld>
+    <p:spTree>
+      <p:nvGrpSpPr>
+        <p:cNvPr id="1" name=""/>
+        <p:cNvGrpSpPr/>
+        <p:nvPr/>
+      </p:nvGrpSpPr>
+      <p:grpSpPr>
+        <a:xfrm>
+          <a:off x="0" y="0"/>
+          <a:ext cx="0" cy="0"/>
+          <a:chOff x="0" y="0"/>
+          <a:chExt cx="0" cy="0"/>
+        </a:xfrm>
+      </p:grpSpPr>
+      <p:sp>
+        <p:nvSpPr>
+          <p:cNvPr id="2" name="Title 1">
+            <a:extLst>
+              <a:ext uri="{FF2B5EF4-FFF2-40B4-BE49-F238E27FC236}">
+                <a16:creationId xmlns:a16="http://schemas.microsoft.com/office/drawing/2014/main" id="{EF64A133-A75A-4EA3-AFC9-6C6E1297A1F6}"/>
+              </a:ext>
+            </a:extLst>
+          </p:cNvPr>
+          <p:cNvSpPr>
+            <a:spLocks noGrp="1"/>
+          </p:cNvSpPr>
+          <p:nvPr>
+            <p:ph type="title"/>
+          </p:nvPr>
+        </p:nvSpPr>
+        <p:spPr/>
+        <p:txBody>
+          <a:bodyPr/>
+          <a:lstStyle/>
+          <a:p>
+            <a:r>
+              <a:rPr lang="pl-PL" dirty="0"/>
               <a:t>DAN </a:t>
             </a:r>
             <a:r>
@@ -34364,48 +34599,20 @@
           <a:lstStyle/>
           <a:p>
             <a:r>
-              <a:rPr lang="pl-PL" dirty="0"/>
-              <a:t>E</a:t>
-            </a:r>
-            <a:r>
-              <a:rPr lang="en-US" dirty="0" err="1"/>
-              <a:t>ach</a:t>
-            </a:r>
-            <a:r>
               <a:rPr lang="en-US" dirty="0"/>
-              <a:t> community might have its own definition of “right and wrong” which can only be measured by a poll of the subjective opinions of community members</a:t>
-            </a:r>
-            <a:r>
-              <a:rPr lang="pl-PL" dirty="0"/>
-              <a:t>.</a:t>
+              <a:t>Each community might have its own hierarchy of values (i.e. value system)</a:t>
             </a:r>
           </a:p>
           <a:p>
             <a:r>
               <a:rPr lang="en-US" dirty="0"/>
-              <a:t>The more effective a group is at maintaining its integrity as it grows, the larger the group will grow</a:t>
-            </a:r>
-            <a:r>
-              <a:rPr lang="pl-PL" dirty="0"/>
-              <a:t>.</a:t>
+              <a:t>A good value system will allow a group to grow</a:t>
             </a:r>
           </a:p>
           <a:p>
             <a:r>
               <a:rPr lang="en-US" dirty="0"/>
-              <a:t>The more corrupt a group is</a:t>
-            </a:r>
-            <a:r>
-              <a:rPr lang="pl-PL" dirty="0"/>
-              <a:t>,</a:t>
-            </a:r>
-            <a:r>
-              <a:rPr lang="en-US" dirty="0"/>
-              <a:t> the faster it will die</a:t>
-            </a:r>
-            <a:r>
-              <a:rPr lang="pl-PL" dirty="0"/>
-              <a:t>.</a:t>
+              <a:t>A bad value system will eventually make it die</a:t>
             </a:r>
           </a:p>
         </p:txBody>
@@ -34426,7 +34633,7 @@
 </p:sld>
 </file>
 
-<file path=ppt/slides/slide27.xml><?xml version="1.0" encoding="utf-8"?>
+<file path=ppt/slides/slide28.xml><?xml version="1.0" encoding="utf-8"?>
 <p:sld xmlns:a="http://schemas.openxmlformats.org/drawingml/2006/main" xmlns:r="http://schemas.openxmlformats.org/officeDocument/2006/relationships" xmlns:p="http://schemas.openxmlformats.org/presentationml/2006/main">
   <p:cSld>
     <p:spTree>
@@ -34556,7 +34763,292 @@
 </p:sld>
 </file>
 
-<file path=ppt/slides/slide28.xml><?xml version="1.0" encoding="utf-8"?>
+<file path=ppt/slides/slide29.xml><?xml version="1.0" encoding="utf-8"?>
+<p:sld xmlns:a="http://schemas.openxmlformats.org/drawingml/2006/main" xmlns:r="http://schemas.openxmlformats.org/officeDocument/2006/relationships" xmlns:p="http://schemas.openxmlformats.org/presentationml/2006/main">
+  <p:cSld>
+    <p:spTree>
+      <p:nvGrpSpPr>
+        <p:cNvPr id="1" name=""/>
+        <p:cNvGrpSpPr/>
+        <p:nvPr/>
+      </p:nvGrpSpPr>
+      <p:grpSpPr>
+        <a:xfrm>
+          <a:off x="0" y="0"/>
+          <a:ext cx="0" cy="0"/>
+          <a:chOff x="0" y="0"/>
+          <a:chExt cx="0" cy="0"/>
+        </a:xfrm>
+      </p:grpSpPr>
+      <p:sp>
+        <p:nvSpPr>
+          <p:cNvPr id="2" name="Title 1">
+            <a:extLst>
+              <a:ext uri="{FF2B5EF4-FFF2-40B4-BE49-F238E27FC236}">
+                <a16:creationId xmlns:a16="http://schemas.microsoft.com/office/drawing/2014/main" id="{641702F2-188F-4087-991C-EC62CE7DE077}"/>
+              </a:ext>
+            </a:extLst>
+          </p:cNvPr>
+          <p:cNvSpPr>
+            <a:spLocks noGrp="1"/>
+          </p:cNvSpPr>
+          <p:nvPr>
+            <p:ph type="title"/>
+          </p:nvPr>
+        </p:nvSpPr>
+        <p:spPr/>
+        <p:txBody>
+          <a:bodyPr/>
+          <a:lstStyle/>
+          <a:p>
+            <a:r>
+              <a:rPr lang="pl-PL" dirty="0"/>
+              <a:t>eos main </a:t>
+            </a:r>
+            <a:r>
+              <a:rPr lang="en-US" dirty="0"/>
+              <a:t>feature</a:t>
+            </a:r>
+            <a:r>
+              <a:rPr lang="pl-PL" dirty="0"/>
+              <a:t>s</a:t>
+            </a:r>
+            <a:endParaRPr lang="en-US" dirty="0"/>
+          </a:p>
+        </p:txBody>
+      </p:sp>
+      <p:graphicFrame>
+        <p:nvGraphicFramePr>
+          <p:cNvPr id="4" name="Content Placeholder 3">
+            <a:extLst>
+              <a:ext uri="{FF2B5EF4-FFF2-40B4-BE49-F238E27FC236}">
+                <a16:creationId xmlns:a16="http://schemas.microsoft.com/office/drawing/2014/main" id="{5A7B6819-5C48-454A-9393-7C0891982653}"/>
+              </a:ext>
+            </a:extLst>
+          </p:cNvPr>
+          <p:cNvGraphicFramePr>
+            <a:graphicFrameLocks noGrp="1"/>
+          </p:cNvGraphicFramePr>
+          <p:nvPr>
+            <p:ph idx="1"/>
+            <p:extLst>
+              <p:ext uri="{D42A27DB-BD31-4B8C-83A1-F6EECF244321}">
+                <p14:modId xmlns:p14="http://schemas.microsoft.com/office/powerpoint/2010/main" val="424386725"/>
+              </p:ext>
+            </p:extLst>
+          </p:nvPr>
+        </p:nvGraphicFramePr>
+        <p:xfrm>
+          <a:off x="560560" y="2048610"/>
+          <a:ext cx="9803552" cy="4158762"/>
+        </p:xfrm>
+        <a:graphic>
+          <a:graphicData uri="http://schemas.openxmlformats.org/drawingml/2006/diagram">
+            <dgm:relIds xmlns:dgm="http://schemas.openxmlformats.org/drawingml/2006/diagram" xmlns:r="http://schemas.openxmlformats.org/officeDocument/2006/relationships" r:dm="rId3" r:lo="rId4" r:qs="rId5" r:cs="rId6"/>
+          </a:graphicData>
+        </a:graphic>
+      </p:graphicFrame>
+    </p:spTree>
+    <p:extLst>
+      <p:ext uri="{BB962C8B-B14F-4D97-AF65-F5344CB8AC3E}">
+        <p14:creationId xmlns:p14="http://schemas.microsoft.com/office/powerpoint/2010/main" val="2237572189"/>
+      </p:ext>
+    </p:extLst>
+  </p:cSld>
+  <p:clrMapOvr>
+    <a:masterClrMapping/>
+  </p:clrMapOvr>
+  <p:transition spd="slow">
+    <p:randomBar dir="vert"/>
+  </p:transition>
+</p:sld>
+</file>
+
+<file path=ppt/slides/slide3.xml><?xml version="1.0" encoding="utf-8"?>
+<p:sld xmlns:a="http://schemas.openxmlformats.org/drawingml/2006/main" xmlns:r="http://schemas.openxmlformats.org/officeDocument/2006/relationships" xmlns:p="http://schemas.openxmlformats.org/presentationml/2006/main" show="0">
+  <p:cSld>
+    <p:spTree>
+      <p:nvGrpSpPr>
+        <p:cNvPr id="1" name=""/>
+        <p:cNvGrpSpPr/>
+        <p:nvPr/>
+      </p:nvGrpSpPr>
+      <p:grpSpPr>
+        <a:xfrm>
+          <a:off x="0" y="0"/>
+          <a:ext cx="0" cy="0"/>
+          <a:chOff x="0" y="0"/>
+          <a:chExt cx="0" cy="0"/>
+        </a:xfrm>
+      </p:grpSpPr>
+      <p:sp>
+        <p:nvSpPr>
+          <p:cNvPr id="2" name="Title 1">
+            <a:extLst>
+              <a:ext uri="{FF2B5EF4-FFF2-40B4-BE49-F238E27FC236}">
+                <a16:creationId xmlns:a16="http://schemas.microsoft.com/office/drawing/2014/main" id="{FAF0BC76-5138-4CC2-A8B3-D4017FE6E1B9}"/>
+              </a:ext>
+            </a:extLst>
+          </p:cNvPr>
+          <p:cNvSpPr>
+            <a:spLocks noGrp="1"/>
+          </p:cNvSpPr>
+          <p:nvPr>
+            <p:ph type="title"/>
+          </p:nvPr>
+        </p:nvSpPr>
+        <p:spPr/>
+        <p:txBody>
+          <a:bodyPr/>
+          <a:lstStyle/>
+          <a:p>
+            <a:r>
+              <a:rPr lang="pl-PL" dirty="0">
+                <a:solidFill>
+                  <a:schemeClr val="tx2">
+                    <a:lumMod val="75000"/>
+                  </a:schemeClr>
+                </a:solidFill>
+              </a:rPr>
+              <a:t>CREDITS</a:t>
+            </a:r>
+            <a:endParaRPr lang="en-US" dirty="0">
+              <a:solidFill>
+                <a:schemeClr val="tx2">
+                  <a:lumMod val="75000"/>
+                </a:schemeClr>
+              </a:solidFill>
+            </a:endParaRPr>
+          </a:p>
+        </p:txBody>
+      </p:sp>
+      <p:pic>
+        <p:nvPicPr>
+          <p:cNvPr id="5" name="Content Placeholder 4">
+            <a:extLst>
+              <a:ext uri="{FF2B5EF4-FFF2-40B4-BE49-F238E27FC236}">
+                <a16:creationId xmlns:a16="http://schemas.microsoft.com/office/drawing/2014/main" id="{8549313D-E5BE-4144-8C87-916162F2EB8C}"/>
+              </a:ext>
+            </a:extLst>
+          </p:cNvPr>
+          <p:cNvPicPr>
+            <a:picLocks noGrp="1" noChangeAspect="1"/>
+          </p:cNvPicPr>
+          <p:nvPr>
+            <p:ph idx="1"/>
+          </p:nvPr>
+        </p:nvPicPr>
+        <p:blipFill rotWithShape="1">
+          <a:blip r:embed="rId3">
+            <a:extLst>
+              <a:ext uri="{28A0092B-C50C-407E-A947-70E740481C1C}">
+                <a14:useLocalDpi xmlns:a14="http://schemas.microsoft.com/office/drawing/2010/main" val="0"/>
+              </a:ext>
+            </a:extLst>
+          </a:blip>
+          <a:srcRect l="7084" t="4658" r="14462" b="1197"/>
+          <a:stretch/>
+        </p:blipFill>
+        <p:spPr>
+          <a:xfrm>
+            <a:off x="1440000" y="2340000"/>
+            <a:ext cx="1800000" cy="2160000"/>
+          </a:xfrm>
+        </p:spPr>
+      </p:pic>
+      <p:sp>
+        <p:nvSpPr>
+          <p:cNvPr id="7" name="TextBox 6">
+            <a:extLst>
+              <a:ext uri="{FF2B5EF4-FFF2-40B4-BE49-F238E27FC236}">
+                <a16:creationId xmlns:a16="http://schemas.microsoft.com/office/drawing/2014/main" id="{226A4564-A424-4287-BAA5-457831A54B0E}"/>
+              </a:ext>
+            </a:extLst>
+          </p:cNvPr>
+          <p:cNvSpPr txBox="1"/>
+          <p:nvPr/>
+        </p:nvSpPr>
+        <p:spPr>
+          <a:xfrm>
+            <a:off x="3365889" y="2233126"/>
+            <a:ext cx="5077839" cy="2308324"/>
+          </a:xfrm>
+          <a:prstGeom prst="rect">
+            <a:avLst/>
+          </a:prstGeom>
+          <a:noFill/>
+        </p:spPr>
+        <p:txBody>
+          <a:bodyPr wrap="square" rtlCol="0">
+            <a:spAutoFit/>
+          </a:bodyPr>
+          <a:lstStyle/>
+          <a:p>
+            <a:r>
+              <a:rPr lang="en-US" dirty="0">
+                <a:solidFill>
+                  <a:schemeClr val="tx2">
+                    <a:lumMod val="75000"/>
+                  </a:schemeClr>
+                </a:solidFill>
+              </a:rPr>
+              <a:t>Ian Grigg</a:t>
+            </a:r>
+            <a:r>
+              <a:rPr lang="en-US" dirty="0"/>
+              <a:t> has been in the financial cryptography space since 1995, when he ran a startup to issue and trade bonds </a:t>
+            </a:r>
+            <a:r>
+              <a:rPr lang="en-US" dirty="0" err="1"/>
+              <a:t>digitised</a:t>
+            </a:r>
+            <a:r>
+              <a:rPr lang="en-US" dirty="0"/>
+              <a:t> as contracts.</a:t>
+            </a:r>
+            <a:br>
+              <a:rPr lang="pl-PL" dirty="0"/>
+            </a:br>
+            <a:r>
+              <a:rPr lang="en-US" dirty="0"/>
+              <a:t>Since then he has worked on </a:t>
+            </a:r>
+            <a:r>
+              <a:rPr lang="en-US" dirty="0" err="1"/>
+              <a:t>digitising</a:t>
+            </a:r>
+            <a:r>
+              <a:rPr lang="en-US" dirty="0"/>
+              <a:t> cash, precious metals, identity, social savings, and bringing DLT to financial institutions. </a:t>
+            </a:r>
+            <a:br>
+              <a:rPr lang="pl-PL" dirty="0"/>
+            </a:br>
+            <a:r>
+              <a:rPr lang="en-US" dirty="0"/>
+              <a:t>He is now working on a number of blockchain and DLT related projects including EOS.</a:t>
+            </a:r>
+            <a:endParaRPr lang="pl-PL" dirty="0"/>
+          </a:p>
+        </p:txBody>
+      </p:sp>
+    </p:spTree>
+    <p:extLst>
+      <p:ext uri="{BB962C8B-B14F-4D97-AF65-F5344CB8AC3E}">
+        <p14:creationId xmlns:p14="http://schemas.microsoft.com/office/powerpoint/2010/main" val="875310649"/>
+      </p:ext>
+    </p:extLst>
+  </p:cSld>
+  <p:clrMapOvr>
+    <a:masterClrMapping/>
+  </p:clrMapOvr>
+  <p:transition spd="slow">
+    <p:randomBar dir="vert"/>
+  </p:transition>
+</p:sld>
+</file>
+
+<file path=ppt/slides/slide30.xml><?xml version="1.0" encoding="utf-8"?>
 <p:sld xmlns:a="http://schemas.openxmlformats.org/drawingml/2006/main" xmlns:r="http://schemas.openxmlformats.org/officeDocument/2006/relationships" xmlns:p="http://schemas.openxmlformats.org/presentationml/2006/main" show="0">
   <p:cSld>
     <p:spTree>
@@ -34772,7 +35264,7 @@
 </p:sld>
 </file>
 
-<file path=ppt/slides/slide29.xml><?xml version="1.0" encoding="utf-8"?>
+<file path=ppt/slides/slide31.xml><?xml version="1.0" encoding="utf-8"?>
 <p:sld xmlns:a="http://schemas.openxmlformats.org/drawingml/2006/main" xmlns:r="http://schemas.openxmlformats.org/officeDocument/2006/relationships" xmlns:p="http://schemas.openxmlformats.org/presentationml/2006/main" show="0">
   <p:cSld>
     <p:spTree>
@@ -35180,191 +35672,7 @@
 </p:sld>
 </file>
 
-<file path=ppt/slides/slide3.xml><?xml version="1.0" encoding="utf-8"?>
-<p:sld xmlns:a="http://schemas.openxmlformats.org/drawingml/2006/main" xmlns:r="http://schemas.openxmlformats.org/officeDocument/2006/relationships" xmlns:p="http://schemas.openxmlformats.org/presentationml/2006/main">
-  <p:cSld>
-    <p:spTree>
-      <p:nvGrpSpPr>
-        <p:cNvPr id="1" name=""/>
-        <p:cNvGrpSpPr/>
-        <p:nvPr/>
-      </p:nvGrpSpPr>
-      <p:grpSpPr>
-        <a:xfrm>
-          <a:off x="0" y="0"/>
-          <a:ext cx="0" cy="0"/>
-          <a:chOff x="0" y="0"/>
-          <a:chExt cx="0" cy="0"/>
-        </a:xfrm>
-      </p:grpSpPr>
-      <p:sp>
-        <p:nvSpPr>
-          <p:cNvPr id="2" name="Title 1">
-            <a:extLst>
-              <a:ext uri="{FF2B5EF4-FFF2-40B4-BE49-F238E27FC236}">
-                <a16:creationId xmlns:a16="http://schemas.microsoft.com/office/drawing/2014/main" id="{FAF0BC76-5138-4CC2-A8B3-D4017FE6E1B9}"/>
-              </a:ext>
-            </a:extLst>
-          </p:cNvPr>
-          <p:cNvSpPr>
-            <a:spLocks noGrp="1"/>
-          </p:cNvSpPr>
-          <p:nvPr>
-            <p:ph type="title"/>
-          </p:nvPr>
-        </p:nvSpPr>
-        <p:spPr/>
-        <p:txBody>
-          <a:bodyPr/>
-          <a:lstStyle/>
-          <a:p>
-            <a:r>
-              <a:rPr lang="pl-PL" dirty="0">
-                <a:solidFill>
-                  <a:schemeClr val="tx2">
-                    <a:lumMod val="75000"/>
-                  </a:schemeClr>
-                </a:solidFill>
-              </a:rPr>
-              <a:t>CREDITS</a:t>
-            </a:r>
-            <a:endParaRPr lang="en-US" dirty="0">
-              <a:solidFill>
-                <a:schemeClr val="tx2">
-                  <a:lumMod val="75000"/>
-                </a:schemeClr>
-              </a:solidFill>
-            </a:endParaRPr>
-          </a:p>
-        </p:txBody>
-      </p:sp>
-      <p:pic>
-        <p:nvPicPr>
-          <p:cNvPr id="5" name="Content Placeholder 4">
-            <a:extLst>
-              <a:ext uri="{FF2B5EF4-FFF2-40B4-BE49-F238E27FC236}">
-                <a16:creationId xmlns:a16="http://schemas.microsoft.com/office/drawing/2014/main" id="{8549313D-E5BE-4144-8C87-916162F2EB8C}"/>
-              </a:ext>
-            </a:extLst>
-          </p:cNvPr>
-          <p:cNvPicPr>
-            <a:picLocks noGrp="1" noChangeAspect="1"/>
-          </p:cNvPicPr>
-          <p:nvPr>
-            <p:ph idx="1"/>
-          </p:nvPr>
-        </p:nvPicPr>
-        <p:blipFill rotWithShape="1">
-          <a:blip r:embed="rId3">
-            <a:extLst>
-              <a:ext uri="{28A0092B-C50C-407E-A947-70E740481C1C}">
-                <a14:useLocalDpi xmlns:a14="http://schemas.microsoft.com/office/drawing/2010/main" val="0"/>
-              </a:ext>
-            </a:extLst>
-          </a:blip>
-          <a:srcRect l="7084" t="4658" r="14462" b="1197"/>
-          <a:stretch/>
-        </p:blipFill>
-        <p:spPr>
-          <a:xfrm>
-            <a:off x="1440000" y="2340000"/>
-            <a:ext cx="1800000" cy="2160000"/>
-          </a:xfrm>
-        </p:spPr>
-      </p:pic>
-      <p:sp>
-        <p:nvSpPr>
-          <p:cNvPr id="7" name="TextBox 6">
-            <a:extLst>
-              <a:ext uri="{FF2B5EF4-FFF2-40B4-BE49-F238E27FC236}">
-                <a16:creationId xmlns:a16="http://schemas.microsoft.com/office/drawing/2014/main" id="{226A4564-A424-4287-BAA5-457831A54B0E}"/>
-              </a:ext>
-            </a:extLst>
-          </p:cNvPr>
-          <p:cNvSpPr txBox="1"/>
-          <p:nvPr/>
-        </p:nvSpPr>
-        <p:spPr>
-          <a:xfrm>
-            <a:off x="3365889" y="2233126"/>
-            <a:ext cx="5077839" cy="2308324"/>
-          </a:xfrm>
-          <a:prstGeom prst="rect">
-            <a:avLst/>
-          </a:prstGeom>
-          <a:noFill/>
-        </p:spPr>
-        <p:txBody>
-          <a:bodyPr wrap="square" rtlCol="0">
-            <a:spAutoFit/>
-          </a:bodyPr>
-          <a:lstStyle/>
-          <a:p>
-            <a:r>
-              <a:rPr lang="en-US" dirty="0">
-                <a:solidFill>
-                  <a:schemeClr val="tx2">
-                    <a:lumMod val="75000"/>
-                  </a:schemeClr>
-                </a:solidFill>
-              </a:rPr>
-              <a:t>Ian Grigg</a:t>
-            </a:r>
-            <a:r>
-              <a:rPr lang="en-US" dirty="0"/>
-              <a:t> has been in the financial cryptography space since 1995, when he ran a startup to issue and trade bonds </a:t>
-            </a:r>
-            <a:r>
-              <a:rPr lang="en-US" dirty="0" err="1"/>
-              <a:t>digitised</a:t>
-            </a:r>
-            <a:r>
-              <a:rPr lang="en-US" dirty="0"/>
-              <a:t> as contracts.</a:t>
-            </a:r>
-            <a:br>
-              <a:rPr lang="pl-PL" dirty="0"/>
-            </a:br>
-            <a:r>
-              <a:rPr lang="en-US" dirty="0"/>
-              <a:t>Since then he has worked on </a:t>
-            </a:r>
-            <a:r>
-              <a:rPr lang="en-US" dirty="0" err="1"/>
-              <a:t>digitising</a:t>
-            </a:r>
-            <a:r>
-              <a:rPr lang="en-US" dirty="0"/>
-              <a:t> cash, precious metals, identity, social savings, and bringing DLT to financial institutions. </a:t>
-            </a:r>
-            <a:br>
-              <a:rPr lang="pl-PL" dirty="0"/>
-            </a:br>
-            <a:r>
-              <a:rPr lang="en-US" dirty="0"/>
-              <a:t>He is now working on a number of blockchain and DLT related projects including EOS.</a:t>
-            </a:r>
-            <a:endParaRPr lang="pl-PL" dirty="0"/>
-          </a:p>
-        </p:txBody>
-      </p:sp>
-    </p:spTree>
-    <p:extLst>
-      <p:ext uri="{BB962C8B-B14F-4D97-AF65-F5344CB8AC3E}">
-        <p14:creationId xmlns:p14="http://schemas.microsoft.com/office/powerpoint/2010/main" val="875310649"/>
-      </p:ext>
-    </p:extLst>
-  </p:cSld>
-  <p:clrMapOvr>
-    <a:masterClrMapping/>
-  </p:clrMapOvr>
-  <p:transition spd="slow">
-    <p:randomBar dir="vert"/>
-  </p:transition>
-</p:sld>
-</file>
-
-<file path=ppt/slides/slide30.xml><?xml version="1.0" encoding="utf-8"?>
+<file path=ppt/slides/slide32.xml><?xml version="1.0" encoding="utf-8"?>
 <p:sld xmlns:a="http://schemas.openxmlformats.org/drawingml/2006/main" xmlns:r="http://schemas.openxmlformats.org/officeDocument/2006/relationships" xmlns:p="http://schemas.openxmlformats.org/presentationml/2006/main" show="0">
   <p:cSld>
     <p:spTree>
@@ -35669,7 +35977,7 @@
 </p:sld>
 </file>
 
-<file path=ppt/slides/slide31.xml><?xml version="1.0" encoding="utf-8"?>
+<file path=ppt/slides/slide33.xml><?xml version="1.0" encoding="utf-8"?>
 <p:sld xmlns:a="http://schemas.openxmlformats.org/drawingml/2006/main" xmlns:r="http://schemas.openxmlformats.org/officeDocument/2006/relationships" xmlns:p="http://schemas.openxmlformats.org/presentationml/2006/main" show="0">
   <p:cSld>
     <p:spTree>
@@ -35978,7 +36286,7 @@
 </p:sld>
 </file>
 
-<file path=ppt/slides/slide32.xml><?xml version="1.0" encoding="utf-8"?>
+<file path=ppt/slides/slide34.xml><?xml version="1.0" encoding="utf-8"?>
 <p:sld xmlns:a="http://schemas.openxmlformats.org/drawingml/2006/main" xmlns:r="http://schemas.openxmlformats.org/officeDocument/2006/relationships" xmlns:p="http://schemas.openxmlformats.org/presentationml/2006/main" show="0">
   <p:cSld>
     <p:spTree>
@@ -36078,7 +36386,7 @@
 </p:sld>
 </file>
 
-<file path=ppt/slides/slide33.xml><?xml version="1.0" encoding="utf-8"?>
+<file path=ppt/slides/slide35.xml><?xml version="1.0" encoding="utf-8"?>
 <p:sld xmlns:a="http://schemas.openxmlformats.org/drawingml/2006/main" xmlns:r="http://schemas.openxmlformats.org/officeDocument/2006/relationships" xmlns:p="http://schemas.openxmlformats.org/presentationml/2006/main" show="0">
   <p:cSld>
     <p:spTree>
@@ -37677,7 +37985,7 @@
 </p:sld>
 </file>
 
-<file path=ppt/slides/slide34.xml><?xml version="1.0" encoding="utf-8"?>
+<file path=ppt/slides/slide36.xml><?xml version="1.0" encoding="utf-8"?>
 <p:sld xmlns:a="http://schemas.openxmlformats.org/drawingml/2006/main" xmlns:r="http://schemas.openxmlformats.org/officeDocument/2006/relationships" xmlns:p="http://schemas.openxmlformats.org/presentationml/2006/main" show="0">
   <p:cSld>
     <p:spTree>
@@ -39156,7 +39464,7 @@
 </p:sld>
 </file>
 
-<file path=ppt/slides/slide35.xml><?xml version="1.0" encoding="utf-8"?>
+<file path=ppt/slides/slide37.xml><?xml version="1.0" encoding="utf-8"?>
 <p:sld xmlns:a="http://schemas.openxmlformats.org/drawingml/2006/main" xmlns:r="http://schemas.openxmlformats.org/officeDocument/2006/relationships" xmlns:p="http://schemas.openxmlformats.org/presentationml/2006/main" show="0">
   <p:cSld>
     <p:spTree>
@@ -40269,7 +40577,7 @@
 </p:sld>
 </file>
 
-<file path=ppt/slides/slide36.xml><?xml version="1.0" encoding="utf-8"?>
+<file path=ppt/slides/slide38.xml><?xml version="1.0" encoding="utf-8"?>
 <p:sld xmlns:a="http://schemas.openxmlformats.org/drawingml/2006/main" xmlns:r="http://schemas.openxmlformats.org/officeDocument/2006/relationships" xmlns:p="http://schemas.openxmlformats.org/presentationml/2006/main" show="0">
   <p:cSld>
     <p:spTree>
@@ -40477,7 +40785,7 @@
 </p:sld>
 </file>
 
-<file path=ppt/slides/slide37.xml><?xml version="1.0" encoding="utf-8"?>
+<file path=ppt/slides/slide39.xml><?xml version="1.0" encoding="utf-8"?>
 <p:sld xmlns:a="http://schemas.openxmlformats.org/drawingml/2006/main" xmlns:r="http://schemas.openxmlformats.org/officeDocument/2006/relationships" xmlns:p="http://schemas.openxmlformats.org/presentationml/2006/main" show="0">
   <p:cSld>
     <p:spTree>
@@ -40971,7 +41279,256 @@
 </p:sld>
 </file>
 
-<file path=ppt/slides/slide38.xml><?xml version="1.0" encoding="utf-8"?>
+<file path=ppt/slides/slide4.xml><?xml version="1.0" encoding="utf-8"?>
+<p:sld xmlns:a="http://schemas.openxmlformats.org/drawingml/2006/main" xmlns:r="http://schemas.openxmlformats.org/officeDocument/2006/relationships" xmlns:p="http://schemas.openxmlformats.org/presentationml/2006/main">
+  <p:cSld>
+    <p:spTree>
+      <p:nvGrpSpPr>
+        <p:cNvPr id="1" name=""/>
+        <p:cNvGrpSpPr/>
+        <p:nvPr/>
+      </p:nvGrpSpPr>
+      <p:grpSpPr>
+        <a:xfrm>
+          <a:off x="0" y="0"/>
+          <a:ext cx="0" cy="0"/>
+          <a:chOff x="0" y="0"/>
+          <a:chExt cx="0" cy="0"/>
+        </a:xfrm>
+      </p:grpSpPr>
+      <p:sp>
+        <p:nvSpPr>
+          <p:cNvPr id="2" name="Title 1">
+            <a:extLst>
+              <a:ext uri="{FF2B5EF4-FFF2-40B4-BE49-F238E27FC236}">
+                <a16:creationId xmlns:a16="http://schemas.microsoft.com/office/drawing/2014/main" id="{EF64A133-A75A-4EA3-AFC9-6C6E1297A1F6}"/>
+              </a:ext>
+            </a:extLst>
+          </p:cNvPr>
+          <p:cNvSpPr>
+            <a:spLocks noGrp="1"/>
+          </p:cNvSpPr>
+          <p:nvPr>
+            <p:ph type="title"/>
+          </p:nvPr>
+        </p:nvSpPr>
+        <p:spPr/>
+        <p:txBody>
+          <a:bodyPr/>
+          <a:lstStyle/>
+          <a:p>
+            <a:r>
+              <a:rPr lang="pl-PL" dirty="0"/>
+              <a:t>TRADING = DEALING WITH </a:t>
+            </a:r>
+            <a:r>
+              <a:rPr lang="pl-PL" dirty="0">
+                <a:solidFill>
+                  <a:schemeClr val="tx2">
+                    <a:lumMod val="75000"/>
+                  </a:schemeClr>
+                </a:solidFill>
+              </a:rPr>
+              <a:t>COMPLEXITY</a:t>
+            </a:r>
+          </a:p>
+        </p:txBody>
+      </p:sp>
+      <p:sp>
+        <p:nvSpPr>
+          <p:cNvPr id="3" name="Content Placeholder 2">
+            <a:extLst>
+              <a:ext uri="{FF2B5EF4-FFF2-40B4-BE49-F238E27FC236}">
+                <a16:creationId xmlns:a16="http://schemas.microsoft.com/office/drawing/2014/main" id="{21BC3B13-91C2-4964-A2E1-5141059D33C9}"/>
+              </a:ext>
+            </a:extLst>
+          </p:cNvPr>
+          <p:cNvSpPr>
+            <a:spLocks noGrp="1"/>
+          </p:cNvSpPr>
+          <p:nvPr>
+            <p:ph idx="1"/>
+          </p:nvPr>
+        </p:nvSpPr>
+        <p:spPr/>
+        <p:txBody>
+          <a:bodyPr/>
+          <a:lstStyle/>
+          <a:p>
+            <a:r>
+              <a:rPr lang="pl-PL" dirty="0"/>
+              <a:t>Blockchain </a:t>
+            </a:r>
+            <a:r>
+              <a:rPr lang="pl-PL" dirty="0" err="1"/>
+              <a:t>is</a:t>
+            </a:r>
+            <a:r>
+              <a:rPr lang="pl-PL" dirty="0"/>
+              <a:t> </a:t>
+            </a:r>
+            <a:r>
+              <a:rPr lang="pl-PL" dirty="0" err="1"/>
+              <a:t>about</a:t>
+            </a:r>
+            <a:r>
+              <a:rPr lang="pl-PL" dirty="0"/>
+              <a:t> trading, i.e. </a:t>
+            </a:r>
+            <a:r>
+              <a:rPr lang="pl-PL" dirty="0" err="1"/>
+              <a:t>moving</a:t>
+            </a:r>
+            <a:r>
+              <a:rPr lang="pl-PL" dirty="0"/>
+              <a:t> </a:t>
+            </a:r>
+            <a:r>
+              <a:rPr lang="pl-PL" dirty="0" err="1"/>
+              <a:t>assets</a:t>
+            </a:r>
+            <a:r>
+              <a:rPr lang="pl-PL" dirty="0"/>
+              <a:t> </a:t>
+            </a:r>
+            <a:r>
+              <a:rPr lang="pl-PL" dirty="0" err="1"/>
+              <a:t>around</a:t>
+            </a:r>
+            <a:endParaRPr lang="pl-PL" dirty="0"/>
+          </a:p>
+          <a:p>
+            <a:r>
+              <a:rPr lang="pl-PL" dirty="0"/>
+              <a:t>W</a:t>
+            </a:r>
+            <a:r>
+              <a:rPr lang="en-US" dirty="0"/>
+              <a:t>e like complexity</a:t>
+            </a:r>
+            <a:r>
+              <a:rPr lang="pl-PL" dirty="0"/>
+              <a:t> - </a:t>
+            </a:r>
+            <a:r>
+              <a:rPr lang="pl-PL" dirty="0" err="1"/>
+              <a:t>this</a:t>
+            </a:r>
+            <a:r>
+              <a:rPr lang="pl-PL" dirty="0"/>
+              <a:t> </a:t>
+            </a:r>
+            <a:r>
+              <a:rPr lang="pl-PL" dirty="0" err="1"/>
+              <a:t>is</a:t>
+            </a:r>
+            <a:r>
+              <a:rPr lang="pl-PL" dirty="0"/>
+              <a:t> the </a:t>
+            </a:r>
+            <a:r>
+              <a:rPr lang="pl-PL" dirty="0" err="1"/>
+              <a:t>very</a:t>
+            </a:r>
+            <a:r>
+              <a:rPr lang="pl-PL" dirty="0"/>
+              <a:t> </a:t>
+            </a:r>
+            <a:r>
+              <a:rPr lang="pl-PL" dirty="0" err="1"/>
+              <a:t>reason</a:t>
+            </a:r>
+            <a:r>
+              <a:rPr lang="pl-PL" dirty="0"/>
+              <a:t> we trade</a:t>
+            </a:r>
+          </a:p>
+          <a:p>
+            <a:r>
+              <a:rPr lang="pl-PL" dirty="0" err="1"/>
+              <a:t>Complexity</a:t>
+            </a:r>
+            <a:r>
+              <a:rPr lang="pl-PL" dirty="0"/>
+              <a:t> </a:t>
+            </a:r>
+            <a:r>
+              <a:rPr lang="pl-PL" dirty="0" err="1"/>
+              <a:t>means</a:t>
+            </a:r>
+            <a:r>
+              <a:rPr lang="pl-PL" dirty="0"/>
+              <a:t> </a:t>
+            </a:r>
+            <a:r>
+              <a:rPr lang="pl-PL" dirty="0" err="1"/>
+              <a:t>risk</a:t>
+            </a:r>
+            <a:r>
+              <a:rPr lang="pl-PL" dirty="0"/>
+              <a:t>: </a:t>
+            </a:r>
+            <a:r>
+              <a:rPr lang="en-US" dirty="0"/>
+              <a:t>lot</a:t>
+            </a:r>
+            <a:r>
+              <a:rPr lang="pl-PL" dirty="0"/>
+              <a:t>s</a:t>
+            </a:r>
+            <a:r>
+              <a:rPr lang="en-US" dirty="0"/>
+              <a:t> of things </a:t>
+            </a:r>
+            <a:r>
+              <a:rPr lang="pl-PL" dirty="0" err="1"/>
+              <a:t>can</a:t>
+            </a:r>
+            <a:r>
+              <a:rPr lang="pl-PL" dirty="0"/>
+              <a:t> </a:t>
+            </a:r>
+            <a:r>
+              <a:rPr lang="en-US" dirty="0"/>
+              <a:t>go wrong</a:t>
+            </a:r>
+            <a:r>
+              <a:rPr lang="pl-PL" dirty="0"/>
+              <a:t>, </a:t>
+            </a:r>
+            <a:r>
+              <a:rPr lang="en-US" dirty="0"/>
+              <a:t>especially </a:t>
+            </a:r>
+            <a:r>
+              <a:rPr lang="pl-PL" dirty="0"/>
+              <a:t>on a </a:t>
+            </a:r>
+            <a:r>
+              <a:rPr lang="en-US" dirty="0"/>
+              <a:t>blockchain</a:t>
+            </a:r>
+            <a:endParaRPr lang="pl-PL" dirty="0"/>
+          </a:p>
+        </p:txBody>
+      </p:sp>
+    </p:spTree>
+    <p:extLst>
+      <p:ext uri="{BB962C8B-B14F-4D97-AF65-F5344CB8AC3E}">
+        <p14:creationId xmlns:p14="http://schemas.microsoft.com/office/powerpoint/2010/main" val="1547189172"/>
+      </p:ext>
+    </p:extLst>
+  </p:cSld>
+  <p:clrMapOvr>
+    <a:masterClrMapping/>
+  </p:clrMapOvr>
+  <p:transition spd="slow">
+    <p:randomBar dir="vert"/>
+  </p:transition>
+</p:sld>
+</file>
+
+<file path=ppt/slides/slide40.xml><?xml version="1.0" encoding="utf-8"?>
 <p:sld xmlns:a="http://schemas.openxmlformats.org/drawingml/2006/main" xmlns:r="http://schemas.openxmlformats.org/officeDocument/2006/relationships" xmlns:p="http://schemas.openxmlformats.org/presentationml/2006/main">
   <p:cSld>
     <p:spTree>
@@ -41455,7 +42012,7 @@
 </p:sld>
 </file>
 
-<file path=ppt/slides/slide39.xml><?xml version="1.0" encoding="utf-8"?>
+<file path=ppt/slides/slide41.xml><?xml version="1.0" encoding="utf-8"?>
 <p:sld xmlns:a="http://schemas.openxmlformats.org/drawingml/2006/main" xmlns:r="http://schemas.openxmlformats.org/officeDocument/2006/relationships" xmlns:p="http://schemas.openxmlformats.org/presentationml/2006/main">
   <p:cSld>
     <p:spTree>
@@ -41817,255 +42374,6 @@
       </p:transition>
     </mc:Fallback>
   </mc:AlternateContent>
-</p:sld>
-</file>
-
-<file path=ppt/slides/slide4.xml><?xml version="1.0" encoding="utf-8"?>
-<p:sld xmlns:a="http://schemas.openxmlformats.org/drawingml/2006/main" xmlns:r="http://schemas.openxmlformats.org/officeDocument/2006/relationships" xmlns:p="http://schemas.openxmlformats.org/presentationml/2006/main">
-  <p:cSld>
-    <p:spTree>
-      <p:nvGrpSpPr>
-        <p:cNvPr id="1" name=""/>
-        <p:cNvGrpSpPr/>
-        <p:nvPr/>
-      </p:nvGrpSpPr>
-      <p:grpSpPr>
-        <a:xfrm>
-          <a:off x="0" y="0"/>
-          <a:ext cx="0" cy="0"/>
-          <a:chOff x="0" y="0"/>
-          <a:chExt cx="0" cy="0"/>
-        </a:xfrm>
-      </p:grpSpPr>
-      <p:sp>
-        <p:nvSpPr>
-          <p:cNvPr id="2" name="Title 1">
-            <a:extLst>
-              <a:ext uri="{FF2B5EF4-FFF2-40B4-BE49-F238E27FC236}">
-                <a16:creationId xmlns:a16="http://schemas.microsoft.com/office/drawing/2014/main" id="{EF64A133-A75A-4EA3-AFC9-6C6E1297A1F6}"/>
-              </a:ext>
-            </a:extLst>
-          </p:cNvPr>
-          <p:cNvSpPr>
-            <a:spLocks noGrp="1"/>
-          </p:cNvSpPr>
-          <p:nvPr>
-            <p:ph type="title"/>
-          </p:nvPr>
-        </p:nvSpPr>
-        <p:spPr/>
-        <p:txBody>
-          <a:bodyPr/>
-          <a:lstStyle/>
-          <a:p>
-            <a:r>
-              <a:rPr lang="pl-PL" dirty="0"/>
-              <a:t>TRADING = DEALING WITH </a:t>
-            </a:r>
-            <a:r>
-              <a:rPr lang="pl-PL" dirty="0">
-                <a:solidFill>
-                  <a:schemeClr val="tx2">
-                    <a:lumMod val="75000"/>
-                  </a:schemeClr>
-                </a:solidFill>
-              </a:rPr>
-              <a:t>COMPLEXITY</a:t>
-            </a:r>
-          </a:p>
-        </p:txBody>
-      </p:sp>
-      <p:sp>
-        <p:nvSpPr>
-          <p:cNvPr id="3" name="Content Placeholder 2">
-            <a:extLst>
-              <a:ext uri="{FF2B5EF4-FFF2-40B4-BE49-F238E27FC236}">
-                <a16:creationId xmlns:a16="http://schemas.microsoft.com/office/drawing/2014/main" id="{21BC3B13-91C2-4964-A2E1-5141059D33C9}"/>
-              </a:ext>
-            </a:extLst>
-          </p:cNvPr>
-          <p:cNvSpPr>
-            <a:spLocks noGrp="1"/>
-          </p:cNvSpPr>
-          <p:nvPr>
-            <p:ph idx="1"/>
-          </p:nvPr>
-        </p:nvSpPr>
-        <p:spPr/>
-        <p:txBody>
-          <a:bodyPr/>
-          <a:lstStyle/>
-          <a:p>
-            <a:r>
-              <a:rPr lang="pl-PL" dirty="0"/>
-              <a:t>Blockchain </a:t>
-            </a:r>
-            <a:r>
-              <a:rPr lang="pl-PL" dirty="0" err="1"/>
-              <a:t>is</a:t>
-            </a:r>
-            <a:r>
-              <a:rPr lang="pl-PL" dirty="0"/>
-              <a:t> </a:t>
-            </a:r>
-            <a:r>
-              <a:rPr lang="pl-PL" dirty="0" err="1"/>
-              <a:t>about</a:t>
-            </a:r>
-            <a:r>
-              <a:rPr lang="pl-PL" dirty="0"/>
-              <a:t> trading, i.e. </a:t>
-            </a:r>
-            <a:r>
-              <a:rPr lang="pl-PL" dirty="0" err="1"/>
-              <a:t>moving</a:t>
-            </a:r>
-            <a:r>
-              <a:rPr lang="pl-PL" dirty="0"/>
-              <a:t> </a:t>
-            </a:r>
-            <a:r>
-              <a:rPr lang="pl-PL" dirty="0" err="1"/>
-              <a:t>assets</a:t>
-            </a:r>
-            <a:r>
-              <a:rPr lang="pl-PL" dirty="0"/>
-              <a:t> </a:t>
-            </a:r>
-            <a:r>
-              <a:rPr lang="pl-PL" dirty="0" err="1"/>
-              <a:t>around</a:t>
-            </a:r>
-            <a:endParaRPr lang="pl-PL" dirty="0"/>
-          </a:p>
-          <a:p>
-            <a:r>
-              <a:rPr lang="pl-PL" dirty="0"/>
-              <a:t>W</a:t>
-            </a:r>
-            <a:r>
-              <a:rPr lang="en-US" dirty="0"/>
-              <a:t>e like complexity</a:t>
-            </a:r>
-            <a:r>
-              <a:rPr lang="pl-PL" dirty="0"/>
-              <a:t> - </a:t>
-            </a:r>
-            <a:r>
-              <a:rPr lang="pl-PL" dirty="0" err="1"/>
-              <a:t>this</a:t>
-            </a:r>
-            <a:r>
-              <a:rPr lang="pl-PL" dirty="0"/>
-              <a:t> </a:t>
-            </a:r>
-            <a:r>
-              <a:rPr lang="pl-PL" dirty="0" err="1"/>
-              <a:t>is</a:t>
-            </a:r>
-            <a:r>
-              <a:rPr lang="pl-PL" dirty="0"/>
-              <a:t> the </a:t>
-            </a:r>
-            <a:r>
-              <a:rPr lang="pl-PL" dirty="0" err="1"/>
-              <a:t>very</a:t>
-            </a:r>
-            <a:r>
-              <a:rPr lang="pl-PL" dirty="0"/>
-              <a:t> </a:t>
-            </a:r>
-            <a:r>
-              <a:rPr lang="pl-PL" dirty="0" err="1"/>
-              <a:t>reason</a:t>
-            </a:r>
-            <a:r>
-              <a:rPr lang="pl-PL" dirty="0"/>
-              <a:t> we trade</a:t>
-            </a:r>
-          </a:p>
-          <a:p>
-            <a:r>
-              <a:rPr lang="pl-PL" dirty="0" err="1"/>
-              <a:t>Complexity</a:t>
-            </a:r>
-            <a:r>
-              <a:rPr lang="pl-PL" dirty="0"/>
-              <a:t> </a:t>
-            </a:r>
-            <a:r>
-              <a:rPr lang="pl-PL" dirty="0" err="1"/>
-              <a:t>means</a:t>
-            </a:r>
-            <a:r>
-              <a:rPr lang="pl-PL" dirty="0"/>
-              <a:t> </a:t>
-            </a:r>
-            <a:r>
-              <a:rPr lang="pl-PL" dirty="0" err="1"/>
-              <a:t>risk</a:t>
-            </a:r>
-            <a:r>
-              <a:rPr lang="pl-PL" dirty="0"/>
-              <a:t>: </a:t>
-            </a:r>
-            <a:r>
-              <a:rPr lang="en-US" dirty="0"/>
-              <a:t>lot</a:t>
-            </a:r>
-            <a:r>
-              <a:rPr lang="pl-PL" dirty="0"/>
-              <a:t>s</a:t>
-            </a:r>
-            <a:r>
-              <a:rPr lang="en-US" dirty="0"/>
-              <a:t> of things </a:t>
-            </a:r>
-            <a:r>
-              <a:rPr lang="pl-PL" dirty="0" err="1"/>
-              <a:t>can</a:t>
-            </a:r>
-            <a:r>
-              <a:rPr lang="pl-PL" dirty="0"/>
-              <a:t> </a:t>
-            </a:r>
-            <a:r>
-              <a:rPr lang="en-US" dirty="0"/>
-              <a:t>go wrong</a:t>
-            </a:r>
-            <a:r>
-              <a:rPr lang="pl-PL" dirty="0"/>
-              <a:t>, </a:t>
-            </a:r>
-            <a:r>
-              <a:rPr lang="en-US" dirty="0"/>
-              <a:t>especially </a:t>
-            </a:r>
-            <a:r>
-              <a:rPr lang="pl-PL" dirty="0"/>
-              <a:t>on a </a:t>
-            </a:r>
-            <a:r>
-              <a:rPr lang="en-US" dirty="0"/>
-              <a:t>blockchain</a:t>
-            </a:r>
-            <a:endParaRPr lang="pl-PL" dirty="0"/>
-          </a:p>
-        </p:txBody>
-      </p:sp>
-    </p:spTree>
-    <p:extLst>
-      <p:ext uri="{BB962C8B-B14F-4D97-AF65-F5344CB8AC3E}">
-        <p14:creationId xmlns:p14="http://schemas.microsoft.com/office/powerpoint/2010/main" val="1547189172"/>
-      </p:ext>
-    </p:extLst>
-  </p:cSld>
-  <p:clrMapOvr>
-    <a:masterClrMapping/>
-  </p:clrMapOvr>
-  <p:transition spd="slow">
-    <p:randomBar dir="vert"/>
-  </p:transition>
 </p:sld>
 </file>
 
@@ -43121,25 +43429,9 @@
             </a:r>
             <a:r>
               <a:rPr lang="en-US" dirty="0"/>
-              <a:t> get </a:t>
-            </a:r>
-            <a:r>
-              <a:rPr lang="en-US" dirty="0">
-                <a:solidFill>
-                  <a:schemeClr val="tx2">
-                    <a:lumMod val="75000"/>
-                  </a:schemeClr>
-                </a:solidFill>
-              </a:rPr>
-              <a:t>locked out</a:t>
-            </a:r>
-            <a:endParaRPr lang="pl-PL" dirty="0">
-              <a:solidFill>
-                <a:schemeClr val="tx2">
-                  <a:lumMod val="75000"/>
-                </a:schemeClr>
-              </a:solidFill>
-            </a:endParaRPr>
+              <a:t> get locked out</a:t>
+            </a:r>
+            <a:endParaRPr lang="pl-PL" dirty="0"/>
           </a:p>
           <a:p>
             <a:r>

--- a/eostalk/EOS Talk BlockAliance.pptx
+++ b/eostalk/EOS Talk BlockAliance.pptx
@@ -5,7 +5,7 @@
     <p:sldMasterId id="2147483660" r:id="rId1"/>
   </p:sldMasterIdLst>
   <p:notesMasterIdLst>
-    <p:notesMasterId r:id="rId45"/>
+    <p:notesMasterId r:id="rId46"/>
   </p:notesMasterIdLst>
   <p:sldIdLst>
     <p:sldId id="256" r:id="rId2"/>
@@ -38,19 +38,20 @@
     <p:sldId id="424" r:id="rId29"/>
     <p:sldId id="416" r:id="rId30"/>
     <p:sldId id="415" r:id="rId31"/>
-    <p:sldId id="398" r:id="rId32"/>
-    <p:sldId id="361" r:id="rId33"/>
-    <p:sldId id="282" r:id="rId34"/>
-    <p:sldId id="391" r:id="rId35"/>
-    <p:sldId id="392" r:id="rId36"/>
-    <p:sldId id="375" r:id="rId37"/>
-    <p:sldId id="363" r:id="rId38"/>
-    <p:sldId id="390" r:id="rId39"/>
-    <p:sldId id="338" r:id="rId40"/>
-    <p:sldId id="399" r:id="rId41"/>
-    <p:sldId id="313" r:id="rId42"/>
-    <p:sldId id="397" r:id="rId43"/>
-    <p:sldId id="317" r:id="rId44"/>
+    <p:sldId id="427" r:id="rId32"/>
+    <p:sldId id="398" r:id="rId33"/>
+    <p:sldId id="361" r:id="rId34"/>
+    <p:sldId id="282" r:id="rId35"/>
+    <p:sldId id="391" r:id="rId36"/>
+    <p:sldId id="392" r:id="rId37"/>
+    <p:sldId id="375" r:id="rId38"/>
+    <p:sldId id="363" r:id="rId39"/>
+    <p:sldId id="390" r:id="rId40"/>
+    <p:sldId id="338" r:id="rId41"/>
+    <p:sldId id="399" r:id="rId42"/>
+    <p:sldId id="313" r:id="rId43"/>
+    <p:sldId id="397" r:id="rId44"/>
+    <p:sldId id="317" r:id="rId45"/>
   </p:sldIdLst>
   <p:sldSz cx="12192000" cy="6858000"/>
   <p:notesSz cx="6858000" cy="9144000"/>
@@ -18748,7 +18749,7 @@
           <a:p>
             <a:fld id="{6D9EE66E-0075-4EC7-AFEF-A844E5107398}" type="datetimeFigureOut">
               <a:rPr lang="en-US" smtClean="0"/>
-              <a:t>4/28/2018</a:t>
+              <a:t>5/7/2018</a:t>
             </a:fld>
             <a:endParaRPr lang="en-US" dirty="0"/>
           </a:p>
@@ -19257,7 +19258,7 @@
     </p:spTree>
     <p:extLst>
       <p:ext uri="{BB962C8B-B14F-4D97-AF65-F5344CB8AC3E}">
-        <p14:creationId xmlns:p14="http://schemas.microsoft.com/office/powerpoint/2010/main" val="3487501485"/>
+        <p14:creationId xmlns:p14="http://schemas.microsoft.com/office/powerpoint/2010/main" val="2192900157"/>
       </p:ext>
     </p:extLst>
   </p:cSld>
@@ -19341,7 +19342,7 @@
     </p:spTree>
     <p:extLst>
       <p:ext uri="{BB962C8B-B14F-4D97-AF65-F5344CB8AC3E}">
-        <p14:creationId xmlns:p14="http://schemas.microsoft.com/office/powerpoint/2010/main" val="191098761"/>
+        <p14:creationId xmlns:p14="http://schemas.microsoft.com/office/powerpoint/2010/main" val="3487501485"/>
       </p:ext>
     </p:extLst>
   </p:cSld>
@@ -19416,7 +19417,7 @@
           <a:p>
             <a:fld id="{0028CEC6-6647-4E08-96EC-6F66E0D22DB5}" type="slidenum">
               <a:rPr lang="en-US" smtClean="0"/>
-              <a:t>36</a:t>
+              <a:t>33</a:t>
             </a:fld>
             <a:endParaRPr lang="en-US" dirty="0"/>
           </a:p>
@@ -19425,7 +19426,7 @@
     </p:spTree>
     <p:extLst>
       <p:ext uri="{BB962C8B-B14F-4D97-AF65-F5344CB8AC3E}">
-        <p14:creationId xmlns:p14="http://schemas.microsoft.com/office/powerpoint/2010/main" val="3165507754"/>
+        <p14:creationId xmlns:p14="http://schemas.microsoft.com/office/powerpoint/2010/main" val="191098761"/>
       </p:ext>
     </p:extLst>
   </p:cSld>
@@ -19500,7 +19501,91 @@
           <a:p>
             <a:fld id="{0028CEC6-6647-4E08-96EC-6F66E0D22DB5}" type="slidenum">
               <a:rPr lang="en-US" smtClean="0"/>
-              <a:t>40</a:t>
+              <a:t>37</a:t>
+            </a:fld>
+            <a:endParaRPr lang="en-US" dirty="0"/>
+          </a:p>
+        </p:txBody>
+      </p:sp>
+    </p:spTree>
+    <p:extLst>
+      <p:ext uri="{BB962C8B-B14F-4D97-AF65-F5344CB8AC3E}">
+        <p14:creationId xmlns:p14="http://schemas.microsoft.com/office/powerpoint/2010/main" val="3165507754"/>
+      </p:ext>
+    </p:extLst>
+  </p:cSld>
+  <p:clrMapOvr>
+    <a:masterClrMapping/>
+  </p:clrMapOvr>
+</p:notes>
+</file>
+
+<file path=ppt/notesSlides/notesSlide15.xml><?xml version="1.0" encoding="utf-8"?>
+<p:notes xmlns:a="http://schemas.openxmlformats.org/drawingml/2006/main" xmlns:r="http://schemas.openxmlformats.org/officeDocument/2006/relationships" xmlns:p="http://schemas.openxmlformats.org/presentationml/2006/main">
+  <p:cSld>
+    <p:spTree>
+      <p:nvGrpSpPr>
+        <p:cNvPr id="1" name=""/>
+        <p:cNvGrpSpPr/>
+        <p:nvPr/>
+      </p:nvGrpSpPr>
+      <p:grpSpPr>
+        <a:xfrm>
+          <a:off x="0" y="0"/>
+          <a:ext cx="0" cy="0"/>
+          <a:chOff x="0" y="0"/>
+          <a:chExt cx="0" cy="0"/>
+        </a:xfrm>
+      </p:grpSpPr>
+      <p:sp>
+        <p:nvSpPr>
+          <p:cNvPr id="2" name="Slide Image Placeholder 1"/>
+          <p:cNvSpPr>
+            <a:spLocks noGrp="1" noRot="1" noChangeAspect="1"/>
+          </p:cNvSpPr>
+          <p:nvPr>
+            <p:ph type="sldImg"/>
+          </p:nvPr>
+        </p:nvSpPr>
+        <p:spPr/>
+      </p:sp>
+      <p:sp>
+        <p:nvSpPr>
+          <p:cNvPr id="3" name="Notes Placeholder 2"/>
+          <p:cNvSpPr>
+            <a:spLocks noGrp="1"/>
+          </p:cNvSpPr>
+          <p:nvPr>
+            <p:ph type="body" idx="1"/>
+          </p:nvPr>
+        </p:nvSpPr>
+        <p:spPr/>
+        <p:txBody>
+          <a:bodyPr/>
+          <a:lstStyle/>
+          <a:p>
+            <a:endParaRPr lang="en-US" dirty="0"/>
+          </a:p>
+        </p:txBody>
+      </p:sp>
+      <p:sp>
+        <p:nvSpPr>
+          <p:cNvPr id="4" name="Slide Number Placeholder 3"/>
+          <p:cNvSpPr>
+            <a:spLocks noGrp="1"/>
+          </p:cNvSpPr>
+          <p:nvPr>
+            <p:ph type="sldNum" sz="quarter" idx="10"/>
+          </p:nvPr>
+        </p:nvSpPr>
+        <p:spPr/>
+        <p:txBody>
+          <a:bodyPr/>
+          <a:lstStyle/>
+          <a:p>
+            <a:fld id="{0028CEC6-6647-4E08-96EC-6F66E0D22DB5}" type="slidenum">
+              <a:rPr lang="en-US" smtClean="0"/>
+              <a:t>41</a:t>
             </a:fld>
             <a:endParaRPr lang="en-US" dirty="0"/>
           </a:p>
@@ -19519,7 +19604,7 @@
 </p:notes>
 </file>
 
-<file path=ppt/notesSlides/notesSlide15.xml><?xml version="1.0" encoding="utf-8"?>
+<file path=ppt/notesSlides/notesSlide16.xml><?xml version="1.0" encoding="utf-8"?>
 <p:notes xmlns:a="http://schemas.openxmlformats.org/drawingml/2006/main" xmlns:r="http://schemas.openxmlformats.org/officeDocument/2006/relationships" xmlns:p="http://schemas.openxmlformats.org/presentationml/2006/main">
   <p:cSld>
     <p:spTree>
@@ -19584,7 +19669,7 @@
           <a:p>
             <a:fld id="{0028CEC6-6647-4E08-96EC-6F66E0D22DB5}" type="slidenum">
               <a:rPr lang="en-US" smtClean="0"/>
-              <a:t>41</a:t>
+              <a:t>42</a:t>
             </a:fld>
             <a:endParaRPr lang="en-US" dirty="0"/>
           </a:p>
@@ -20359,7 +20444,7 @@
             </a:ln>
             <a:extLst>
               <a:ext uri="{91240B29-F687-4f45-9708-019B960494DF}">
-                <a14:hiddenLine xmlns="" xmlns:a14="http://schemas.microsoft.com/office/drawing/2010/main" w="9525">
+                <a14:hiddenLine xmlns:a14="http://schemas.microsoft.com/office/drawing/2010/main" xmlns="" w="9525">
                   <a:solidFill>
                     <a:srgbClr val="000000"/>
                   </a:solidFill>
@@ -20449,7 +20534,7 @@
             </a:ln>
             <a:extLst>
               <a:ext uri="{91240B29-F687-4f45-9708-019B960494DF}">
-                <a14:hiddenLine xmlns="" xmlns:a14="http://schemas.microsoft.com/office/drawing/2010/main" w="9525">
+                <a14:hiddenLine xmlns:a14="http://schemas.microsoft.com/office/drawing/2010/main" xmlns="" w="9525">
                   <a:solidFill>
                     <a:srgbClr val="000000"/>
                   </a:solidFill>
@@ -20539,7 +20624,7 @@
             </a:ln>
             <a:extLst>
               <a:ext uri="{91240B29-F687-4f45-9708-019B960494DF}">
-                <a14:hiddenLine xmlns="" xmlns:a14="http://schemas.microsoft.com/office/drawing/2010/main" w="9525">
+                <a14:hiddenLine xmlns:a14="http://schemas.microsoft.com/office/drawing/2010/main" xmlns="" w="9525">
                   <a:solidFill>
                     <a:srgbClr val="000000"/>
                   </a:solidFill>
@@ -20573,7 +20658,7 @@
             </a:ln>
             <a:extLst>
               <a:ext uri="{91240B29-F687-4f45-9708-019B960494DF}">
-                <a14:hiddenLine xmlns="" xmlns:a14="http://schemas.microsoft.com/office/drawing/2010/main" w="9525">
+                <a14:hiddenLine xmlns:a14="http://schemas.microsoft.com/office/drawing/2010/main" xmlns="" w="9525">
                   <a:solidFill>
                     <a:srgbClr val="000000"/>
                   </a:solidFill>
@@ -20663,7 +20748,7 @@
             </a:ln>
             <a:extLst>
               <a:ext uri="{91240B29-F687-4f45-9708-019B960494DF}">
-                <a14:hiddenLine xmlns="" xmlns:a14="http://schemas.microsoft.com/office/drawing/2010/main" w="9525">
+                <a14:hiddenLine xmlns:a14="http://schemas.microsoft.com/office/drawing/2010/main" xmlns="" w="9525">
                   <a:solidFill>
                     <a:srgbClr val="000000"/>
                   </a:solidFill>
@@ -20725,7 +20810,7 @@
             </a:ln>
             <a:extLst>
               <a:ext uri="{91240B29-F687-4f45-9708-019B960494DF}">
-                <a14:hiddenLine xmlns="" xmlns:a14="http://schemas.microsoft.com/office/drawing/2010/main" w="9525">
+                <a14:hiddenLine xmlns:a14="http://schemas.microsoft.com/office/drawing/2010/main" xmlns="" w="9525">
                   <a:solidFill>
                     <a:srgbClr val="000000"/>
                   </a:solidFill>
@@ -20787,7 +20872,7 @@
             </a:ln>
             <a:extLst>
               <a:ext uri="{91240B29-F687-4f45-9708-019B960494DF}">
-                <a14:hiddenLine xmlns="" xmlns:a14="http://schemas.microsoft.com/office/drawing/2010/main" w="9525">
+                <a14:hiddenLine xmlns:a14="http://schemas.microsoft.com/office/drawing/2010/main" xmlns="" w="9525">
                   <a:solidFill>
                     <a:srgbClr val="000000"/>
                   </a:solidFill>
@@ -20877,7 +20962,7 @@
             </a:ln>
             <a:extLst>
               <a:ext uri="{91240B29-F687-4f45-9708-019B960494DF}">
-                <a14:hiddenLine xmlns="" xmlns:a14="http://schemas.microsoft.com/office/drawing/2010/main" w="9525">
+                <a14:hiddenLine xmlns:a14="http://schemas.microsoft.com/office/drawing/2010/main" xmlns="" w="9525">
                   <a:solidFill>
                     <a:srgbClr val="000000"/>
                   </a:solidFill>
@@ -20939,7 +21024,7 @@
             </a:ln>
             <a:extLst>
               <a:ext uri="{91240B29-F687-4f45-9708-019B960494DF}">
-                <a14:hiddenLine xmlns="" xmlns:a14="http://schemas.microsoft.com/office/drawing/2010/main" w="9525">
+                <a14:hiddenLine xmlns:a14="http://schemas.microsoft.com/office/drawing/2010/main" xmlns="" w="9525">
                   <a:solidFill>
                     <a:srgbClr val="000000"/>
                   </a:solidFill>
@@ -21001,7 +21086,7 @@
             </a:ln>
             <a:extLst>
               <a:ext uri="{91240B29-F687-4f45-9708-019B960494DF}">
-                <a14:hiddenLine xmlns="" xmlns:a14="http://schemas.microsoft.com/office/drawing/2010/main" w="9525">
+                <a14:hiddenLine xmlns:a14="http://schemas.microsoft.com/office/drawing/2010/main" xmlns="" w="9525">
                   <a:solidFill>
                     <a:srgbClr val="000000"/>
                   </a:solidFill>
@@ -21091,7 +21176,7 @@
             </a:ln>
             <a:extLst>
               <a:ext uri="{91240B29-F687-4f45-9708-019B960494DF}">
-                <a14:hiddenLine xmlns="" xmlns:a14="http://schemas.microsoft.com/office/drawing/2010/main" w="9525">
+                <a14:hiddenLine xmlns:a14="http://schemas.microsoft.com/office/drawing/2010/main" xmlns="" w="9525">
                   <a:solidFill>
                     <a:srgbClr val="000000"/>
                   </a:solidFill>
@@ -21181,7 +21266,7 @@
             </a:ln>
             <a:extLst>
               <a:ext uri="{91240B29-F687-4f45-9708-019B960494DF}">
-                <a14:hiddenLine xmlns="" xmlns:a14="http://schemas.microsoft.com/office/drawing/2010/main" w="9525">
+                <a14:hiddenLine xmlns:a14="http://schemas.microsoft.com/office/drawing/2010/main" xmlns="" w="9525">
                   <a:solidFill>
                     <a:srgbClr val="000000"/>
                   </a:solidFill>
@@ -21243,7 +21328,7 @@
             </a:ln>
             <a:extLst>
               <a:ext uri="{91240B29-F687-4f45-9708-019B960494DF}">
-                <a14:hiddenLine xmlns="" xmlns:a14="http://schemas.microsoft.com/office/drawing/2010/main" w="9525">
+                <a14:hiddenLine xmlns:a14="http://schemas.microsoft.com/office/drawing/2010/main" xmlns="" w="9525">
                   <a:solidFill>
                     <a:srgbClr val="000000"/>
                   </a:solidFill>
@@ -21353,7 +21438,7 @@
             </a:ln>
             <a:extLst>
               <a:ext uri="{91240B29-F687-4f45-9708-019B960494DF}">
-                <a14:hiddenLine xmlns="" xmlns:a14="http://schemas.microsoft.com/office/drawing/2010/main" w="9525">
+                <a14:hiddenLine xmlns:a14="http://schemas.microsoft.com/office/drawing/2010/main" xmlns="" w="9525">
                   <a:solidFill>
                     <a:srgbClr val="000000"/>
                   </a:solidFill>
@@ -21415,7 +21500,7 @@
             </a:ln>
             <a:extLst>
               <a:ext uri="{91240B29-F687-4f45-9708-019B960494DF}">
-                <a14:hiddenLine xmlns="" xmlns:a14="http://schemas.microsoft.com/office/drawing/2010/main" w="9525">
+                <a14:hiddenLine xmlns:a14="http://schemas.microsoft.com/office/drawing/2010/main" xmlns="" w="9525">
                   <a:solidFill>
                     <a:srgbClr val="000000"/>
                   </a:solidFill>
@@ -21505,7 +21590,7 @@
             </a:ln>
             <a:extLst>
               <a:ext uri="{91240B29-F687-4f45-9708-019B960494DF}">
-                <a14:hiddenLine xmlns="" xmlns:a14="http://schemas.microsoft.com/office/drawing/2010/main" w="9525">
+                <a14:hiddenLine xmlns:a14="http://schemas.microsoft.com/office/drawing/2010/main" xmlns="" w="9525">
                   <a:solidFill>
                     <a:srgbClr val="000000"/>
                   </a:solidFill>
@@ -21595,7 +21680,7 @@
             </a:ln>
             <a:extLst>
               <a:ext uri="{91240B29-F687-4f45-9708-019B960494DF}">
-                <a14:hiddenLine xmlns="" xmlns:a14="http://schemas.microsoft.com/office/drawing/2010/main" w="9525">
+                <a14:hiddenLine xmlns:a14="http://schemas.microsoft.com/office/drawing/2010/main" xmlns="" w="9525">
                   <a:solidFill>
                     <a:srgbClr val="000000"/>
                   </a:solidFill>
@@ -21657,7 +21742,7 @@
             </a:ln>
             <a:extLst>
               <a:ext uri="{91240B29-F687-4f45-9708-019B960494DF}">
-                <a14:hiddenLine xmlns="" xmlns:a14="http://schemas.microsoft.com/office/drawing/2010/main" w="9525">
+                <a14:hiddenLine xmlns:a14="http://schemas.microsoft.com/office/drawing/2010/main" xmlns="" w="9525">
                   <a:solidFill>
                     <a:srgbClr val="000000"/>
                   </a:solidFill>
@@ -21747,7 +21832,7 @@
             </a:ln>
             <a:extLst>
               <a:ext uri="{91240B29-F687-4f45-9708-019B960494DF}">
-                <a14:hiddenLine xmlns="" xmlns:a14="http://schemas.microsoft.com/office/drawing/2010/main" w="9525">
+                <a14:hiddenLine xmlns:a14="http://schemas.microsoft.com/office/drawing/2010/main" xmlns="" w="9525">
                   <a:solidFill>
                     <a:srgbClr val="000000"/>
                   </a:solidFill>
@@ -21837,7 +21922,7 @@
             </a:ln>
             <a:extLst>
               <a:ext uri="{91240B29-F687-4f45-9708-019B960494DF}">
-                <a14:hiddenLine xmlns="" xmlns:a14="http://schemas.microsoft.com/office/drawing/2010/main" w="9525">
+                <a14:hiddenLine xmlns:a14="http://schemas.microsoft.com/office/drawing/2010/main" xmlns="" w="9525">
                   <a:solidFill>
                     <a:srgbClr val="000000"/>
                   </a:solidFill>
@@ -21893,7 +21978,7 @@
             </a:ln>
             <a:extLst>
               <a:ext uri="{91240B29-F687-4f45-9708-019B960494DF}">
-                <a14:hiddenLine xmlns="" xmlns:a14="http://schemas.microsoft.com/office/drawing/2010/main" w="9525">
+                <a14:hiddenLine xmlns:a14="http://schemas.microsoft.com/office/drawing/2010/main" xmlns="" w="9525">
                   <a:solidFill>
                     <a:srgbClr val="000000"/>
                   </a:solidFill>
@@ -21983,7 +22068,7 @@
             </a:ln>
             <a:extLst>
               <a:ext uri="{91240B29-F687-4f45-9708-019B960494DF}">
-                <a14:hiddenLine xmlns="" xmlns:a14="http://schemas.microsoft.com/office/drawing/2010/main" w="9525">
+                <a14:hiddenLine xmlns:a14="http://schemas.microsoft.com/office/drawing/2010/main" xmlns="" w="9525">
                   <a:solidFill>
                     <a:srgbClr val="000000"/>
                   </a:solidFill>
@@ -22039,7 +22124,7 @@
             </a:ln>
             <a:extLst>
               <a:ext uri="{91240B29-F687-4f45-9708-019B960494DF}">
-                <a14:hiddenLine xmlns="" xmlns:a14="http://schemas.microsoft.com/office/drawing/2010/main" w="9525">
+                <a14:hiddenLine xmlns:a14="http://schemas.microsoft.com/office/drawing/2010/main" xmlns="" w="9525">
                   <a:solidFill>
                     <a:srgbClr val="000000"/>
                   </a:solidFill>
@@ -22129,7 +22214,7 @@
             </a:ln>
             <a:extLst>
               <a:ext uri="{91240B29-F687-4f45-9708-019B960494DF}">
-                <a14:hiddenLine xmlns="" xmlns:a14="http://schemas.microsoft.com/office/drawing/2010/main" w="9525">
+                <a14:hiddenLine xmlns:a14="http://schemas.microsoft.com/office/drawing/2010/main" xmlns="" w="9525">
                   <a:solidFill>
                     <a:srgbClr val="000000"/>
                   </a:solidFill>
@@ -22197,7 +22282,7 @@
             </a:ln>
             <a:extLst>
               <a:ext uri="{91240B29-F687-4f45-9708-019B960494DF}">
-                <a14:hiddenLine xmlns="" xmlns:a14="http://schemas.microsoft.com/office/drawing/2010/main" w="9525">
+                <a14:hiddenLine xmlns:a14="http://schemas.microsoft.com/office/drawing/2010/main" xmlns="" w="9525">
                   <a:solidFill>
                     <a:srgbClr val="000000"/>
                   </a:solidFill>
@@ -22287,7 +22372,7 @@
             </a:ln>
             <a:extLst>
               <a:ext uri="{91240B29-F687-4f45-9708-019B960494DF}">
-                <a14:hiddenLine xmlns="" xmlns:a14="http://schemas.microsoft.com/office/drawing/2010/main" w="9525">
+                <a14:hiddenLine xmlns:a14="http://schemas.microsoft.com/office/drawing/2010/main" xmlns="" w="9525">
                   <a:solidFill>
                     <a:srgbClr val="000000"/>
                   </a:solidFill>
@@ -22355,7 +22440,7 @@
             </a:ln>
             <a:extLst>
               <a:ext uri="{91240B29-F687-4f45-9708-019B960494DF}">
-                <a14:hiddenLine xmlns="" xmlns:a14="http://schemas.microsoft.com/office/drawing/2010/main" w="9525">
+                <a14:hiddenLine xmlns:a14="http://schemas.microsoft.com/office/drawing/2010/main" xmlns="" w="9525">
                   <a:solidFill>
                     <a:srgbClr val="000000"/>
                   </a:solidFill>
@@ -22445,7 +22530,7 @@
             </a:ln>
             <a:extLst>
               <a:ext uri="{91240B29-F687-4f45-9708-019B960494DF}">
-                <a14:hiddenLine xmlns="" xmlns:a14="http://schemas.microsoft.com/office/drawing/2010/main" w="9525">
+                <a14:hiddenLine xmlns:a14="http://schemas.microsoft.com/office/drawing/2010/main" xmlns="" w="9525">
                   <a:solidFill>
                     <a:srgbClr val="000000"/>
                   </a:solidFill>
@@ -22479,7 +22564,7 @@
             </a:ln>
             <a:extLst>
               <a:ext uri="{91240B29-F687-4f45-9708-019B960494DF}">
-                <a14:hiddenLine xmlns="" xmlns:a14="http://schemas.microsoft.com/office/drawing/2010/main" w="9525">
+                <a14:hiddenLine xmlns:a14="http://schemas.microsoft.com/office/drawing/2010/main" xmlns="" w="9525">
                   <a:solidFill>
                     <a:srgbClr val="000000"/>
                   </a:solidFill>
@@ -22569,7 +22654,7 @@
             </a:ln>
             <a:extLst>
               <a:ext uri="{91240B29-F687-4f45-9708-019B960494DF}">
-                <a14:hiddenLine xmlns="" xmlns:a14="http://schemas.microsoft.com/office/drawing/2010/main" w="9525">
+                <a14:hiddenLine xmlns:a14="http://schemas.microsoft.com/office/drawing/2010/main" xmlns="" w="9525">
                   <a:solidFill>
                     <a:srgbClr val="000000"/>
                   </a:solidFill>
@@ -22631,7 +22716,7 @@
             </a:ln>
             <a:extLst>
               <a:ext uri="{91240B29-F687-4f45-9708-019B960494DF}">
-                <a14:hiddenLine xmlns="" xmlns:a14="http://schemas.microsoft.com/office/drawing/2010/main" w="9525">
+                <a14:hiddenLine xmlns:a14="http://schemas.microsoft.com/office/drawing/2010/main" xmlns="" w="9525">
                   <a:solidFill>
                     <a:srgbClr val="000000"/>
                   </a:solidFill>
@@ -22693,7 +22778,7 @@
             </a:ln>
             <a:extLst>
               <a:ext uri="{91240B29-F687-4f45-9708-019B960494DF}">
-                <a14:hiddenLine xmlns="" xmlns:a14="http://schemas.microsoft.com/office/drawing/2010/main" w="9525">
+                <a14:hiddenLine xmlns:a14="http://schemas.microsoft.com/office/drawing/2010/main" xmlns="" w="9525">
                   <a:solidFill>
                     <a:srgbClr val="000000"/>
                   </a:solidFill>
@@ -22783,7 +22868,7 @@
             </a:ln>
             <a:extLst>
               <a:ext uri="{91240B29-F687-4f45-9708-019B960494DF}">
-                <a14:hiddenLine xmlns="" xmlns:a14="http://schemas.microsoft.com/office/drawing/2010/main" w="9525">
+                <a14:hiddenLine xmlns:a14="http://schemas.microsoft.com/office/drawing/2010/main" xmlns="" w="9525">
                   <a:solidFill>
                     <a:srgbClr val="000000"/>
                   </a:solidFill>
@@ -22851,7 +22936,7 @@
             </a:ln>
             <a:extLst>
               <a:ext uri="{91240B29-F687-4f45-9708-019B960494DF}">
-                <a14:hiddenLine xmlns="" xmlns:a14="http://schemas.microsoft.com/office/drawing/2010/main" w="9525">
+                <a14:hiddenLine xmlns:a14="http://schemas.microsoft.com/office/drawing/2010/main" xmlns="" w="9525">
                   <a:solidFill>
                     <a:srgbClr val="000000"/>
                   </a:solidFill>
@@ -22913,7 +22998,7 @@
             </a:ln>
             <a:extLst>
               <a:ext uri="{91240B29-F687-4f45-9708-019B960494DF}">
-                <a14:hiddenLine xmlns="" xmlns:a14="http://schemas.microsoft.com/office/drawing/2010/main" w="9525">
+                <a14:hiddenLine xmlns:a14="http://schemas.microsoft.com/office/drawing/2010/main" xmlns="" w="9525">
                   <a:solidFill>
                     <a:srgbClr val="000000"/>
                   </a:solidFill>
@@ -23003,7 +23088,7 @@
             </a:ln>
             <a:extLst>
               <a:ext uri="{91240B29-F687-4f45-9708-019B960494DF}">
-                <a14:hiddenLine xmlns="" xmlns:a14="http://schemas.microsoft.com/office/drawing/2010/main" w="9525">
+                <a14:hiddenLine xmlns:a14="http://schemas.microsoft.com/office/drawing/2010/main" xmlns="" w="9525">
                   <a:solidFill>
                     <a:srgbClr val="000000"/>
                   </a:solidFill>
@@ -23065,7 +23150,7 @@
             </a:ln>
             <a:extLst>
               <a:ext uri="{91240B29-F687-4f45-9708-019B960494DF}">
-                <a14:hiddenLine xmlns="" xmlns:a14="http://schemas.microsoft.com/office/drawing/2010/main" w="9525">
+                <a14:hiddenLine xmlns:a14="http://schemas.microsoft.com/office/drawing/2010/main" xmlns="" w="9525">
                   <a:solidFill>
                     <a:srgbClr val="000000"/>
                   </a:solidFill>
@@ -23155,7 +23240,7 @@
             </a:ln>
             <a:extLst>
               <a:ext uri="{91240B29-F687-4f45-9708-019B960494DF}">
-                <a14:hiddenLine xmlns="" xmlns:a14="http://schemas.microsoft.com/office/drawing/2010/main" w="9525">
+                <a14:hiddenLine xmlns:a14="http://schemas.microsoft.com/office/drawing/2010/main" xmlns="" w="9525">
                   <a:solidFill>
                     <a:srgbClr val="000000"/>
                   </a:solidFill>
@@ -23217,7 +23302,7 @@
             </a:ln>
             <a:extLst>
               <a:ext uri="{91240B29-F687-4f45-9708-019B960494DF}">
-                <a14:hiddenLine xmlns="" xmlns:a14="http://schemas.microsoft.com/office/drawing/2010/main" w="9525">
+                <a14:hiddenLine xmlns:a14="http://schemas.microsoft.com/office/drawing/2010/main" xmlns="" w="9525">
                   <a:solidFill>
                     <a:srgbClr val="000000"/>
                   </a:solidFill>
@@ -23307,7 +23392,7 @@
             </a:ln>
             <a:extLst>
               <a:ext uri="{91240B29-F687-4f45-9708-019B960494DF}">
-                <a14:hiddenLine xmlns="" xmlns:a14="http://schemas.microsoft.com/office/drawing/2010/main" w="9525">
+                <a14:hiddenLine xmlns:a14="http://schemas.microsoft.com/office/drawing/2010/main" xmlns="" w="9525">
                   <a:solidFill>
                     <a:srgbClr val="000000"/>
                   </a:solidFill>
@@ -23341,7 +23426,7 @@
             </a:ln>
             <a:extLst>
               <a:ext uri="{91240B29-F687-4f45-9708-019B960494DF}">
-                <a14:hiddenLine xmlns="" xmlns:a14="http://schemas.microsoft.com/office/drawing/2010/main" w="9525">
+                <a14:hiddenLine xmlns:a14="http://schemas.microsoft.com/office/drawing/2010/main" xmlns="" w="9525">
                   <a:solidFill>
                     <a:srgbClr val="000000"/>
                   </a:solidFill>
@@ -23406,7 +23491,7 @@
             </a:ln>
             <a:extLst>
               <a:ext uri="{91240B29-F687-4f45-9708-019B960494DF}">
-                <a14:hiddenLine xmlns="" xmlns:a14="http://schemas.microsoft.com/office/drawing/2010/main" w="9525">
+                <a14:hiddenLine xmlns:a14="http://schemas.microsoft.com/office/drawing/2010/main" xmlns="" w="9525">
                   <a:solidFill>
                     <a:srgbClr val="000000"/>
                   </a:solidFill>
@@ -23496,7 +23581,7 @@
             </a:ln>
             <a:extLst>
               <a:ext uri="{91240B29-F687-4f45-9708-019B960494DF}">
-                <a14:hiddenLine xmlns="" xmlns:a14="http://schemas.microsoft.com/office/drawing/2010/main" w="9525">
+                <a14:hiddenLine xmlns:a14="http://schemas.microsoft.com/office/drawing/2010/main" xmlns="" w="9525">
                   <a:solidFill>
                     <a:srgbClr val="000000"/>
                   </a:solidFill>
@@ -23558,7 +23643,7 @@
             </a:ln>
             <a:extLst>
               <a:ext uri="{91240B29-F687-4f45-9708-019B960494DF}">
-                <a14:hiddenLine xmlns="" xmlns:a14="http://schemas.microsoft.com/office/drawing/2010/main" w="9525">
+                <a14:hiddenLine xmlns:a14="http://schemas.microsoft.com/office/drawing/2010/main" xmlns="" w="9525">
                   <a:solidFill>
                     <a:srgbClr val="000000"/>
                   </a:solidFill>
@@ -23648,7 +23733,7 @@
             </a:ln>
             <a:extLst>
               <a:ext uri="{91240B29-F687-4f45-9708-019B960494DF}">
-                <a14:hiddenLine xmlns="" xmlns:a14="http://schemas.microsoft.com/office/drawing/2010/main" w="9525">
+                <a14:hiddenLine xmlns:a14="http://schemas.microsoft.com/office/drawing/2010/main" xmlns="" w="9525">
                   <a:solidFill>
                     <a:srgbClr val="000000"/>
                   </a:solidFill>
@@ -23738,7 +23823,7 @@
             </a:ln>
             <a:extLst>
               <a:ext uri="{91240B29-F687-4f45-9708-019B960494DF}">
-                <a14:hiddenLine xmlns="" xmlns:a14="http://schemas.microsoft.com/office/drawing/2010/main" w="9525">
+                <a14:hiddenLine xmlns:a14="http://schemas.microsoft.com/office/drawing/2010/main" xmlns="" w="9525">
                   <a:solidFill>
                     <a:srgbClr val="000000"/>
                   </a:solidFill>
@@ -23803,7 +23888,7 @@
             </a:ln>
             <a:extLst>
               <a:ext uri="{91240B29-F687-4f45-9708-019B960494DF}">
-                <a14:hiddenLine xmlns="" xmlns:a14="http://schemas.microsoft.com/office/drawing/2010/main" w="9525">
+                <a14:hiddenLine xmlns:a14="http://schemas.microsoft.com/office/drawing/2010/main" xmlns="" w="9525">
                   <a:solidFill>
                     <a:srgbClr val="000000"/>
                   </a:solidFill>
@@ -23865,7 +23950,7 @@
             </a:ln>
             <a:extLst>
               <a:ext uri="{91240B29-F687-4f45-9708-019B960494DF}">
-                <a14:hiddenLine xmlns="" xmlns:a14="http://schemas.microsoft.com/office/drawing/2010/main" w="9525">
+                <a14:hiddenLine xmlns:a14="http://schemas.microsoft.com/office/drawing/2010/main" xmlns="" w="9525">
                   <a:solidFill>
                     <a:srgbClr val="000000"/>
                   </a:solidFill>
@@ -23955,7 +24040,7 @@
             </a:ln>
             <a:extLst>
               <a:ext uri="{91240B29-F687-4f45-9708-019B960494DF}">
-                <a14:hiddenLine xmlns="" xmlns:a14="http://schemas.microsoft.com/office/drawing/2010/main" w="9525">
+                <a14:hiddenLine xmlns:a14="http://schemas.microsoft.com/office/drawing/2010/main" xmlns="" w="9525">
                   <a:solidFill>
                     <a:srgbClr val="000000"/>
                   </a:solidFill>
@@ -24045,7 +24130,7 @@
             </a:ln>
             <a:extLst>
               <a:ext uri="{91240B29-F687-4f45-9708-019B960494DF}">
-                <a14:hiddenLine xmlns="" xmlns:a14="http://schemas.microsoft.com/office/drawing/2010/main" w="9525">
+                <a14:hiddenLine xmlns:a14="http://schemas.microsoft.com/office/drawing/2010/main" xmlns="" w="9525">
                   <a:solidFill>
                     <a:srgbClr val="000000"/>
                   </a:solidFill>
@@ -24107,7 +24192,7 @@
             </a:ln>
             <a:extLst>
               <a:ext uri="{91240B29-F687-4f45-9708-019B960494DF}">
-                <a14:hiddenLine xmlns="" xmlns:a14="http://schemas.microsoft.com/office/drawing/2010/main" w="9525">
+                <a14:hiddenLine xmlns:a14="http://schemas.microsoft.com/office/drawing/2010/main" xmlns="" w="9525">
                   <a:solidFill>
                     <a:srgbClr val="000000"/>
                   </a:solidFill>
@@ -24227,7 +24312,7 @@
             </a:ln>
             <a:extLst>
               <a:ext uri="{91240B29-F687-4f45-9708-019B960494DF}">
-                <a14:hiddenLine xmlns="" xmlns:a14="http://schemas.microsoft.com/office/drawing/2010/main" w="9525">
+                <a14:hiddenLine xmlns:a14="http://schemas.microsoft.com/office/drawing/2010/main" xmlns="" w="9525">
                   <a:solidFill>
                     <a:srgbClr val="000000"/>
                   </a:solidFill>
@@ -24295,7 +24380,7 @@
             </a:ln>
             <a:extLst>
               <a:ext uri="{91240B29-F687-4f45-9708-019B960494DF}">
-                <a14:hiddenLine xmlns="" xmlns:a14="http://schemas.microsoft.com/office/drawing/2010/main" w="9525">
+                <a14:hiddenLine xmlns:a14="http://schemas.microsoft.com/office/drawing/2010/main" xmlns="" w="9525">
                   <a:solidFill>
                     <a:srgbClr val="000000"/>
                   </a:solidFill>
@@ -24385,7 +24470,7 @@
             </a:ln>
             <a:extLst>
               <a:ext uri="{91240B29-F687-4f45-9708-019B960494DF}">
-                <a14:hiddenLine xmlns="" xmlns:a14="http://schemas.microsoft.com/office/drawing/2010/main" w="9525">
+                <a14:hiddenLine xmlns:a14="http://schemas.microsoft.com/office/drawing/2010/main" xmlns="" w="9525">
                   <a:solidFill>
                     <a:srgbClr val="000000"/>
                   </a:solidFill>
@@ -24525,7 +24610,7 @@
           <a:p>
             <a:fld id="{B76943AF-B946-47F7-8510-2C710F5C29B5}" type="datetimeFigureOut">
               <a:rPr lang="en-US" smtClean="0"/>
-              <a:t>4/28/2018</a:t>
+              <a:t>5/7/2018</a:t>
             </a:fld>
             <a:endParaRPr lang="en-US" dirty="0"/>
           </a:p>
@@ -24791,7 +24876,7 @@
           <a:p>
             <a:fld id="{B76943AF-B946-47F7-8510-2C710F5C29B5}" type="datetimeFigureOut">
               <a:rPr lang="en-US" smtClean="0"/>
-              <a:t>4/28/2018</a:t>
+              <a:t>5/7/2018</a:t>
             </a:fld>
             <a:endParaRPr lang="en-US" dirty="0"/>
           </a:p>
@@ -24987,7 +25072,7 @@
           <a:p>
             <a:fld id="{B76943AF-B946-47F7-8510-2C710F5C29B5}" type="datetimeFigureOut">
               <a:rPr lang="en-US" smtClean="0"/>
-              <a:t>4/28/2018</a:t>
+              <a:t>5/7/2018</a:t>
             </a:fld>
             <a:endParaRPr lang="en-US" dirty="0"/>
           </a:p>
@@ -25250,7 +25335,7 @@
           <a:p>
             <a:fld id="{B76943AF-B946-47F7-8510-2C710F5C29B5}" type="datetimeFigureOut">
               <a:rPr lang="en-US" smtClean="0"/>
-              <a:t>4/28/2018</a:t>
+              <a:t>5/7/2018</a:t>
             </a:fld>
             <a:endParaRPr lang="en-US" dirty="0"/>
           </a:p>
@@ -25729,7 +25814,7 @@
           <a:p>
             <a:fld id="{B76943AF-B946-47F7-8510-2C710F5C29B5}" type="datetimeFigureOut">
               <a:rPr lang="en-US" smtClean="0"/>
-              <a:t>4/28/2018</a:t>
+              <a:t>5/7/2018</a:t>
             </a:fld>
             <a:endParaRPr lang="en-US" dirty="0"/>
           </a:p>
@@ -26275,7 +26360,7 @@
           <a:p>
             <a:fld id="{B76943AF-B946-47F7-8510-2C710F5C29B5}" type="datetimeFigureOut">
               <a:rPr lang="en-US" smtClean="0"/>
-              <a:t>4/28/2018</a:t>
+              <a:t>5/7/2018</a:t>
             </a:fld>
             <a:endParaRPr lang="en-US" dirty="0"/>
           </a:p>
@@ -26992,7 +27077,7 @@
           <a:p>
             <a:fld id="{B76943AF-B946-47F7-8510-2C710F5C29B5}" type="datetimeFigureOut">
               <a:rPr lang="en-US" smtClean="0"/>
-              <a:t>4/28/2018</a:t>
+              <a:t>5/7/2018</a:t>
             </a:fld>
             <a:endParaRPr lang="en-US" dirty="0"/>
           </a:p>
@@ -27162,7 +27247,7 @@
           <a:p>
             <a:fld id="{B76943AF-B946-47F7-8510-2C710F5C29B5}" type="datetimeFigureOut">
               <a:rPr lang="en-US" smtClean="0"/>
-              <a:t>4/28/2018</a:t>
+              <a:t>5/7/2018</a:t>
             </a:fld>
             <a:endParaRPr lang="en-US" dirty="0"/>
           </a:p>
@@ -27342,7 +27427,7 @@
           <a:p>
             <a:fld id="{B76943AF-B946-47F7-8510-2C710F5C29B5}" type="datetimeFigureOut">
               <a:rPr lang="en-US" smtClean="0"/>
-              <a:t>4/28/2018</a:t>
+              <a:t>5/7/2018</a:t>
             </a:fld>
             <a:endParaRPr lang="en-US" dirty="0"/>
           </a:p>
@@ -27512,7 +27597,7 @@
           <a:p>
             <a:fld id="{B76943AF-B946-47F7-8510-2C710F5C29B5}" type="datetimeFigureOut">
               <a:rPr lang="en-US" smtClean="0"/>
-              <a:t>4/28/2018</a:t>
+              <a:t>5/7/2018</a:t>
             </a:fld>
             <a:endParaRPr lang="en-US" dirty="0"/>
           </a:p>
@@ -27852,7 +27937,7 @@
           <a:p>
             <a:fld id="{B76943AF-B946-47F7-8510-2C710F5C29B5}" type="datetimeFigureOut">
               <a:rPr lang="en-US" smtClean="0"/>
-              <a:t>4/28/2018</a:t>
+              <a:t>5/7/2018</a:t>
             </a:fld>
             <a:endParaRPr lang="en-US" dirty="0"/>
           </a:p>
@@ -28084,7 +28169,7 @@
           <a:p>
             <a:fld id="{B76943AF-B946-47F7-8510-2C710F5C29B5}" type="datetimeFigureOut">
               <a:rPr lang="en-US" smtClean="0"/>
-              <a:t>4/28/2018</a:t>
+              <a:t>5/7/2018</a:t>
             </a:fld>
             <a:endParaRPr lang="en-US" dirty="0"/>
           </a:p>
@@ -28465,7 +28550,7 @@
           <a:p>
             <a:fld id="{B76943AF-B946-47F7-8510-2C710F5C29B5}" type="datetimeFigureOut">
               <a:rPr lang="en-US" smtClean="0"/>
-              <a:t>4/28/2018</a:t>
+              <a:t>5/7/2018</a:t>
             </a:fld>
             <a:endParaRPr lang="en-US" dirty="0"/>
           </a:p>
@@ -28583,7 +28668,7 @@
           <a:p>
             <a:fld id="{B76943AF-B946-47F7-8510-2C710F5C29B5}" type="datetimeFigureOut">
               <a:rPr lang="en-US" smtClean="0"/>
-              <a:t>4/28/2018</a:t>
+              <a:t>5/7/2018</a:t>
             </a:fld>
             <a:endParaRPr lang="en-US" dirty="0"/>
           </a:p>
@@ -28678,7 +28763,7 @@
           <a:p>
             <a:fld id="{B76943AF-B946-47F7-8510-2C710F5C29B5}" type="datetimeFigureOut">
               <a:rPr lang="en-US" smtClean="0"/>
-              <a:t>4/28/2018</a:t>
+              <a:t>5/7/2018</a:t>
             </a:fld>
             <a:endParaRPr lang="en-US" dirty="0"/>
           </a:p>
@@ -28927,7 +29012,7 @@
           <a:p>
             <a:fld id="{B76943AF-B946-47F7-8510-2C710F5C29B5}" type="datetimeFigureOut">
               <a:rPr lang="en-US" smtClean="0"/>
-              <a:t>4/28/2018</a:t>
+              <a:t>5/7/2018</a:t>
             </a:fld>
             <a:endParaRPr lang="en-US" dirty="0"/>
           </a:p>
@@ -29206,7 +29291,7 @@
           <a:p>
             <a:fld id="{B76943AF-B946-47F7-8510-2C710F5C29B5}" type="datetimeFigureOut">
               <a:rPr lang="en-US" smtClean="0"/>
-              <a:t>4/28/2018</a:t>
+              <a:t>5/7/2018</a:t>
             </a:fld>
             <a:endParaRPr lang="en-US" dirty="0"/>
           </a:p>
@@ -29365,7 +29450,7 @@
               </a:ln>
               <a:extLst>
                 <a:ext uri="{91240B29-F687-4f45-9708-019B960494DF}">
-                  <a14:hiddenLine xmlns="" xmlns:a14="http://schemas.microsoft.com/office/drawing/2010/main" w="9525">
+                  <a14:hiddenLine xmlns:a14="http://schemas.microsoft.com/office/drawing/2010/main" xmlns="" w="9525">
                     <a:solidFill>
                       <a:srgbClr val="000000"/>
                     </a:solidFill>
@@ -29455,7 +29540,7 @@
               </a:ln>
               <a:extLst>
                 <a:ext uri="{91240B29-F687-4f45-9708-019B960494DF}">
-                  <a14:hiddenLine xmlns="" xmlns:a14="http://schemas.microsoft.com/office/drawing/2010/main" w="9525">
+                  <a14:hiddenLine xmlns:a14="http://schemas.microsoft.com/office/drawing/2010/main" xmlns="" w="9525">
                     <a:solidFill>
                       <a:srgbClr val="000000"/>
                     </a:solidFill>
@@ -29545,7 +29630,7 @@
               </a:ln>
               <a:extLst>
                 <a:ext uri="{91240B29-F687-4f45-9708-019B960494DF}">
-                  <a14:hiddenLine xmlns="" xmlns:a14="http://schemas.microsoft.com/office/drawing/2010/main" w="9525">
+                  <a14:hiddenLine xmlns:a14="http://schemas.microsoft.com/office/drawing/2010/main" xmlns="" w="9525">
                     <a:solidFill>
                       <a:srgbClr val="000000"/>
                     </a:solidFill>
@@ -29607,7 +29692,7 @@
               </a:ln>
               <a:extLst>
                 <a:ext uri="{91240B29-F687-4f45-9708-019B960494DF}">
-                  <a14:hiddenLine xmlns="" xmlns:a14="http://schemas.microsoft.com/office/drawing/2010/main" w="9525">
+                  <a14:hiddenLine xmlns:a14="http://schemas.microsoft.com/office/drawing/2010/main" xmlns="" w="9525">
                     <a:solidFill>
                       <a:srgbClr val="000000"/>
                     </a:solidFill>
@@ -29697,7 +29782,7 @@
               </a:ln>
               <a:extLst>
                 <a:ext uri="{91240B29-F687-4f45-9708-019B960494DF}">
-                  <a14:hiddenLine xmlns="" xmlns:a14="http://schemas.microsoft.com/office/drawing/2010/main" w="9525">
+                  <a14:hiddenLine xmlns:a14="http://schemas.microsoft.com/office/drawing/2010/main" xmlns="" w="9525">
                     <a:solidFill>
                       <a:srgbClr val="000000"/>
                     </a:solidFill>
@@ -29759,7 +29844,7 @@
               </a:ln>
               <a:extLst>
                 <a:ext uri="{91240B29-F687-4f45-9708-019B960494DF}">
-                  <a14:hiddenLine xmlns="" xmlns:a14="http://schemas.microsoft.com/office/drawing/2010/main" w="9525">
+                  <a14:hiddenLine xmlns:a14="http://schemas.microsoft.com/office/drawing/2010/main" xmlns="" w="9525">
                     <a:solidFill>
                       <a:srgbClr val="000000"/>
                     </a:solidFill>
@@ -29821,7 +29906,7 @@
               </a:ln>
               <a:extLst>
                 <a:ext uri="{91240B29-F687-4f45-9708-019B960494DF}">
-                  <a14:hiddenLine xmlns="" xmlns:a14="http://schemas.microsoft.com/office/drawing/2010/main" w="9525">
+                  <a14:hiddenLine xmlns:a14="http://schemas.microsoft.com/office/drawing/2010/main" xmlns="" w="9525">
                     <a:solidFill>
                       <a:srgbClr val="000000"/>
                     </a:solidFill>
@@ -29911,7 +29996,7 @@
               </a:ln>
               <a:extLst>
                 <a:ext uri="{91240B29-F687-4f45-9708-019B960494DF}">
-                  <a14:hiddenLine xmlns="" xmlns:a14="http://schemas.microsoft.com/office/drawing/2010/main" w="9525">
+                  <a14:hiddenLine xmlns:a14="http://schemas.microsoft.com/office/drawing/2010/main" xmlns="" w="9525">
                     <a:solidFill>
                       <a:srgbClr val="000000"/>
                     </a:solidFill>
@@ -30001,7 +30086,7 @@
               </a:ln>
               <a:extLst>
                 <a:ext uri="{91240B29-F687-4f45-9708-019B960494DF}">
-                  <a14:hiddenLine xmlns="" xmlns:a14="http://schemas.microsoft.com/office/drawing/2010/main" w="9525">
+                  <a14:hiddenLine xmlns:a14="http://schemas.microsoft.com/office/drawing/2010/main" xmlns="" w="9525">
                     <a:solidFill>
                       <a:srgbClr val="000000"/>
                     </a:solidFill>
@@ -30063,7 +30148,7 @@
               </a:ln>
               <a:extLst>
                 <a:ext uri="{91240B29-F687-4f45-9708-019B960494DF}">
-                  <a14:hiddenLine xmlns="" xmlns:a14="http://schemas.microsoft.com/office/drawing/2010/main" w="9525">
+                  <a14:hiddenLine xmlns:a14="http://schemas.microsoft.com/office/drawing/2010/main" xmlns="" w="9525">
                     <a:solidFill>
                       <a:srgbClr val="000000"/>
                     </a:solidFill>
@@ -30173,7 +30258,7 @@
               </a:ln>
               <a:extLst>
                 <a:ext uri="{91240B29-F687-4f45-9708-019B960494DF}">
-                  <a14:hiddenLine xmlns="" xmlns:a14="http://schemas.microsoft.com/office/drawing/2010/main" w="9525">
+                  <a14:hiddenLine xmlns:a14="http://schemas.microsoft.com/office/drawing/2010/main" xmlns="" w="9525">
                     <a:solidFill>
                       <a:srgbClr val="000000"/>
                     </a:solidFill>
@@ -30257,7 +30342,7 @@
               </a:ln>
               <a:extLst>
                 <a:ext uri="{91240B29-F687-4f45-9708-019B960494DF}">
-                  <a14:hiddenLine xmlns="" xmlns:a14="http://schemas.microsoft.com/office/drawing/2010/main" w="9525">
+                  <a14:hiddenLine xmlns:a14="http://schemas.microsoft.com/office/drawing/2010/main" xmlns="" w="9525">
                     <a:solidFill>
                       <a:srgbClr val="000000"/>
                     </a:solidFill>
@@ -30319,7 +30404,7 @@
               </a:ln>
               <a:extLst>
                 <a:ext uri="{91240B29-F687-4f45-9708-019B960494DF}">
-                  <a14:hiddenLine xmlns="" xmlns:a14="http://schemas.microsoft.com/office/drawing/2010/main" w="9525">
+                  <a14:hiddenLine xmlns:a14="http://schemas.microsoft.com/office/drawing/2010/main" xmlns="" w="9525">
                     <a:solidFill>
                       <a:srgbClr val="000000"/>
                     </a:solidFill>
@@ -30381,7 +30466,7 @@
               </a:ln>
               <a:extLst>
                 <a:ext uri="{91240B29-F687-4f45-9708-019B960494DF}">
-                  <a14:hiddenLine xmlns="" xmlns:a14="http://schemas.microsoft.com/office/drawing/2010/main" w="9525">
+                  <a14:hiddenLine xmlns:a14="http://schemas.microsoft.com/office/drawing/2010/main" xmlns="" w="9525">
                     <a:solidFill>
                       <a:srgbClr val="000000"/>
                     </a:solidFill>
@@ -30471,7 +30556,7 @@
               </a:ln>
               <a:extLst>
                 <a:ext uri="{91240B29-F687-4f45-9708-019B960494DF}">
-                  <a14:hiddenLine xmlns="" xmlns:a14="http://schemas.microsoft.com/office/drawing/2010/main" w="9525">
+                  <a14:hiddenLine xmlns:a14="http://schemas.microsoft.com/office/drawing/2010/main" xmlns="" w="9525">
                     <a:solidFill>
                       <a:srgbClr val="000000"/>
                     </a:solidFill>
@@ -30505,7 +30590,7 @@
               </a:ln>
               <a:extLst>
                 <a:ext uri="{91240B29-F687-4f45-9708-019B960494DF}">
-                  <a14:hiddenLine xmlns="" xmlns:a14="http://schemas.microsoft.com/office/drawing/2010/main" w="9525">
+                  <a14:hiddenLine xmlns:a14="http://schemas.microsoft.com/office/drawing/2010/main" xmlns="" w="9525">
                     <a:solidFill>
                       <a:srgbClr val="000000"/>
                     </a:solidFill>
@@ -30570,7 +30655,7 @@
               </a:ln>
               <a:extLst>
                 <a:ext uri="{91240B29-F687-4f45-9708-019B960494DF}">
-                  <a14:hiddenLine xmlns="" xmlns:a14="http://schemas.microsoft.com/office/drawing/2010/main" w="9525">
+                  <a14:hiddenLine xmlns:a14="http://schemas.microsoft.com/office/drawing/2010/main" xmlns="" w="9525">
                     <a:solidFill>
                       <a:srgbClr val="000000"/>
                     </a:solidFill>
@@ -30660,7 +30745,7 @@
               </a:ln>
               <a:extLst>
                 <a:ext uri="{91240B29-F687-4f45-9708-019B960494DF}">
-                  <a14:hiddenLine xmlns="" xmlns:a14="http://schemas.microsoft.com/office/drawing/2010/main" w="9525">
+                  <a14:hiddenLine xmlns:a14="http://schemas.microsoft.com/office/drawing/2010/main" xmlns="" w="9525">
                     <a:solidFill>
                       <a:srgbClr val="000000"/>
                     </a:solidFill>
@@ -30722,7 +30807,7 @@
               </a:ln>
               <a:extLst>
                 <a:ext uri="{91240B29-F687-4f45-9708-019B960494DF}">
-                  <a14:hiddenLine xmlns="" xmlns:a14="http://schemas.microsoft.com/office/drawing/2010/main" w="9525">
+                  <a14:hiddenLine xmlns:a14="http://schemas.microsoft.com/office/drawing/2010/main" xmlns="" w="9525">
                     <a:solidFill>
                       <a:srgbClr val="000000"/>
                     </a:solidFill>
@@ -30812,7 +30897,7 @@
               </a:ln>
               <a:extLst>
                 <a:ext uri="{91240B29-F687-4f45-9708-019B960494DF}">
-                  <a14:hiddenLine xmlns="" xmlns:a14="http://schemas.microsoft.com/office/drawing/2010/main" w="9525">
+                  <a14:hiddenLine xmlns:a14="http://schemas.microsoft.com/office/drawing/2010/main" xmlns="" w="9525">
                     <a:solidFill>
                       <a:srgbClr val="000000"/>
                     </a:solidFill>
@@ -30877,7 +30962,7 @@
               </a:ln>
               <a:extLst>
                 <a:ext uri="{91240B29-F687-4f45-9708-019B960494DF}">
-                  <a14:hiddenLine xmlns="" xmlns:a14="http://schemas.microsoft.com/office/drawing/2010/main" w="9525">
+                  <a14:hiddenLine xmlns:a14="http://schemas.microsoft.com/office/drawing/2010/main" xmlns="" w="9525">
                     <a:solidFill>
                       <a:srgbClr val="000000"/>
                     </a:solidFill>
@@ -30939,7 +31024,7 @@
               </a:ln>
               <a:extLst>
                 <a:ext uri="{91240B29-F687-4f45-9708-019B960494DF}">
-                  <a14:hiddenLine xmlns="" xmlns:a14="http://schemas.microsoft.com/office/drawing/2010/main" w="9525">
+                  <a14:hiddenLine xmlns:a14="http://schemas.microsoft.com/office/drawing/2010/main" xmlns="" w="9525">
                     <a:solidFill>
                       <a:srgbClr val="000000"/>
                     </a:solidFill>
@@ -31029,7 +31114,7 @@
               </a:ln>
               <a:extLst>
                 <a:ext uri="{91240B29-F687-4f45-9708-019B960494DF}">
-                  <a14:hiddenLine xmlns="" xmlns:a14="http://schemas.microsoft.com/office/drawing/2010/main" w="9525">
+                  <a14:hiddenLine xmlns:a14="http://schemas.microsoft.com/office/drawing/2010/main" xmlns="" w="9525">
                     <a:solidFill>
                       <a:srgbClr val="000000"/>
                     </a:solidFill>
@@ -31119,7 +31204,7 @@
               </a:ln>
               <a:extLst>
                 <a:ext uri="{91240B29-F687-4f45-9708-019B960494DF}">
-                  <a14:hiddenLine xmlns="" xmlns:a14="http://schemas.microsoft.com/office/drawing/2010/main" w="9525">
+                  <a14:hiddenLine xmlns:a14="http://schemas.microsoft.com/office/drawing/2010/main" xmlns="" w="9525">
                     <a:solidFill>
                       <a:srgbClr val="000000"/>
                     </a:solidFill>
@@ -31184,7 +31269,7 @@
               </a:ln>
               <a:extLst>
                 <a:ext uri="{91240B29-F687-4f45-9708-019B960494DF}">
-                  <a14:hiddenLine xmlns="" xmlns:a14="http://schemas.microsoft.com/office/drawing/2010/main" w="9525">
+                  <a14:hiddenLine xmlns:a14="http://schemas.microsoft.com/office/drawing/2010/main" xmlns="" w="9525">
                     <a:solidFill>
                       <a:srgbClr val="000000"/>
                     </a:solidFill>
@@ -31304,7 +31389,7 @@
               </a:ln>
               <a:extLst>
                 <a:ext uri="{91240B29-F687-4f45-9708-019B960494DF}">
-                  <a14:hiddenLine xmlns="" xmlns:a14="http://schemas.microsoft.com/office/drawing/2010/main" w="9525">
+                  <a14:hiddenLine xmlns:a14="http://schemas.microsoft.com/office/drawing/2010/main" xmlns="" w="9525">
                     <a:solidFill>
                       <a:srgbClr val="000000"/>
                     </a:solidFill>
@@ -31402,7 +31487,7 @@
               </a:ln>
               <a:extLst>
                 <a:ext uri="{91240B29-F687-4f45-9708-019B960494DF}">
-                  <a14:hiddenLine xmlns="" xmlns:a14="http://schemas.microsoft.com/office/drawing/2010/main" w="9525">
+                  <a14:hiddenLine xmlns:a14="http://schemas.microsoft.com/office/drawing/2010/main" xmlns="" w="9525">
                     <a:solidFill>
                       <a:srgbClr val="000000"/>
                     </a:solidFill>
@@ -31517,7 +31602,7 @@
               </a:ln>
               <a:extLst>
                 <a:ext uri="{91240B29-F687-4f45-9708-019B960494DF}">
-                  <a14:hiddenLine xmlns="" xmlns:a14="http://schemas.microsoft.com/office/drawing/2010/main" w="9525">
+                  <a14:hiddenLine xmlns:a14="http://schemas.microsoft.com/office/drawing/2010/main" xmlns="" w="9525">
                     <a:solidFill>
                       <a:srgbClr val="000000"/>
                     </a:solidFill>
@@ -31607,7 +31692,7 @@
               </a:ln>
               <a:extLst>
                 <a:ext uri="{91240B29-F687-4f45-9708-019B960494DF}">
-                  <a14:hiddenLine xmlns="" xmlns:a14="http://schemas.microsoft.com/office/drawing/2010/main" w="9525">
+                  <a14:hiddenLine xmlns:a14="http://schemas.microsoft.com/office/drawing/2010/main" xmlns="" w="9525">
                     <a:solidFill>
                       <a:srgbClr val="000000"/>
                     </a:solidFill>
@@ -31672,7 +31757,7 @@
               </a:ln>
               <a:extLst>
                 <a:ext uri="{91240B29-F687-4f45-9708-019B960494DF}">
-                  <a14:hiddenLine xmlns="" xmlns:a14="http://schemas.microsoft.com/office/drawing/2010/main" w="9525">
+                  <a14:hiddenLine xmlns:a14="http://schemas.microsoft.com/office/drawing/2010/main" xmlns="" w="9525">
                     <a:solidFill>
                       <a:srgbClr val="000000"/>
                     </a:solidFill>
@@ -31762,7 +31847,7 @@
               </a:ln>
               <a:extLst>
                 <a:ext uri="{91240B29-F687-4f45-9708-019B960494DF}">
-                  <a14:hiddenLine xmlns="" xmlns:a14="http://schemas.microsoft.com/office/drawing/2010/main" w="9525">
+                  <a14:hiddenLine xmlns:a14="http://schemas.microsoft.com/office/drawing/2010/main" xmlns="" w="9525">
                     <a:solidFill>
                       <a:srgbClr val="000000"/>
                     </a:solidFill>
@@ -31830,7 +31915,7 @@
               </a:ln>
               <a:extLst>
                 <a:ext uri="{91240B29-F687-4f45-9708-019B960494DF}">
-                  <a14:hiddenLine xmlns="" xmlns:a14="http://schemas.microsoft.com/office/drawing/2010/main" w="9525">
+                  <a14:hiddenLine xmlns:a14="http://schemas.microsoft.com/office/drawing/2010/main" xmlns="" w="9525">
                     <a:solidFill>
                       <a:srgbClr val="000000"/>
                     </a:solidFill>
@@ -31920,7 +32005,7 @@
               </a:ln>
               <a:extLst>
                 <a:ext uri="{91240B29-F687-4f45-9708-019B960494DF}">
-                  <a14:hiddenLine xmlns="" xmlns:a14="http://schemas.microsoft.com/office/drawing/2010/main" w="9525">
+                  <a14:hiddenLine xmlns:a14="http://schemas.microsoft.com/office/drawing/2010/main" xmlns="" w="9525">
                     <a:solidFill>
                       <a:srgbClr val="000000"/>
                     </a:solidFill>
@@ -31988,7 +32073,7 @@
               </a:ln>
               <a:extLst>
                 <a:ext uri="{91240B29-F687-4f45-9708-019B960494DF}">
-                  <a14:hiddenLine xmlns="" xmlns:a14="http://schemas.microsoft.com/office/drawing/2010/main" w="9525">
+                  <a14:hiddenLine xmlns:a14="http://schemas.microsoft.com/office/drawing/2010/main" xmlns="" w="9525">
                     <a:solidFill>
                       <a:srgbClr val="000000"/>
                     </a:solidFill>
@@ -32078,7 +32163,7 @@
               </a:ln>
               <a:extLst>
                 <a:ext uri="{91240B29-F687-4f45-9708-019B960494DF}">
-                  <a14:hiddenLine xmlns="" xmlns:a14="http://schemas.microsoft.com/office/drawing/2010/main" w="9525">
+                  <a14:hiddenLine xmlns:a14="http://schemas.microsoft.com/office/drawing/2010/main" xmlns="" w="9525">
                     <a:solidFill>
                       <a:srgbClr val="000000"/>
                     </a:solidFill>
@@ -32112,7 +32197,7 @@
               </a:ln>
               <a:extLst>
                 <a:ext uri="{91240B29-F687-4f45-9708-019B960494DF}">
-                  <a14:hiddenLine xmlns="" xmlns:a14="http://schemas.microsoft.com/office/drawing/2010/main" w="9525">
+                  <a14:hiddenLine xmlns:a14="http://schemas.microsoft.com/office/drawing/2010/main" xmlns="" w="9525">
                     <a:solidFill>
                       <a:srgbClr val="000000"/>
                     </a:solidFill>
@@ -32252,7 +32337,7 @@
           <a:p>
             <a:fld id="{B76943AF-B946-47F7-8510-2C710F5C29B5}" type="datetimeFigureOut">
               <a:rPr lang="en-US" smtClean="0"/>
-              <a:t>4/28/2018</a:t>
+              <a:t>5/7/2018</a:t>
             </a:fld>
             <a:endParaRPr lang="en-US" dirty="0"/>
           </a:p>
@@ -39858,6 +39943,291 @@
           <p:cNvPr id="2" name="Title 1">
             <a:extLst>
               <a:ext uri="{FF2B5EF4-FFF2-40B4-BE49-F238E27FC236}">
+                <a16:creationId xmlns:a16="http://schemas.microsoft.com/office/drawing/2014/main" id="{DCC904C0-05DD-4AC7-85C7-49ECB559433D}"/>
+              </a:ext>
+            </a:extLst>
+          </p:cNvPr>
+          <p:cNvSpPr>
+            <a:spLocks noGrp="1"/>
+          </p:cNvSpPr>
+          <p:nvPr>
+            <p:ph type="title"/>
+          </p:nvPr>
+        </p:nvSpPr>
+        <p:spPr>
+          <a:xfrm>
+            <a:off x="1446212" y="609599"/>
+            <a:ext cx="9302752" cy="2748429"/>
+          </a:xfrm>
+        </p:spPr>
+        <p:txBody>
+          <a:bodyPr>
+            <a:normAutofit/>
+          </a:bodyPr>
+          <a:lstStyle/>
+          <a:p>
+            <a:r>
+              <a:rPr lang="pl-PL" cap="none" dirty="0">
+                <a:solidFill>
+                  <a:schemeClr val="tx2">
+                    <a:lumMod val="75000"/>
+                  </a:schemeClr>
+                </a:solidFill>
+              </a:rPr>
+              <a:t>Y</a:t>
+            </a:r>
+            <a:r>
+              <a:rPr lang="en-US" cap="none" dirty="0" err="1">
+                <a:solidFill>
+                  <a:schemeClr val="tx2">
+                    <a:lumMod val="75000"/>
+                  </a:schemeClr>
+                </a:solidFill>
+              </a:rPr>
+              <a:t>ou</a:t>
+            </a:r>
+            <a:r>
+              <a:rPr lang="en-US" cap="none" dirty="0">
+                <a:solidFill>
+                  <a:schemeClr val="tx2">
+                    <a:lumMod val="75000"/>
+                  </a:schemeClr>
+                </a:solidFill>
+              </a:rPr>
+              <a:t> can clone software, but not communities</a:t>
+            </a:r>
+            <a:r>
+              <a:rPr lang="pl-PL" cap="none" dirty="0">
+                <a:solidFill>
+                  <a:schemeClr val="tx2">
+                    <a:lumMod val="75000"/>
+                  </a:schemeClr>
+                </a:solidFill>
+              </a:rPr>
+              <a:t>.</a:t>
+            </a:r>
+            <a:endParaRPr lang="en-US" cap="none" dirty="0"/>
+          </a:p>
+        </p:txBody>
+      </p:sp>
+      <p:sp>
+        <p:nvSpPr>
+          <p:cNvPr id="3" name="Text Placeholder 2">
+            <a:extLst>
+              <a:ext uri="{FF2B5EF4-FFF2-40B4-BE49-F238E27FC236}">
+                <a16:creationId xmlns:a16="http://schemas.microsoft.com/office/drawing/2014/main" id="{3EA1BABA-F0F9-4F4D-8FFF-D09C4F6FE1E8}"/>
+              </a:ext>
+            </a:extLst>
+          </p:cNvPr>
+          <p:cNvSpPr>
+            <a:spLocks noGrp="1"/>
+          </p:cNvSpPr>
+          <p:nvPr>
+            <p:ph type="body" sz="half" idx="13"/>
+          </p:nvPr>
+        </p:nvSpPr>
+        <p:spPr>
+          <a:xfrm>
+            <a:off x="1443036" y="3358028"/>
+            <a:ext cx="8752299" cy="548968"/>
+          </a:xfrm>
+        </p:spPr>
+        <p:txBody>
+          <a:bodyPr>
+            <a:normAutofit/>
+          </a:bodyPr>
+          <a:lstStyle/>
+          <a:p>
+            <a:r>
+              <a:rPr lang="pl-PL" sz="1600" dirty="0"/>
+              <a:t>Daniel Larimer, CTO of block.one</a:t>
+            </a:r>
+            <a:endParaRPr lang="en-US" sz="1600" dirty="0"/>
+          </a:p>
+        </p:txBody>
+      </p:sp>
+      <p:sp>
+        <p:nvSpPr>
+          <p:cNvPr id="4" name="Title 1">
+            <a:extLst>
+              <a:ext uri="{FF2B5EF4-FFF2-40B4-BE49-F238E27FC236}">
+                <a16:creationId xmlns:a16="http://schemas.microsoft.com/office/drawing/2014/main" id="{4FF9C249-3818-4745-A452-2BC76656A95F}"/>
+              </a:ext>
+            </a:extLst>
+          </p:cNvPr>
+          <p:cNvSpPr txBox="1">
+            <a:spLocks/>
+          </p:cNvSpPr>
+          <p:nvPr/>
+        </p:nvSpPr>
+        <p:spPr>
+          <a:xfrm>
+            <a:off x="1443036" y="4495371"/>
+            <a:ext cx="8458610" cy="1611086"/>
+          </a:xfrm>
+          <a:prstGeom prst="rect">
+            <a:avLst/>
+          </a:prstGeom>
+        </p:spPr>
+        <p:txBody>
+          <a:bodyPr vert="horz" lIns="91440" tIns="45720" rIns="91440" bIns="45720" rtlCol="0" anchor="ctr">
+            <a:normAutofit fontScale="97500"/>
+          </a:bodyPr>
+          <a:lstStyle>
+            <a:lvl1pPr algn="l" defTabSz="914400" rtl="0" eaLnBrk="1" latinLnBrk="0" hangingPunct="1">
+              <a:lnSpc>
+                <a:spcPct val="90000"/>
+              </a:lnSpc>
+              <a:spcBef>
+                <a:spcPct val="0"/>
+              </a:spcBef>
+              <a:buNone/>
+              <a:defRPr sz="3600" kern="1200" cap="all" baseline="0">
+                <a:solidFill>
+                  <a:schemeClr val="tx1"/>
+                </a:solidFill>
+                <a:latin typeface="+mj-lt"/>
+                <a:ea typeface="+mj-ea"/>
+                <a:cs typeface="+mj-cs"/>
+              </a:defRPr>
+            </a:lvl1pPr>
+          </a:lstStyle>
+          <a:p>
+            <a:r>
+              <a:rPr lang="en-US" sz="2000" cap="none" dirty="0">
+                <a:solidFill>
+                  <a:schemeClr val="tx1">
+                    <a:lumMod val="85000"/>
+                  </a:schemeClr>
+                </a:solidFill>
+              </a:rPr>
+              <a:t>If there is corruption the chain will lose to competing chains operated by less corrupt token holders</a:t>
+            </a:r>
+            <a:r>
+              <a:rPr lang="pl-PL" sz="2000" cap="none" dirty="0">
+                <a:solidFill>
+                  <a:schemeClr val="tx1">
+                    <a:lumMod val="85000"/>
+                  </a:schemeClr>
+                </a:solidFill>
+              </a:rPr>
+              <a:t>. U</a:t>
+            </a:r>
+            <a:r>
+              <a:rPr lang="en-US" sz="2000" cap="none" dirty="0" err="1">
+                <a:solidFill>
+                  <a:schemeClr val="tx1">
+                    <a:lumMod val="85000"/>
+                  </a:schemeClr>
+                </a:solidFill>
+              </a:rPr>
+              <a:t>nlike</a:t>
+            </a:r>
+            <a:r>
+              <a:rPr lang="en-US" sz="2000" cap="none" dirty="0">
+                <a:solidFill>
+                  <a:schemeClr val="tx1">
+                    <a:lumMod val="85000"/>
+                  </a:schemeClr>
+                </a:solidFill>
+              </a:rPr>
+              <a:t> other chains, if behavior is </a:t>
+            </a:r>
+            <a:r>
+              <a:rPr lang="en-US" sz="2000" cap="none" dirty="0" err="1">
+                <a:solidFill>
+                  <a:schemeClr val="tx1">
+                    <a:lumMod val="85000"/>
+                  </a:schemeClr>
+                </a:solidFill>
+              </a:rPr>
+              <a:t>truely</a:t>
+            </a:r>
+            <a:r>
+              <a:rPr lang="en-US" sz="2000" cap="none" dirty="0">
+                <a:solidFill>
+                  <a:schemeClr val="tx1">
+                    <a:lumMod val="85000"/>
+                  </a:schemeClr>
+                </a:solidFill>
+              </a:rPr>
+              <a:t> bad, the community will just fork them out</a:t>
+            </a:r>
+            <a:r>
+              <a:rPr lang="pl-PL" sz="2000" cap="none" dirty="0">
+                <a:solidFill>
+                  <a:schemeClr val="tx1">
+                    <a:lumMod val="85000"/>
+                  </a:schemeClr>
+                </a:solidFill>
+              </a:rPr>
+              <a:t>. O</a:t>
+            </a:r>
+            <a:r>
+              <a:rPr lang="en-US" sz="2000" cap="none" dirty="0">
+                <a:solidFill>
+                  <a:schemeClr val="tx1">
+                    <a:lumMod val="85000"/>
+                  </a:schemeClr>
+                </a:solidFill>
+              </a:rPr>
+              <a:t>n POW chains you cannot even launch another chain because miners will still own you</a:t>
+            </a:r>
+            <a:r>
+              <a:rPr lang="pl-PL" sz="2000" cap="none" dirty="0">
+                <a:solidFill>
+                  <a:schemeClr val="tx1">
+                    <a:lumMod val="85000"/>
+                  </a:schemeClr>
+                </a:solidFill>
+              </a:rPr>
+              <a:t>. </a:t>
+            </a:r>
+            <a:br>
+              <a:rPr lang="en-US" sz="2000" cap="none" dirty="0"/>
+            </a:br>
+            <a:endParaRPr lang="en-US" sz="2000" cap="none" dirty="0"/>
+          </a:p>
+        </p:txBody>
+      </p:sp>
+    </p:spTree>
+    <p:extLst>
+      <p:ext uri="{BB962C8B-B14F-4D97-AF65-F5344CB8AC3E}">
+        <p14:creationId xmlns:p14="http://schemas.microsoft.com/office/powerpoint/2010/main" val="3604775149"/>
+      </p:ext>
+    </p:extLst>
+  </p:cSld>
+  <p:clrMapOvr>
+    <a:masterClrMapping/>
+  </p:clrMapOvr>
+  <p:transition spd="slow">
+    <p:randomBar dir="vert"/>
+  </p:transition>
+</p:sld>
+</file>
+
+<file path=ppt/slides/slide32.xml><?xml version="1.0" encoding="utf-8"?>
+<p:sld xmlns:a="http://schemas.openxmlformats.org/drawingml/2006/main" xmlns:r="http://schemas.openxmlformats.org/officeDocument/2006/relationships" xmlns:p="http://schemas.openxmlformats.org/presentationml/2006/main">
+  <p:cSld>
+    <p:spTree>
+      <p:nvGrpSpPr>
+        <p:cNvPr id="1" name=""/>
+        <p:cNvGrpSpPr/>
+        <p:nvPr/>
+      </p:nvGrpSpPr>
+      <p:grpSpPr>
+        <a:xfrm>
+          <a:off x="0" y="0"/>
+          <a:ext cx="0" cy="0"/>
+          <a:chOff x="0" y="0"/>
+          <a:chExt cx="0" cy="0"/>
+        </a:xfrm>
+      </p:grpSpPr>
+      <p:sp>
+        <p:nvSpPr>
+          <p:cNvPr id="2" name="Title 1">
+            <a:extLst>
+              <a:ext uri="{FF2B5EF4-FFF2-40B4-BE49-F238E27FC236}">
                 <a16:creationId xmlns:a16="http://schemas.microsoft.com/office/drawing/2014/main" id="{641702F2-188F-4087-991C-EC62CE7DE077}"/>
               </a:ext>
             </a:extLst>
@@ -39937,7 +40307,7 @@
 </p:sld>
 </file>
 
-<file path=ppt/slides/slide32.xml><?xml version="1.0" encoding="utf-8"?>
+<file path=ppt/slides/slide33.xml><?xml version="1.0" encoding="utf-8"?>
 <p:sld xmlns:a="http://schemas.openxmlformats.org/drawingml/2006/main" xmlns:r="http://schemas.openxmlformats.org/officeDocument/2006/relationships" xmlns:p="http://schemas.openxmlformats.org/presentationml/2006/main" show="0">
   <p:cSld>
     <p:spTree>
@@ -40153,7 +40523,7 @@
 </p:sld>
 </file>
 
-<file path=ppt/slides/slide33.xml><?xml version="1.0" encoding="utf-8"?>
+<file path=ppt/slides/slide34.xml><?xml version="1.0" encoding="utf-8"?>
 <p:sld xmlns:a="http://schemas.openxmlformats.org/drawingml/2006/main" xmlns:r="http://schemas.openxmlformats.org/officeDocument/2006/relationships" xmlns:p="http://schemas.openxmlformats.org/presentationml/2006/main" show="0">
   <p:cSld>
     <p:spTree>
@@ -40561,7 +40931,7 @@
 </p:sld>
 </file>
 
-<file path=ppt/slides/slide34.xml><?xml version="1.0" encoding="utf-8"?>
+<file path=ppt/slides/slide35.xml><?xml version="1.0" encoding="utf-8"?>
 <p:sld xmlns:a="http://schemas.openxmlformats.org/drawingml/2006/main" xmlns:r="http://schemas.openxmlformats.org/officeDocument/2006/relationships" xmlns:p="http://schemas.openxmlformats.org/presentationml/2006/main" show="0">
   <p:cSld>
     <p:spTree>
@@ -40866,7 +41236,7 @@
 </p:sld>
 </file>
 
-<file path=ppt/slides/slide35.xml><?xml version="1.0" encoding="utf-8"?>
+<file path=ppt/slides/slide36.xml><?xml version="1.0" encoding="utf-8"?>
 <p:sld xmlns:a="http://schemas.openxmlformats.org/drawingml/2006/main" xmlns:r="http://schemas.openxmlformats.org/officeDocument/2006/relationships" xmlns:p="http://schemas.openxmlformats.org/presentationml/2006/main" show="0">
   <p:cSld>
     <p:spTree>
@@ -41175,7 +41545,7 @@
 </p:sld>
 </file>
 
-<file path=ppt/slides/slide36.xml><?xml version="1.0" encoding="utf-8"?>
+<file path=ppt/slides/slide37.xml><?xml version="1.0" encoding="utf-8"?>
 <p:sld xmlns:a="http://schemas.openxmlformats.org/drawingml/2006/main" xmlns:r="http://schemas.openxmlformats.org/officeDocument/2006/relationships" xmlns:p="http://schemas.openxmlformats.org/presentationml/2006/main" show="0">
   <p:cSld>
     <p:spTree>
@@ -41275,7 +41645,7 @@
 </p:sld>
 </file>
 
-<file path=ppt/slides/slide37.xml><?xml version="1.0" encoding="utf-8"?>
+<file path=ppt/slides/slide38.xml><?xml version="1.0" encoding="utf-8"?>
 <p:sld xmlns:a="http://schemas.openxmlformats.org/drawingml/2006/main" xmlns:r="http://schemas.openxmlformats.org/officeDocument/2006/relationships" xmlns:p="http://schemas.openxmlformats.org/presentationml/2006/main" show="0">
   <p:cSld>
     <p:spTree>
@@ -42874,7 +43244,7 @@
 </p:sld>
 </file>
 
-<file path=ppt/slides/slide38.xml><?xml version="1.0" encoding="utf-8"?>
+<file path=ppt/slides/slide39.xml><?xml version="1.0" encoding="utf-8"?>
 <p:sld xmlns:a="http://schemas.openxmlformats.org/drawingml/2006/main" xmlns:r="http://schemas.openxmlformats.org/officeDocument/2006/relationships" xmlns:p="http://schemas.openxmlformats.org/presentationml/2006/main" show="0">
   <p:cSld>
     <p:spTree>
@@ -44353,7 +44723,256 @@
 </p:sld>
 </file>
 
-<file path=ppt/slides/slide39.xml><?xml version="1.0" encoding="utf-8"?>
+<file path=ppt/slides/slide4.xml><?xml version="1.0" encoding="utf-8"?>
+<p:sld xmlns:a="http://schemas.openxmlformats.org/drawingml/2006/main" xmlns:r="http://schemas.openxmlformats.org/officeDocument/2006/relationships" xmlns:p="http://schemas.openxmlformats.org/presentationml/2006/main">
+  <p:cSld>
+    <p:spTree>
+      <p:nvGrpSpPr>
+        <p:cNvPr id="1" name=""/>
+        <p:cNvGrpSpPr/>
+        <p:nvPr/>
+      </p:nvGrpSpPr>
+      <p:grpSpPr>
+        <a:xfrm>
+          <a:off x="0" y="0"/>
+          <a:ext cx="0" cy="0"/>
+          <a:chOff x="0" y="0"/>
+          <a:chExt cx="0" cy="0"/>
+        </a:xfrm>
+      </p:grpSpPr>
+      <p:sp>
+        <p:nvSpPr>
+          <p:cNvPr id="2" name="Title 1">
+            <a:extLst>
+              <a:ext uri="{FF2B5EF4-FFF2-40B4-BE49-F238E27FC236}">
+                <a16:creationId xmlns:a16="http://schemas.microsoft.com/office/drawing/2014/main" id="{EF64A133-A75A-4EA3-AFC9-6C6E1297A1F6}"/>
+              </a:ext>
+            </a:extLst>
+          </p:cNvPr>
+          <p:cNvSpPr>
+            <a:spLocks noGrp="1"/>
+          </p:cNvSpPr>
+          <p:nvPr>
+            <p:ph type="title"/>
+          </p:nvPr>
+        </p:nvSpPr>
+        <p:spPr/>
+        <p:txBody>
+          <a:bodyPr/>
+          <a:lstStyle/>
+          <a:p>
+            <a:r>
+              <a:rPr lang="pl-PL" dirty="0"/>
+              <a:t>TRADING = DEALING WITH </a:t>
+            </a:r>
+            <a:r>
+              <a:rPr lang="pl-PL" dirty="0">
+                <a:solidFill>
+                  <a:schemeClr val="tx2">
+                    <a:lumMod val="75000"/>
+                  </a:schemeClr>
+                </a:solidFill>
+              </a:rPr>
+              <a:t>COMPLEXITY</a:t>
+            </a:r>
+          </a:p>
+        </p:txBody>
+      </p:sp>
+      <p:sp>
+        <p:nvSpPr>
+          <p:cNvPr id="3" name="Content Placeholder 2">
+            <a:extLst>
+              <a:ext uri="{FF2B5EF4-FFF2-40B4-BE49-F238E27FC236}">
+                <a16:creationId xmlns:a16="http://schemas.microsoft.com/office/drawing/2014/main" id="{21BC3B13-91C2-4964-A2E1-5141059D33C9}"/>
+              </a:ext>
+            </a:extLst>
+          </p:cNvPr>
+          <p:cNvSpPr>
+            <a:spLocks noGrp="1"/>
+          </p:cNvSpPr>
+          <p:nvPr>
+            <p:ph idx="1"/>
+          </p:nvPr>
+        </p:nvSpPr>
+        <p:spPr/>
+        <p:txBody>
+          <a:bodyPr/>
+          <a:lstStyle/>
+          <a:p>
+            <a:r>
+              <a:rPr lang="pl-PL" dirty="0"/>
+              <a:t>Blockchain </a:t>
+            </a:r>
+            <a:r>
+              <a:rPr lang="pl-PL" dirty="0" err="1"/>
+              <a:t>is</a:t>
+            </a:r>
+            <a:r>
+              <a:rPr lang="pl-PL" dirty="0"/>
+              <a:t> </a:t>
+            </a:r>
+            <a:r>
+              <a:rPr lang="pl-PL" dirty="0" err="1"/>
+              <a:t>about</a:t>
+            </a:r>
+            <a:r>
+              <a:rPr lang="pl-PL" dirty="0"/>
+              <a:t> trading, i.e. </a:t>
+            </a:r>
+            <a:r>
+              <a:rPr lang="pl-PL" dirty="0" err="1"/>
+              <a:t>moving</a:t>
+            </a:r>
+            <a:r>
+              <a:rPr lang="pl-PL" dirty="0"/>
+              <a:t> </a:t>
+            </a:r>
+            <a:r>
+              <a:rPr lang="pl-PL" dirty="0" err="1"/>
+              <a:t>assets</a:t>
+            </a:r>
+            <a:r>
+              <a:rPr lang="pl-PL" dirty="0"/>
+              <a:t> </a:t>
+            </a:r>
+            <a:r>
+              <a:rPr lang="pl-PL" dirty="0" err="1"/>
+              <a:t>around</a:t>
+            </a:r>
+            <a:endParaRPr lang="pl-PL" dirty="0"/>
+          </a:p>
+          <a:p>
+            <a:r>
+              <a:rPr lang="pl-PL" dirty="0"/>
+              <a:t>W</a:t>
+            </a:r>
+            <a:r>
+              <a:rPr lang="en-US" dirty="0"/>
+              <a:t>e like complexity</a:t>
+            </a:r>
+            <a:r>
+              <a:rPr lang="pl-PL" dirty="0"/>
+              <a:t> - </a:t>
+            </a:r>
+            <a:r>
+              <a:rPr lang="pl-PL" dirty="0" err="1"/>
+              <a:t>this</a:t>
+            </a:r>
+            <a:r>
+              <a:rPr lang="pl-PL" dirty="0"/>
+              <a:t> </a:t>
+            </a:r>
+            <a:r>
+              <a:rPr lang="pl-PL" dirty="0" err="1"/>
+              <a:t>is</a:t>
+            </a:r>
+            <a:r>
+              <a:rPr lang="pl-PL" dirty="0"/>
+              <a:t> the </a:t>
+            </a:r>
+            <a:r>
+              <a:rPr lang="pl-PL" dirty="0" err="1"/>
+              <a:t>very</a:t>
+            </a:r>
+            <a:r>
+              <a:rPr lang="pl-PL" dirty="0"/>
+              <a:t> </a:t>
+            </a:r>
+            <a:r>
+              <a:rPr lang="pl-PL" dirty="0" err="1"/>
+              <a:t>reason</a:t>
+            </a:r>
+            <a:r>
+              <a:rPr lang="pl-PL" dirty="0"/>
+              <a:t> we trade</a:t>
+            </a:r>
+          </a:p>
+          <a:p>
+            <a:r>
+              <a:rPr lang="pl-PL" dirty="0" err="1"/>
+              <a:t>Complexity</a:t>
+            </a:r>
+            <a:r>
+              <a:rPr lang="pl-PL" dirty="0"/>
+              <a:t> </a:t>
+            </a:r>
+            <a:r>
+              <a:rPr lang="pl-PL" dirty="0" err="1"/>
+              <a:t>means</a:t>
+            </a:r>
+            <a:r>
+              <a:rPr lang="pl-PL" dirty="0"/>
+              <a:t> </a:t>
+            </a:r>
+            <a:r>
+              <a:rPr lang="pl-PL" dirty="0" err="1"/>
+              <a:t>risk</a:t>
+            </a:r>
+            <a:r>
+              <a:rPr lang="pl-PL" dirty="0"/>
+              <a:t>: </a:t>
+            </a:r>
+            <a:r>
+              <a:rPr lang="en-US" dirty="0"/>
+              <a:t>lot</a:t>
+            </a:r>
+            <a:r>
+              <a:rPr lang="pl-PL" dirty="0"/>
+              <a:t>s</a:t>
+            </a:r>
+            <a:r>
+              <a:rPr lang="en-US" dirty="0"/>
+              <a:t> of things </a:t>
+            </a:r>
+            <a:r>
+              <a:rPr lang="pl-PL" dirty="0" err="1"/>
+              <a:t>can</a:t>
+            </a:r>
+            <a:r>
+              <a:rPr lang="pl-PL" dirty="0"/>
+              <a:t> </a:t>
+            </a:r>
+            <a:r>
+              <a:rPr lang="en-US" dirty="0"/>
+              <a:t>go wrong</a:t>
+            </a:r>
+            <a:r>
+              <a:rPr lang="pl-PL" dirty="0"/>
+              <a:t>, </a:t>
+            </a:r>
+            <a:r>
+              <a:rPr lang="en-US" dirty="0"/>
+              <a:t>especially </a:t>
+            </a:r>
+            <a:r>
+              <a:rPr lang="pl-PL" dirty="0"/>
+              <a:t>on a </a:t>
+            </a:r>
+            <a:r>
+              <a:rPr lang="en-US" dirty="0"/>
+              <a:t>blockchain</a:t>
+            </a:r>
+            <a:endParaRPr lang="pl-PL" dirty="0"/>
+          </a:p>
+        </p:txBody>
+      </p:sp>
+    </p:spTree>
+    <p:extLst>
+      <p:ext uri="{BB962C8B-B14F-4D97-AF65-F5344CB8AC3E}">
+        <p14:creationId xmlns:p14="http://schemas.microsoft.com/office/powerpoint/2010/main" val="1547189172"/>
+      </p:ext>
+    </p:extLst>
+  </p:cSld>
+  <p:clrMapOvr>
+    <a:masterClrMapping/>
+  </p:clrMapOvr>
+  <p:transition spd="slow">
+    <p:randomBar dir="vert"/>
+  </p:transition>
+</p:sld>
+</file>
+
+<file path=ppt/slides/slide40.xml><?xml version="1.0" encoding="utf-8"?>
 <p:sld xmlns:a="http://schemas.openxmlformats.org/drawingml/2006/main" xmlns:r="http://schemas.openxmlformats.org/officeDocument/2006/relationships" xmlns:p="http://schemas.openxmlformats.org/presentationml/2006/main" show="0">
   <p:cSld>
     <p:spTree>
@@ -45466,256 +46085,7 @@
 </p:sld>
 </file>
 
-<file path=ppt/slides/slide4.xml><?xml version="1.0" encoding="utf-8"?>
-<p:sld xmlns:a="http://schemas.openxmlformats.org/drawingml/2006/main" xmlns:r="http://schemas.openxmlformats.org/officeDocument/2006/relationships" xmlns:p="http://schemas.openxmlformats.org/presentationml/2006/main">
-  <p:cSld>
-    <p:spTree>
-      <p:nvGrpSpPr>
-        <p:cNvPr id="1" name=""/>
-        <p:cNvGrpSpPr/>
-        <p:nvPr/>
-      </p:nvGrpSpPr>
-      <p:grpSpPr>
-        <a:xfrm>
-          <a:off x="0" y="0"/>
-          <a:ext cx="0" cy="0"/>
-          <a:chOff x="0" y="0"/>
-          <a:chExt cx="0" cy="0"/>
-        </a:xfrm>
-      </p:grpSpPr>
-      <p:sp>
-        <p:nvSpPr>
-          <p:cNvPr id="2" name="Title 1">
-            <a:extLst>
-              <a:ext uri="{FF2B5EF4-FFF2-40B4-BE49-F238E27FC236}">
-                <a16:creationId xmlns:a16="http://schemas.microsoft.com/office/drawing/2014/main" id="{EF64A133-A75A-4EA3-AFC9-6C6E1297A1F6}"/>
-              </a:ext>
-            </a:extLst>
-          </p:cNvPr>
-          <p:cNvSpPr>
-            <a:spLocks noGrp="1"/>
-          </p:cNvSpPr>
-          <p:nvPr>
-            <p:ph type="title"/>
-          </p:nvPr>
-        </p:nvSpPr>
-        <p:spPr/>
-        <p:txBody>
-          <a:bodyPr/>
-          <a:lstStyle/>
-          <a:p>
-            <a:r>
-              <a:rPr lang="pl-PL" dirty="0"/>
-              <a:t>TRADING = DEALING WITH </a:t>
-            </a:r>
-            <a:r>
-              <a:rPr lang="pl-PL" dirty="0">
-                <a:solidFill>
-                  <a:schemeClr val="tx2">
-                    <a:lumMod val="75000"/>
-                  </a:schemeClr>
-                </a:solidFill>
-              </a:rPr>
-              <a:t>COMPLEXITY</a:t>
-            </a:r>
-          </a:p>
-        </p:txBody>
-      </p:sp>
-      <p:sp>
-        <p:nvSpPr>
-          <p:cNvPr id="3" name="Content Placeholder 2">
-            <a:extLst>
-              <a:ext uri="{FF2B5EF4-FFF2-40B4-BE49-F238E27FC236}">
-                <a16:creationId xmlns:a16="http://schemas.microsoft.com/office/drawing/2014/main" id="{21BC3B13-91C2-4964-A2E1-5141059D33C9}"/>
-              </a:ext>
-            </a:extLst>
-          </p:cNvPr>
-          <p:cNvSpPr>
-            <a:spLocks noGrp="1"/>
-          </p:cNvSpPr>
-          <p:nvPr>
-            <p:ph idx="1"/>
-          </p:nvPr>
-        </p:nvSpPr>
-        <p:spPr/>
-        <p:txBody>
-          <a:bodyPr/>
-          <a:lstStyle/>
-          <a:p>
-            <a:r>
-              <a:rPr lang="pl-PL" dirty="0"/>
-              <a:t>Blockchain </a:t>
-            </a:r>
-            <a:r>
-              <a:rPr lang="pl-PL" dirty="0" err="1"/>
-              <a:t>is</a:t>
-            </a:r>
-            <a:r>
-              <a:rPr lang="pl-PL" dirty="0"/>
-              <a:t> </a:t>
-            </a:r>
-            <a:r>
-              <a:rPr lang="pl-PL" dirty="0" err="1"/>
-              <a:t>about</a:t>
-            </a:r>
-            <a:r>
-              <a:rPr lang="pl-PL" dirty="0"/>
-              <a:t> trading, i.e. </a:t>
-            </a:r>
-            <a:r>
-              <a:rPr lang="pl-PL" dirty="0" err="1"/>
-              <a:t>moving</a:t>
-            </a:r>
-            <a:r>
-              <a:rPr lang="pl-PL" dirty="0"/>
-              <a:t> </a:t>
-            </a:r>
-            <a:r>
-              <a:rPr lang="pl-PL" dirty="0" err="1"/>
-              <a:t>assets</a:t>
-            </a:r>
-            <a:r>
-              <a:rPr lang="pl-PL" dirty="0"/>
-              <a:t> </a:t>
-            </a:r>
-            <a:r>
-              <a:rPr lang="pl-PL" dirty="0" err="1"/>
-              <a:t>around</a:t>
-            </a:r>
-            <a:endParaRPr lang="pl-PL" dirty="0"/>
-          </a:p>
-          <a:p>
-            <a:r>
-              <a:rPr lang="pl-PL" dirty="0"/>
-              <a:t>W</a:t>
-            </a:r>
-            <a:r>
-              <a:rPr lang="en-US" dirty="0"/>
-              <a:t>e like complexity</a:t>
-            </a:r>
-            <a:r>
-              <a:rPr lang="pl-PL" dirty="0"/>
-              <a:t> - </a:t>
-            </a:r>
-            <a:r>
-              <a:rPr lang="pl-PL" dirty="0" err="1"/>
-              <a:t>this</a:t>
-            </a:r>
-            <a:r>
-              <a:rPr lang="pl-PL" dirty="0"/>
-              <a:t> </a:t>
-            </a:r>
-            <a:r>
-              <a:rPr lang="pl-PL" dirty="0" err="1"/>
-              <a:t>is</a:t>
-            </a:r>
-            <a:r>
-              <a:rPr lang="pl-PL" dirty="0"/>
-              <a:t> the </a:t>
-            </a:r>
-            <a:r>
-              <a:rPr lang="pl-PL" dirty="0" err="1"/>
-              <a:t>very</a:t>
-            </a:r>
-            <a:r>
-              <a:rPr lang="pl-PL" dirty="0"/>
-              <a:t> </a:t>
-            </a:r>
-            <a:r>
-              <a:rPr lang="pl-PL" dirty="0" err="1"/>
-              <a:t>reason</a:t>
-            </a:r>
-            <a:r>
-              <a:rPr lang="pl-PL" dirty="0"/>
-              <a:t> we trade</a:t>
-            </a:r>
-          </a:p>
-          <a:p>
-            <a:r>
-              <a:rPr lang="pl-PL" dirty="0" err="1"/>
-              <a:t>Complexity</a:t>
-            </a:r>
-            <a:r>
-              <a:rPr lang="pl-PL" dirty="0"/>
-              <a:t> </a:t>
-            </a:r>
-            <a:r>
-              <a:rPr lang="pl-PL" dirty="0" err="1"/>
-              <a:t>means</a:t>
-            </a:r>
-            <a:r>
-              <a:rPr lang="pl-PL" dirty="0"/>
-              <a:t> </a:t>
-            </a:r>
-            <a:r>
-              <a:rPr lang="pl-PL" dirty="0" err="1"/>
-              <a:t>risk</a:t>
-            </a:r>
-            <a:r>
-              <a:rPr lang="pl-PL" dirty="0"/>
-              <a:t>: </a:t>
-            </a:r>
-            <a:r>
-              <a:rPr lang="en-US" dirty="0"/>
-              <a:t>lot</a:t>
-            </a:r>
-            <a:r>
-              <a:rPr lang="pl-PL" dirty="0"/>
-              <a:t>s</a:t>
-            </a:r>
-            <a:r>
-              <a:rPr lang="en-US" dirty="0"/>
-              <a:t> of things </a:t>
-            </a:r>
-            <a:r>
-              <a:rPr lang="pl-PL" dirty="0" err="1"/>
-              <a:t>can</a:t>
-            </a:r>
-            <a:r>
-              <a:rPr lang="pl-PL" dirty="0"/>
-              <a:t> </a:t>
-            </a:r>
-            <a:r>
-              <a:rPr lang="en-US" dirty="0"/>
-              <a:t>go wrong</a:t>
-            </a:r>
-            <a:r>
-              <a:rPr lang="pl-PL" dirty="0"/>
-              <a:t>, </a:t>
-            </a:r>
-            <a:r>
-              <a:rPr lang="en-US" dirty="0"/>
-              <a:t>especially </a:t>
-            </a:r>
-            <a:r>
-              <a:rPr lang="pl-PL" dirty="0"/>
-              <a:t>on a </a:t>
-            </a:r>
-            <a:r>
-              <a:rPr lang="en-US" dirty="0"/>
-              <a:t>blockchain</a:t>
-            </a:r>
-            <a:endParaRPr lang="pl-PL" dirty="0"/>
-          </a:p>
-        </p:txBody>
-      </p:sp>
-    </p:spTree>
-    <p:extLst>
-      <p:ext uri="{BB962C8B-B14F-4D97-AF65-F5344CB8AC3E}">
-        <p14:creationId xmlns:p14="http://schemas.microsoft.com/office/powerpoint/2010/main" val="1547189172"/>
-      </p:ext>
-    </p:extLst>
-  </p:cSld>
-  <p:clrMapOvr>
-    <a:masterClrMapping/>
-  </p:clrMapOvr>
-  <p:transition spd="slow">
-    <p:randomBar dir="vert"/>
-  </p:transition>
-</p:sld>
-</file>
-
-<file path=ppt/slides/slide40.xml><?xml version="1.0" encoding="utf-8"?>
+<file path=ppt/slides/slide41.xml><?xml version="1.0" encoding="utf-8"?>
 <p:sld xmlns:a="http://schemas.openxmlformats.org/drawingml/2006/main" xmlns:r="http://schemas.openxmlformats.org/officeDocument/2006/relationships" xmlns:p="http://schemas.openxmlformats.org/presentationml/2006/main" show="0">
   <p:cSld>
     <p:spTree>
@@ -45923,7 +46293,7 @@
 </p:sld>
 </file>
 
-<file path=ppt/slides/slide41.xml><?xml version="1.0" encoding="utf-8"?>
+<file path=ppt/slides/slide42.xml><?xml version="1.0" encoding="utf-8"?>
 <p:sld xmlns:a="http://schemas.openxmlformats.org/drawingml/2006/main" xmlns:r="http://schemas.openxmlformats.org/officeDocument/2006/relationships" xmlns:p="http://schemas.openxmlformats.org/presentationml/2006/main" show="0">
   <p:cSld>
     <p:spTree>
@@ -46417,7 +46787,7 @@
 </p:sld>
 </file>
 
-<file path=ppt/slides/slide42.xml><?xml version="1.0" encoding="utf-8"?>
+<file path=ppt/slides/slide43.xml><?xml version="1.0" encoding="utf-8"?>
 <p:sld xmlns:a="http://schemas.openxmlformats.org/drawingml/2006/main" xmlns:r="http://schemas.openxmlformats.org/officeDocument/2006/relationships" xmlns:p="http://schemas.openxmlformats.org/presentationml/2006/main">
   <p:cSld>
     <p:spTree>
@@ -46901,7 +47271,7 @@
 </p:sld>
 </file>
 
-<file path=ppt/slides/slide43.xml><?xml version="1.0" encoding="utf-8"?>
+<file path=ppt/slides/slide44.xml><?xml version="1.0" encoding="utf-8"?>
 <p:sld xmlns:a="http://schemas.openxmlformats.org/drawingml/2006/main" xmlns:r="http://schemas.openxmlformats.org/officeDocument/2006/relationships" xmlns:p="http://schemas.openxmlformats.org/presentationml/2006/main">
   <p:cSld>
     <p:spTree>

--- a/eostalk/EOS Talk BlockAliance.pptx
+++ b/eostalk/EOS Talk BlockAliance.pptx
@@ -18749,7 +18749,7 @@
           <a:p>
             <a:fld id="{6D9EE66E-0075-4EC7-AFEF-A844E5107398}" type="datetimeFigureOut">
               <a:rPr lang="en-US" smtClean="0"/>
-              <a:t>5/7/2018</a:t>
+              <a:t>5/21/2018</a:t>
             </a:fld>
             <a:endParaRPr lang="en-US" dirty="0"/>
           </a:p>
@@ -24610,7 +24610,7 @@
           <a:p>
             <a:fld id="{B76943AF-B946-47F7-8510-2C710F5C29B5}" type="datetimeFigureOut">
               <a:rPr lang="en-US" smtClean="0"/>
-              <a:t>5/7/2018</a:t>
+              <a:t>5/21/2018</a:t>
             </a:fld>
             <a:endParaRPr lang="en-US" dirty="0"/>
           </a:p>
@@ -24876,7 +24876,7 @@
           <a:p>
             <a:fld id="{B76943AF-B946-47F7-8510-2C710F5C29B5}" type="datetimeFigureOut">
               <a:rPr lang="en-US" smtClean="0"/>
-              <a:t>5/7/2018</a:t>
+              <a:t>5/21/2018</a:t>
             </a:fld>
             <a:endParaRPr lang="en-US" dirty="0"/>
           </a:p>
@@ -25072,7 +25072,7 @@
           <a:p>
             <a:fld id="{B76943AF-B946-47F7-8510-2C710F5C29B5}" type="datetimeFigureOut">
               <a:rPr lang="en-US" smtClean="0"/>
-              <a:t>5/7/2018</a:t>
+              <a:t>5/21/2018</a:t>
             </a:fld>
             <a:endParaRPr lang="en-US" dirty="0"/>
           </a:p>
@@ -25335,7 +25335,7 @@
           <a:p>
             <a:fld id="{B76943AF-B946-47F7-8510-2C710F5C29B5}" type="datetimeFigureOut">
               <a:rPr lang="en-US" smtClean="0"/>
-              <a:t>5/7/2018</a:t>
+              <a:t>5/21/2018</a:t>
             </a:fld>
             <a:endParaRPr lang="en-US" dirty="0"/>
           </a:p>
@@ -25814,7 +25814,7 @@
           <a:p>
             <a:fld id="{B76943AF-B946-47F7-8510-2C710F5C29B5}" type="datetimeFigureOut">
               <a:rPr lang="en-US" smtClean="0"/>
-              <a:t>5/7/2018</a:t>
+              <a:t>5/21/2018</a:t>
             </a:fld>
             <a:endParaRPr lang="en-US" dirty="0"/>
           </a:p>
@@ -26360,7 +26360,7 @@
           <a:p>
             <a:fld id="{B76943AF-B946-47F7-8510-2C710F5C29B5}" type="datetimeFigureOut">
               <a:rPr lang="en-US" smtClean="0"/>
-              <a:t>5/7/2018</a:t>
+              <a:t>5/21/2018</a:t>
             </a:fld>
             <a:endParaRPr lang="en-US" dirty="0"/>
           </a:p>
@@ -27077,7 +27077,7 @@
           <a:p>
             <a:fld id="{B76943AF-B946-47F7-8510-2C710F5C29B5}" type="datetimeFigureOut">
               <a:rPr lang="en-US" smtClean="0"/>
-              <a:t>5/7/2018</a:t>
+              <a:t>5/21/2018</a:t>
             </a:fld>
             <a:endParaRPr lang="en-US" dirty="0"/>
           </a:p>
@@ -27247,7 +27247,7 @@
           <a:p>
             <a:fld id="{B76943AF-B946-47F7-8510-2C710F5C29B5}" type="datetimeFigureOut">
               <a:rPr lang="en-US" smtClean="0"/>
-              <a:t>5/7/2018</a:t>
+              <a:t>5/21/2018</a:t>
             </a:fld>
             <a:endParaRPr lang="en-US" dirty="0"/>
           </a:p>
@@ -27427,7 +27427,7 @@
           <a:p>
             <a:fld id="{B76943AF-B946-47F7-8510-2C710F5C29B5}" type="datetimeFigureOut">
               <a:rPr lang="en-US" smtClean="0"/>
-              <a:t>5/7/2018</a:t>
+              <a:t>5/21/2018</a:t>
             </a:fld>
             <a:endParaRPr lang="en-US" dirty="0"/>
           </a:p>
@@ -27597,7 +27597,7 @@
           <a:p>
             <a:fld id="{B76943AF-B946-47F7-8510-2C710F5C29B5}" type="datetimeFigureOut">
               <a:rPr lang="en-US" smtClean="0"/>
-              <a:t>5/7/2018</a:t>
+              <a:t>5/21/2018</a:t>
             </a:fld>
             <a:endParaRPr lang="en-US" dirty="0"/>
           </a:p>
@@ -27937,7 +27937,7 @@
           <a:p>
             <a:fld id="{B76943AF-B946-47F7-8510-2C710F5C29B5}" type="datetimeFigureOut">
               <a:rPr lang="en-US" smtClean="0"/>
-              <a:t>5/7/2018</a:t>
+              <a:t>5/21/2018</a:t>
             </a:fld>
             <a:endParaRPr lang="en-US" dirty="0"/>
           </a:p>
@@ -28169,7 +28169,7 @@
           <a:p>
             <a:fld id="{B76943AF-B946-47F7-8510-2C710F5C29B5}" type="datetimeFigureOut">
               <a:rPr lang="en-US" smtClean="0"/>
-              <a:t>5/7/2018</a:t>
+              <a:t>5/21/2018</a:t>
             </a:fld>
             <a:endParaRPr lang="en-US" dirty="0"/>
           </a:p>
@@ -28550,7 +28550,7 @@
           <a:p>
             <a:fld id="{B76943AF-B946-47F7-8510-2C710F5C29B5}" type="datetimeFigureOut">
               <a:rPr lang="en-US" smtClean="0"/>
-              <a:t>5/7/2018</a:t>
+              <a:t>5/21/2018</a:t>
             </a:fld>
             <a:endParaRPr lang="en-US" dirty="0"/>
           </a:p>
@@ -28668,7 +28668,7 @@
           <a:p>
             <a:fld id="{B76943AF-B946-47F7-8510-2C710F5C29B5}" type="datetimeFigureOut">
               <a:rPr lang="en-US" smtClean="0"/>
-              <a:t>5/7/2018</a:t>
+              <a:t>5/21/2018</a:t>
             </a:fld>
             <a:endParaRPr lang="en-US" dirty="0"/>
           </a:p>
@@ -28763,7 +28763,7 @@
           <a:p>
             <a:fld id="{B76943AF-B946-47F7-8510-2C710F5C29B5}" type="datetimeFigureOut">
               <a:rPr lang="en-US" smtClean="0"/>
-              <a:t>5/7/2018</a:t>
+              <a:t>5/21/2018</a:t>
             </a:fld>
             <a:endParaRPr lang="en-US" dirty="0"/>
           </a:p>
@@ -29012,7 +29012,7 @@
           <a:p>
             <a:fld id="{B76943AF-B946-47F7-8510-2C710F5C29B5}" type="datetimeFigureOut">
               <a:rPr lang="en-US" smtClean="0"/>
-              <a:t>5/7/2018</a:t>
+              <a:t>5/21/2018</a:t>
             </a:fld>
             <a:endParaRPr lang="en-US" dirty="0"/>
           </a:p>
@@ -29291,7 +29291,7 @@
           <a:p>
             <a:fld id="{B76943AF-B946-47F7-8510-2C710F5C29B5}" type="datetimeFigureOut">
               <a:rPr lang="en-US" smtClean="0"/>
-              <a:t>5/7/2018</a:t>
+              <a:t>5/21/2018</a:t>
             </a:fld>
             <a:endParaRPr lang="en-US" dirty="0"/>
           </a:p>
@@ -32337,7 +32337,7 @@
           <a:p>
             <a:fld id="{B76943AF-B946-47F7-8510-2C710F5C29B5}" type="datetimeFigureOut">
               <a:rPr lang="en-US" smtClean="0"/>
-              <a:t>5/7/2018</a:t>
+              <a:t>5/21/2018</a:t>
             </a:fld>
             <a:endParaRPr lang="en-US" dirty="0"/>
           </a:p>
@@ -32817,59 +32817,42 @@
         </p:spPr>
         <p:txBody>
           <a:bodyPr>
-            <a:normAutofit/>
+            <a:normAutofit fontScale="92500"/>
           </a:bodyPr>
           <a:lstStyle/>
           <a:p>
             <a:r>
-              <a:rPr lang="en-US" sz="2200" dirty="0">
+              <a:rPr lang="pl-PL" sz="2400" dirty="0"/>
+              <a:t>T</a:t>
+            </a:r>
+            <a:r>
+              <a:rPr lang="en-US" sz="2400" dirty="0"/>
+              <a:t>he blockchain for business</a:t>
+            </a:r>
+            <a:br>
+              <a:rPr lang="pl-PL" sz="2400" dirty="0"/>
+            </a:br>
+            <a:r>
+              <a:rPr lang="en-US" sz="2400" dirty="0"/>
+              <a:t>is the blockchain that </a:t>
+            </a:r>
+            <a:r>
+              <a:rPr lang="en-US" sz="2400" dirty="0">
                 <a:solidFill>
                   <a:schemeClr val="tx2">
                     <a:lumMod val="75000"/>
                   </a:schemeClr>
                 </a:solidFill>
               </a:rPr>
-              <a:t>The </a:t>
-            </a:r>
-            <a:r>
-              <a:rPr lang="pl-PL" sz="2200" dirty="0">
-                <a:solidFill>
-                  <a:schemeClr val="tx2">
-                    <a:lumMod val="75000"/>
-                  </a:schemeClr>
-                </a:solidFill>
-              </a:rPr>
-              <a:t>UNPERMISSIONED </a:t>
-            </a:r>
-            <a:r>
-              <a:rPr lang="en-US" sz="2200" dirty="0">
-                <a:solidFill>
-                  <a:schemeClr val="tx2">
-                    <a:lumMod val="75000"/>
-                  </a:schemeClr>
-                </a:solidFill>
-              </a:rPr>
-              <a:t>blockchain</a:t>
-            </a:r>
-            <a:br>
-              <a:rPr lang="pl-PL" sz="2200" dirty="0">
-                <a:solidFill>
-                  <a:schemeClr val="tx2">
-                    <a:lumMod val="75000"/>
-                  </a:schemeClr>
-                </a:solidFill>
-              </a:rPr>
-            </a:br>
-            <a:r>
-              <a:rPr lang="en-US" sz="2200" dirty="0">
-                <a:solidFill>
-                  <a:schemeClr val="tx2">
-                    <a:lumMod val="75000"/>
-                  </a:schemeClr>
-                </a:solidFill>
-              </a:rPr>
-              <a:t>that solves the black swan</a:t>
-            </a:r>
+              <a:t>solves the black swan</a:t>
+            </a:r>
+            <a:endParaRPr lang="en-US" sz="2200" dirty="0">
+              <a:solidFill>
+                <a:schemeClr val="tx2">
+                  <a:lumMod val="75000"/>
+                </a:schemeClr>
+              </a:solidFill>
+            </a:endParaRPr>
           </a:p>
         </p:txBody>
       </p:sp>
@@ -37054,7 +37037,7 @@
             </a:r>
             <a:r>
               <a:rPr lang="pl-PL" dirty="0" err="1"/>
-              <a:t>risk</a:t>
+              <a:t>they</a:t>
             </a:r>
             <a:r>
               <a:rPr lang="pl-PL" dirty="0"/>
@@ -37062,7 +37045,7 @@
             </a:r>
             <a:r>
               <a:rPr lang="pl-PL" dirty="0" err="1"/>
-              <a:t>being</a:t>
+              <a:t>risk</a:t>
             </a:r>
             <a:r>
               <a:rPr lang="pl-PL" dirty="0"/>
@@ -37070,6 +37053,14 @@
             </a:r>
             <a:r>
               <a:rPr lang="pl-PL" dirty="0" err="1"/>
+              <a:t>being</a:t>
+            </a:r>
+            <a:r>
+              <a:rPr lang="pl-PL" dirty="0"/>
+              <a:t> </a:t>
+            </a:r>
+            <a:r>
+              <a:rPr lang="pl-PL" dirty="0" err="1"/>
               <a:t>voted</a:t>
             </a:r>
             <a:r>
@@ -37086,15 +37077,15 @@
             </a:r>
             <a:r>
               <a:rPr lang="pl-PL" dirty="0" err="1"/>
-              <a:t>violate</a:t>
+              <a:t>they</a:t>
             </a:r>
             <a:r>
               <a:rPr lang="pl-PL" dirty="0"/>
-              <a:t> the </a:t>
+              <a:t> </a:t>
             </a:r>
             <a:r>
               <a:rPr lang="pl-PL" dirty="0" err="1"/>
-              <a:t>constitution</a:t>
+              <a:t>misbehave</a:t>
             </a:r>
             <a:endParaRPr lang="pl-PL" dirty="0"/>
           </a:p>
@@ -47558,7 +47549,23 @@
                   <a:schemeClr val="tx2"/>
                 </a:solidFill>
               </a:rPr>
-              <a:t>facebook.com/groups/Tokenika</a:t>
+              <a:t>facebook.com/</a:t>
+            </a:r>
+            <a:r>
+              <a:rPr lang="pl-PL" dirty="0" err="1">
+                <a:solidFill>
+                  <a:schemeClr val="tx2"/>
+                </a:solidFill>
+              </a:rPr>
+              <a:t>groups</a:t>
+            </a:r>
+            <a:r>
+              <a:rPr lang="pl-PL">
+                <a:solidFill>
+                  <a:schemeClr val="tx2"/>
+                </a:solidFill>
+              </a:rPr>
+              <a:t>/TOKENIKA</a:t>
             </a:r>
             <a:br>
               <a:rPr lang="pl-PL" dirty="0">
@@ -48743,50 +48750,7 @@
               <a:rPr lang="pl-PL" dirty="0" err="1"/>
               <a:t>misbehave</a:t>
             </a:r>
-            <a:r>
-              <a:rPr lang="pl-PL" dirty="0"/>
-              <a:t> </a:t>
-            </a:r>
-            <a:r>
-              <a:rPr lang="pl-PL" dirty="0" err="1"/>
-              <a:t>because</a:t>
-            </a:r>
-            <a:r>
-              <a:rPr lang="pl-PL" dirty="0"/>
-              <a:t> </a:t>
-            </a:r>
-            <a:r>
-              <a:rPr lang="pl-PL" dirty="0" err="1"/>
-              <a:t>you</a:t>
-            </a:r>
-            <a:r>
-              <a:rPr lang="pl-PL" dirty="0"/>
-              <a:t> </a:t>
-            </a:r>
-            <a:r>
-              <a:rPr lang="pl-PL" dirty="0" err="1"/>
-              <a:t>risk</a:t>
-            </a:r>
-            <a:r>
-              <a:rPr lang="pl-PL" dirty="0"/>
-              <a:t> </a:t>
-            </a:r>
-            <a:r>
-              <a:rPr lang="pl-PL" dirty="0" err="1"/>
-              <a:t>being</a:t>
-            </a:r>
-            <a:r>
-              <a:rPr lang="pl-PL" dirty="0"/>
-              <a:t> </a:t>
-            </a:r>
-            <a:r>
-              <a:rPr lang="pl-PL" dirty="0" err="1"/>
-              <a:t>kicked</a:t>
-            </a:r>
-            <a:r>
-              <a:rPr lang="pl-PL" dirty="0"/>
-              <a:t> out</a:t>
-            </a:r>
+            <a:endParaRPr lang="pl-PL" dirty="0"/>
           </a:p>
         </p:txBody>
       </p:sp>
